--- a/Homework/hw2/104062361_report.pptx
+++ b/Homework/hw2/104062361_report.pptx
@@ -6,21 +6,24 @@
   </p:sldMasterIdLst>
   <p:sldIdLst>
     <p:sldId id="256" r:id="rId2"/>
-    <p:sldId id="258" r:id="rId3"/>
-    <p:sldId id="257" r:id="rId4"/>
-    <p:sldId id="259" r:id="rId5"/>
-    <p:sldId id="261" r:id="rId6"/>
-    <p:sldId id="260" r:id="rId7"/>
-    <p:sldId id="265" r:id="rId8"/>
-    <p:sldId id="264" r:id="rId9"/>
-    <p:sldId id="263" r:id="rId10"/>
-    <p:sldId id="266" r:id="rId11"/>
-    <p:sldId id="267" r:id="rId12"/>
-    <p:sldId id="268" r:id="rId13"/>
-    <p:sldId id="269" r:id="rId14"/>
-    <p:sldId id="270" r:id="rId15"/>
-    <p:sldId id="271" r:id="rId16"/>
-    <p:sldId id="274" r:id="rId17"/>
+    <p:sldId id="277" r:id="rId3"/>
+    <p:sldId id="258" r:id="rId4"/>
+    <p:sldId id="257" r:id="rId5"/>
+    <p:sldId id="259" r:id="rId6"/>
+    <p:sldId id="261" r:id="rId7"/>
+    <p:sldId id="260" r:id="rId8"/>
+    <p:sldId id="265" r:id="rId9"/>
+    <p:sldId id="264" r:id="rId10"/>
+    <p:sldId id="263" r:id="rId11"/>
+    <p:sldId id="266" r:id="rId12"/>
+    <p:sldId id="267" r:id="rId13"/>
+    <p:sldId id="276" r:id="rId14"/>
+    <p:sldId id="268" r:id="rId15"/>
+    <p:sldId id="269" r:id="rId16"/>
+    <p:sldId id="270" r:id="rId17"/>
+    <p:sldId id="271" r:id="rId18"/>
+    <p:sldId id="274" r:id="rId19"/>
+    <p:sldId id="275" r:id="rId20"/>
   </p:sldIdLst>
   <p:sldSz cx="12192000" cy="6858000"/>
   <p:notesSz cx="6858000" cy="9144000"/>
@@ -718,7 +721,7 @@
           </a:lstStyle>
           <a:p>
             <a:r>
-              <a:rPr lang="zh-TW" altLang="en-US" smtClean="0"/>
+              <a:rPr lang="zh-TW" altLang="en-US"/>
               <a:t>按一下以編輯母片標題樣式</a:t>
             </a:r>
             <a:endParaRPr lang="en-US" dirty="0"/>
@@ -838,7 +841,7 @@
           </a:lstStyle>
           <a:p>
             <a:r>
-              <a:rPr lang="zh-TW" altLang="en-US" smtClean="0"/>
+              <a:rPr lang="zh-TW" altLang="en-US"/>
               <a:t>按一下以編輯母片副標題樣式</a:t>
             </a:r>
             <a:endParaRPr lang="en-US" dirty="0"/>
@@ -863,7 +866,7 @@
             <a:fld id="{96DFF08F-DC6B-4601-B491-B0F83F6DD2DA}" type="datetimeFigureOut">
               <a:rPr lang="en-US" smtClean="0"/>
               <a:pPr/>
-              <a:t>4/18/2019</a:t>
+              <a:t>4/18/19</a:t>
             </a:fld>
             <a:endParaRPr lang="en-US" dirty="0"/>
           </a:p>
@@ -968,7 +971,7 @@
           </a:lstStyle>
           <a:p>
             <a:r>
-              <a:rPr lang="zh-TW" altLang="en-US" smtClean="0"/>
+              <a:rPr lang="zh-TW" altLang="en-US"/>
               <a:t>按一下以編輯母片標題樣式</a:t>
             </a:r>
             <a:endParaRPr lang="en-US" dirty="0"/>
@@ -1091,7 +1094,7 @@
           <a:p>
             <a:pPr lvl="0"/>
             <a:r>
-              <a:rPr lang="zh-TW" altLang="en-US" smtClean="0"/>
+              <a:rPr lang="zh-TW" altLang="en-US"/>
               <a:t>編輯母片文字樣式</a:t>
             </a:r>
           </a:p>
@@ -1115,7 +1118,7 @@
             <a:fld id="{96DFF08F-DC6B-4601-B491-B0F83F6DD2DA}" type="datetimeFigureOut">
               <a:rPr lang="en-US" smtClean="0"/>
               <a:pPr/>
-              <a:t>4/18/2019</a:t>
+              <a:t>4/18/19</a:t>
             </a:fld>
             <a:endParaRPr lang="en-US" dirty="0"/>
           </a:p>
@@ -1221,7 +1224,7 @@
           </a:lstStyle>
           <a:p>
             <a:r>
-              <a:rPr lang="zh-TW" altLang="en-US" smtClean="0"/>
+              <a:rPr lang="zh-TW" altLang="en-US"/>
               <a:t>按一下以編輯母片標題樣式</a:t>
             </a:r>
             <a:endParaRPr lang="en-US" dirty="0"/>
@@ -1285,7 +1288,7 @@
           <a:p>
             <a:pPr lvl="0"/>
             <a:r>
-              <a:rPr lang="zh-TW" altLang="en-US" smtClean="0"/>
+              <a:rPr lang="zh-TW" altLang="en-US"/>
               <a:t>編輯母片文字樣式</a:t>
             </a:r>
           </a:p>
@@ -1407,7 +1410,7 @@
           <a:p>
             <a:pPr lvl="0"/>
             <a:r>
-              <a:rPr lang="zh-TW" altLang="en-US" smtClean="0"/>
+              <a:rPr lang="zh-TW" altLang="en-US"/>
               <a:t>編輯母片文字樣式</a:t>
             </a:r>
           </a:p>
@@ -1431,7 +1434,7 @@
             <a:fld id="{96DFF08F-DC6B-4601-B491-B0F83F6DD2DA}" type="datetimeFigureOut">
               <a:rPr lang="en-US" smtClean="0"/>
               <a:pPr/>
-              <a:t>4/18/2019</a:t>
+              <a:t>4/18/19</a:t>
             </a:fld>
             <a:endParaRPr lang="en-US" dirty="0"/>
           </a:p>
@@ -1613,7 +1616,7 @@
           </a:lstStyle>
           <a:p>
             <a:r>
-              <a:rPr lang="zh-TW" altLang="en-US" smtClean="0"/>
+              <a:rPr lang="zh-TW" altLang="en-US"/>
               <a:t>按一下以編輯母片標題樣式</a:t>
             </a:r>
             <a:endParaRPr lang="en-US" dirty="0"/>
@@ -1736,7 +1739,7 @@
           <a:p>
             <a:pPr lvl="0"/>
             <a:r>
-              <a:rPr lang="zh-TW" altLang="en-US" smtClean="0"/>
+              <a:rPr lang="zh-TW" altLang="en-US"/>
               <a:t>編輯母片文字樣式</a:t>
             </a:r>
           </a:p>
@@ -1760,7 +1763,7 @@
             <a:fld id="{96DFF08F-DC6B-4601-B491-B0F83F6DD2DA}" type="datetimeFigureOut">
               <a:rPr lang="en-US" smtClean="0"/>
               <a:pPr/>
-              <a:t>4/18/2019</a:t>
+              <a:t>4/18/19</a:t>
             </a:fld>
             <a:endParaRPr lang="en-US" dirty="0"/>
           </a:p>
@@ -1866,7 +1869,7 @@
           </a:lstStyle>
           <a:p>
             <a:r>
-              <a:rPr lang="zh-TW" altLang="en-US" smtClean="0"/>
+              <a:rPr lang="zh-TW" altLang="en-US"/>
               <a:t>按一下以編輯母片標題樣式</a:t>
             </a:r>
             <a:endParaRPr lang="en-US" dirty="0"/>
@@ -1930,7 +1933,7 @@
           <a:p>
             <a:pPr lvl="0"/>
             <a:r>
-              <a:rPr lang="zh-TW" altLang="en-US" smtClean="0"/>
+              <a:rPr lang="zh-TW" altLang="en-US"/>
               <a:t>編輯母片文字樣式</a:t>
             </a:r>
           </a:p>
@@ -2052,7 +2055,7 @@
           <a:p>
             <a:pPr lvl="0"/>
             <a:r>
-              <a:rPr lang="zh-TW" altLang="en-US" smtClean="0"/>
+              <a:rPr lang="zh-TW" altLang="en-US"/>
               <a:t>編輯母片文字樣式</a:t>
             </a:r>
           </a:p>
@@ -2076,7 +2079,7 @@
             <a:fld id="{96DFF08F-DC6B-4601-B491-B0F83F6DD2DA}" type="datetimeFigureOut">
               <a:rPr lang="en-US" smtClean="0"/>
               <a:pPr/>
-              <a:t>4/18/2019</a:t>
+              <a:t>4/18/19</a:t>
             </a:fld>
             <a:endParaRPr lang="en-US" dirty="0"/>
           </a:p>
@@ -2258,7 +2261,7 @@
           </a:lstStyle>
           <a:p>
             <a:r>
-              <a:rPr lang="zh-TW" altLang="en-US" smtClean="0"/>
+              <a:rPr lang="zh-TW" altLang="en-US"/>
               <a:t>按一下以編輯母片標題樣式</a:t>
             </a:r>
             <a:endParaRPr lang="en-US" dirty="0"/>
@@ -2319,7 +2322,7 @@
           <a:p>
             <a:pPr lvl="0"/>
             <a:r>
-              <a:rPr lang="zh-TW" altLang="en-US" smtClean="0"/>
+              <a:rPr lang="zh-TW" altLang="en-US"/>
               <a:t>編輯母片文字樣式</a:t>
             </a:r>
           </a:p>
@@ -2441,7 +2444,7 @@
           <a:p>
             <a:pPr lvl="0"/>
             <a:r>
-              <a:rPr lang="zh-TW" altLang="en-US" smtClean="0"/>
+              <a:rPr lang="zh-TW" altLang="en-US"/>
               <a:t>編輯母片文字樣式</a:t>
             </a:r>
           </a:p>
@@ -2465,7 +2468,7 @@
             <a:fld id="{96DFF08F-DC6B-4601-B491-B0F83F6DD2DA}" type="datetimeFigureOut">
               <a:rPr lang="en-US" smtClean="0"/>
               <a:pPr/>
-              <a:t>4/18/2019</a:t>
+              <a:t>4/18/19</a:t>
             </a:fld>
             <a:endParaRPr lang="en-US" dirty="0"/>
           </a:p>
@@ -2560,7 +2563,7 @@
           <a:lstStyle/>
           <a:p>
             <a:r>
-              <a:rPr lang="zh-TW" altLang="en-US" smtClean="0"/>
+              <a:rPr lang="zh-TW" altLang="en-US"/>
               <a:t>按一下以編輯母片標題樣式</a:t>
             </a:r>
             <a:endParaRPr lang="en-US" dirty="0"/>
@@ -2584,35 +2587,35 @@
           <a:p>
             <a:pPr lvl="0"/>
             <a:r>
-              <a:rPr lang="zh-TW" altLang="en-US" smtClean="0"/>
+              <a:rPr lang="zh-TW" altLang="en-US"/>
               <a:t>編輯母片文字樣式</a:t>
             </a:r>
           </a:p>
           <a:p>
             <a:pPr lvl="1"/>
             <a:r>
-              <a:rPr lang="zh-TW" altLang="en-US" smtClean="0"/>
+              <a:rPr lang="zh-TW" altLang="en-US"/>
               <a:t>第二層</a:t>
             </a:r>
           </a:p>
           <a:p>
             <a:pPr lvl="2"/>
             <a:r>
-              <a:rPr lang="zh-TW" altLang="en-US" smtClean="0"/>
+              <a:rPr lang="zh-TW" altLang="en-US"/>
               <a:t>第三層</a:t>
             </a:r>
           </a:p>
           <a:p>
             <a:pPr lvl="3"/>
             <a:r>
-              <a:rPr lang="zh-TW" altLang="en-US" smtClean="0"/>
+              <a:rPr lang="zh-TW" altLang="en-US"/>
               <a:t>第四層</a:t>
             </a:r>
           </a:p>
           <a:p>
             <a:pPr lvl="4"/>
             <a:r>
-              <a:rPr lang="zh-TW" altLang="en-US" smtClean="0"/>
+              <a:rPr lang="zh-TW" altLang="en-US"/>
               <a:t>第五層</a:t>
             </a:r>
             <a:endParaRPr lang="en-US" dirty="0"/>
@@ -2636,7 +2639,7 @@
           <a:p>
             <a:fld id="{96DFF08F-DC6B-4601-B491-B0F83F6DD2DA}" type="datetimeFigureOut">
               <a:rPr lang="en-US" smtClean="0"/>
-              <a:t>4/18/2019</a:t>
+              <a:t>4/18/19</a:t>
             </a:fld>
             <a:endParaRPr lang="en-US" dirty="0"/>
           </a:p>
@@ -2735,7 +2738,7 @@
           <a:lstStyle/>
           <a:p>
             <a:r>
-              <a:rPr lang="zh-TW" altLang="en-US" smtClean="0"/>
+              <a:rPr lang="zh-TW" altLang="en-US"/>
               <a:t>按一下以編輯母片標題樣式</a:t>
             </a:r>
             <a:endParaRPr lang="en-US" dirty="0"/>
@@ -2764,35 +2767,35 @@
           <a:p>
             <a:pPr lvl="0"/>
             <a:r>
-              <a:rPr lang="zh-TW" altLang="en-US" smtClean="0"/>
+              <a:rPr lang="zh-TW" altLang="en-US"/>
               <a:t>編輯母片文字樣式</a:t>
             </a:r>
           </a:p>
           <a:p>
             <a:pPr lvl="1"/>
             <a:r>
-              <a:rPr lang="zh-TW" altLang="en-US" smtClean="0"/>
+              <a:rPr lang="zh-TW" altLang="en-US"/>
               <a:t>第二層</a:t>
             </a:r>
           </a:p>
           <a:p>
             <a:pPr lvl="2"/>
             <a:r>
-              <a:rPr lang="zh-TW" altLang="en-US" smtClean="0"/>
+              <a:rPr lang="zh-TW" altLang="en-US"/>
               <a:t>第三層</a:t>
             </a:r>
           </a:p>
           <a:p>
             <a:pPr lvl="3"/>
             <a:r>
-              <a:rPr lang="zh-TW" altLang="en-US" smtClean="0"/>
+              <a:rPr lang="zh-TW" altLang="en-US"/>
               <a:t>第四層</a:t>
             </a:r>
           </a:p>
           <a:p>
             <a:pPr lvl="4"/>
             <a:r>
-              <a:rPr lang="zh-TW" altLang="en-US" smtClean="0"/>
+              <a:rPr lang="zh-TW" altLang="en-US"/>
               <a:t>第五層</a:t>
             </a:r>
             <a:endParaRPr lang="en-US" dirty="0"/>
@@ -2816,7 +2819,7 @@
           <a:p>
             <a:fld id="{96DFF08F-DC6B-4601-B491-B0F83F6DD2DA}" type="datetimeFigureOut">
               <a:rPr lang="en-US" smtClean="0"/>
-              <a:t>4/18/2019</a:t>
+              <a:t>4/18/19</a:t>
             </a:fld>
             <a:endParaRPr lang="en-US" dirty="0"/>
           </a:p>
@@ -2916,7 +2919,7 @@
           </a:lstStyle>
           <a:p>
             <a:r>
-              <a:rPr lang="zh-TW" altLang="en-US" smtClean="0"/>
+              <a:rPr lang="zh-TW" altLang="en-US"/>
               <a:t>按一下以編輯母片標題樣式</a:t>
             </a:r>
             <a:endParaRPr lang="en-US" dirty="0"/>
@@ -2940,35 +2943,35 @@
           <a:p>
             <a:pPr lvl="0"/>
             <a:r>
-              <a:rPr lang="zh-TW" altLang="en-US" smtClean="0"/>
+              <a:rPr lang="zh-TW" altLang="en-US"/>
               <a:t>編輯母片文字樣式</a:t>
             </a:r>
           </a:p>
           <a:p>
             <a:pPr lvl="1"/>
             <a:r>
-              <a:rPr lang="zh-TW" altLang="en-US" smtClean="0"/>
+              <a:rPr lang="zh-TW" altLang="en-US"/>
               <a:t>第二層</a:t>
             </a:r>
           </a:p>
           <a:p>
             <a:pPr lvl="2"/>
             <a:r>
-              <a:rPr lang="zh-TW" altLang="en-US" smtClean="0"/>
+              <a:rPr lang="zh-TW" altLang="en-US"/>
               <a:t>第三層</a:t>
             </a:r>
           </a:p>
           <a:p>
             <a:pPr lvl="3"/>
             <a:r>
-              <a:rPr lang="zh-TW" altLang="en-US" smtClean="0"/>
+              <a:rPr lang="zh-TW" altLang="en-US"/>
               <a:t>第四層</a:t>
             </a:r>
           </a:p>
           <a:p>
             <a:pPr lvl="4"/>
             <a:r>
-              <a:rPr lang="zh-TW" altLang="en-US" smtClean="0"/>
+              <a:rPr lang="zh-TW" altLang="en-US"/>
               <a:t>第五層</a:t>
             </a:r>
             <a:endParaRPr lang="en-US" dirty="0"/>
@@ -2992,7 +2995,7 @@
           <a:p>
             <a:fld id="{96DFF08F-DC6B-4601-B491-B0F83F6DD2DA}" type="datetimeFigureOut">
               <a:rPr lang="en-US" smtClean="0"/>
-              <a:t>4/18/2019</a:t>
+              <a:t>4/18/19</a:t>
             </a:fld>
             <a:endParaRPr lang="en-US" dirty="0"/>
           </a:p>
@@ -3095,7 +3098,7 @@
           </a:lstStyle>
           <a:p>
             <a:r>
-              <a:rPr lang="zh-TW" altLang="en-US" smtClean="0"/>
+              <a:rPr lang="zh-TW" altLang="en-US"/>
               <a:t>按一下以編輯母片標題樣式</a:t>
             </a:r>
             <a:endParaRPr lang="en-US" dirty="0"/>
@@ -3216,7 +3219,7 @@
           <a:p>
             <a:pPr lvl="0"/>
             <a:r>
-              <a:rPr lang="zh-TW" altLang="en-US" smtClean="0"/>
+              <a:rPr lang="zh-TW" altLang="en-US"/>
               <a:t>編輯母片文字樣式</a:t>
             </a:r>
           </a:p>
@@ -3239,7 +3242,7 @@
           <a:p>
             <a:fld id="{96DFF08F-DC6B-4601-B491-B0F83F6DD2DA}" type="datetimeFigureOut">
               <a:rPr lang="en-US" smtClean="0"/>
-              <a:t>4/18/2019</a:t>
+              <a:t>4/18/19</a:t>
             </a:fld>
             <a:endParaRPr lang="en-US" dirty="0"/>
           </a:p>
@@ -3333,7 +3336,7 @@
           <a:lstStyle/>
           <a:p>
             <a:r>
-              <a:rPr lang="zh-TW" altLang="en-US" smtClean="0"/>
+              <a:rPr lang="zh-TW" altLang="en-US"/>
               <a:t>按一下以編輯母片標題樣式</a:t>
             </a:r>
             <a:endParaRPr lang="en-US" dirty="0"/>
@@ -3362,35 +3365,35 @@
           <a:p>
             <a:pPr lvl="0"/>
             <a:r>
-              <a:rPr lang="zh-TW" altLang="en-US" smtClean="0"/>
+              <a:rPr lang="zh-TW" altLang="en-US"/>
               <a:t>編輯母片文字樣式</a:t>
             </a:r>
           </a:p>
           <a:p>
             <a:pPr lvl="1"/>
             <a:r>
-              <a:rPr lang="zh-TW" altLang="en-US" smtClean="0"/>
+              <a:rPr lang="zh-TW" altLang="en-US"/>
               <a:t>第二層</a:t>
             </a:r>
           </a:p>
           <a:p>
             <a:pPr lvl="2"/>
             <a:r>
-              <a:rPr lang="zh-TW" altLang="en-US" smtClean="0"/>
+              <a:rPr lang="zh-TW" altLang="en-US"/>
               <a:t>第三層</a:t>
             </a:r>
           </a:p>
           <a:p>
             <a:pPr lvl="3"/>
             <a:r>
-              <a:rPr lang="zh-TW" altLang="en-US" smtClean="0"/>
+              <a:rPr lang="zh-TW" altLang="en-US"/>
               <a:t>第四層</a:t>
             </a:r>
           </a:p>
           <a:p>
             <a:pPr lvl="4"/>
             <a:r>
-              <a:rPr lang="zh-TW" altLang="en-US" smtClean="0"/>
+              <a:rPr lang="zh-TW" altLang="en-US"/>
               <a:t>第五層</a:t>
             </a:r>
             <a:endParaRPr lang="en-US" dirty="0"/>
@@ -3419,35 +3422,35 @@
           <a:p>
             <a:pPr lvl="0"/>
             <a:r>
-              <a:rPr lang="zh-TW" altLang="en-US" smtClean="0"/>
+              <a:rPr lang="zh-TW" altLang="en-US"/>
               <a:t>編輯母片文字樣式</a:t>
             </a:r>
           </a:p>
           <a:p>
             <a:pPr lvl="1"/>
             <a:r>
-              <a:rPr lang="zh-TW" altLang="en-US" smtClean="0"/>
+              <a:rPr lang="zh-TW" altLang="en-US"/>
               <a:t>第二層</a:t>
             </a:r>
           </a:p>
           <a:p>
             <a:pPr lvl="2"/>
             <a:r>
-              <a:rPr lang="zh-TW" altLang="en-US" smtClean="0"/>
+              <a:rPr lang="zh-TW" altLang="en-US"/>
               <a:t>第三層</a:t>
             </a:r>
           </a:p>
           <a:p>
             <a:pPr lvl="3"/>
             <a:r>
-              <a:rPr lang="zh-TW" altLang="en-US" smtClean="0"/>
+              <a:rPr lang="zh-TW" altLang="en-US"/>
               <a:t>第四層</a:t>
             </a:r>
           </a:p>
           <a:p>
             <a:pPr lvl="4"/>
             <a:r>
-              <a:rPr lang="zh-TW" altLang="en-US" smtClean="0"/>
+              <a:rPr lang="zh-TW" altLang="en-US"/>
               <a:t>第五層</a:t>
             </a:r>
             <a:endParaRPr lang="en-US" dirty="0"/>
@@ -3471,7 +3474,7 @@
           <a:p>
             <a:fld id="{96DFF08F-DC6B-4601-B491-B0F83F6DD2DA}" type="datetimeFigureOut">
               <a:rPr lang="en-US" smtClean="0"/>
-              <a:t>4/18/2019</a:t>
+              <a:t>4/18/19</a:t>
             </a:fld>
             <a:endParaRPr lang="en-US" dirty="0"/>
           </a:p>
@@ -3569,7 +3572,7 @@
           </a:lstStyle>
           <a:p>
             <a:r>
-              <a:rPr lang="zh-TW" altLang="en-US" smtClean="0"/>
+              <a:rPr lang="zh-TW" altLang="en-US"/>
               <a:t>按一下以編輯母片標題樣式</a:t>
             </a:r>
             <a:endParaRPr lang="en-US" dirty="0"/>
@@ -3637,7 +3640,7 @@
           <a:p>
             <a:pPr lvl="0"/>
             <a:r>
-              <a:rPr lang="zh-TW" altLang="en-US" smtClean="0"/>
+              <a:rPr lang="zh-TW" altLang="en-US"/>
               <a:t>編輯母片文字樣式</a:t>
             </a:r>
           </a:p>
@@ -3667,35 +3670,35 @@
           <a:p>
             <a:pPr lvl="0"/>
             <a:r>
-              <a:rPr lang="zh-TW" altLang="en-US" smtClean="0"/>
+              <a:rPr lang="zh-TW" altLang="en-US"/>
               <a:t>編輯母片文字樣式</a:t>
             </a:r>
           </a:p>
           <a:p>
             <a:pPr lvl="1"/>
             <a:r>
-              <a:rPr lang="zh-TW" altLang="en-US" smtClean="0"/>
+              <a:rPr lang="zh-TW" altLang="en-US"/>
               <a:t>第二層</a:t>
             </a:r>
           </a:p>
           <a:p>
             <a:pPr lvl="2"/>
             <a:r>
-              <a:rPr lang="zh-TW" altLang="en-US" smtClean="0"/>
+              <a:rPr lang="zh-TW" altLang="en-US"/>
               <a:t>第三層</a:t>
             </a:r>
           </a:p>
           <a:p>
             <a:pPr lvl="3"/>
             <a:r>
-              <a:rPr lang="zh-TW" altLang="en-US" smtClean="0"/>
+              <a:rPr lang="zh-TW" altLang="en-US"/>
               <a:t>第四層</a:t>
             </a:r>
           </a:p>
           <a:p>
             <a:pPr lvl="4"/>
             <a:r>
-              <a:rPr lang="zh-TW" altLang="en-US" smtClean="0"/>
+              <a:rPr lang="zh-TW" altLang="en-US"/>
               <a:t>第五層</a:t>
             </a:r>
             <a:endParaRPr lang="en-US" dirty="0"/>
@@ -3763,7 +3766,7 @@
           <a:p>
             <a:pPr lvl="0"/>
             <a:r>
-              <a:rPr lang="zh-TW" altLang="en-US" smtClean="0"/>
+              <a:rPr lang="zh-TW" altLang="en-US"/>
               <a:t>編輯母片文字樣式</a:t>
             </a:r>
           </a:p>
@@ -3793,35 +3796,35 @@
           <a:p>
             <a:pPr lvl="0"/>
             <a:r>
-              <a:rPr lang="zh-TW" altLang="en-US" smtClean="0"/>
+              <a:rPr lang="zh-TW" altLang="en-US"/>
               <a:t>編輯母片文字樣式</a:t>
             </a:r>
           </a:p>
           <a:p>
             <a:pPr lvl="1"/>
             <a:r>
-              <a:rPr lang="zh-TW" altLang="en-US" smtClean="0"/>
+              <a:rPr lang="zh-TW" altLang="en-US"/>
               <a:t>第二層</a:t>
             </a:r>
           </a:p>
           <a:p>
             <a:pPr lvl="2"/>
             <a:r>
-              <a:rPr lang="zh-TW" altLang="en-US" smtClean="0"/>
+              <a:rPr lang="zh-TW" altLang="en-US"/>
               <a:t>第三層</a:t>
             </a:r>
           </a:p>
           <a:p>
             <a:pPr lvl="3"/>
             <a:r>
-              <a:rPr lang="zh-TW" altLang="en-US" smtClean="0"/>
+              <a:rPr lang="zh-TW" altLang="en-US"/>
               <a:t>第四層</a:t>
             </a:r>
           </a:p>
           <a:p>
             <a:pPr lvl="4"/>
             <a:r>
-              <a:rPr lang="zh-TW" altLang="en-US" smtClean="0"/>
+              <a:rPr lang="zh-TW" altLang="en-US"/>
               <a:t>第五層</a:t>
             </a:r>
             <a:endParaRPr lang="en-US" dirty="0"/>
@@ -3845,7 +3848,7 @@
           <a:p>
             <a:fld id="{96DFF08F-DC6B-4601-B491-B0F83F6DD2DA}" type="datetimeFigureOut">
               <a:rPr lang="en-US" smtClean="0"/>
-              <a:t>4/18/2019</a:t>
+              <a:t>4/18/19</a:t>
             </a:fld>
             <a:endParaRPr lang="en-US" dirty="0"/>
           </a:p>
@@ -3944,7 +3947,7 @@
           <a:lstStyle/>
           <a:p>
             <a:r>
-              <a:rPr lang="zh-TW" altLang="en-US" smtClean="0"/>
+              <a:rPr lang="zh-TW" altLang="en-US"/>
               <a:t>按一下以編輯母片標題樣式</a:t>
             </a:r>
             <a:endParaRPr lang="en-US" dirty="0"/>
@@ -3968,7 +3971,7 @@
           <a:p>
             <a:fld id="{96DFF08F-DC6B-4601-B491-B0F83F6DD2DA}" type="datetimeFigureOut">
               <a:rPr lang="en-US" smtClean="0"/>
-              <a:t>4/18/2019</a:t>
+              <a:t>4/18/19</a:t>
             </a:fld>
             <a:endParaRPr lang="en-US" dirty="0"/>
           </a:p>
@@ -4063,7 +4066,7 @@
           <a:p>
             <a:fld id="{96DFF08F-DC6B-4601-B491-B0F83F6DD2DA}" type="datetimeFigureOut">
               <a:rPr lang="en-US" smtClean="0"/>
-              <a:t>4/18/2019</a:t>
+              <a:t>4/18/19</a:t>
             </a:fld>
             <a:endParaRPr lang="en-US" dirty="0"/>
           </a:p>
@@ -4168,7 +4171,7 @@
           </a:lstStyle>
           <a:p>
             <a:r>
-              <a:rPr lang="zh-TW" altLang="en-US" smtClean="0"/>
+              <a:rPr lang="zh-TW" altLang="en-US"/>
               <a:t>按一下以編輯母片標題樣式</a:t>
             </a:r>
             <a:endParaRPr lang="en-US" dirty="0"/>
@@ -4199,35 +4202,35 @@
           <a:p>
             <a:pPr lvl="0"/>
             <a:r>
-              <a:rPr lang="zh-TW" altLang="en-US" smtClean="0"/>
+              <a:rPr lang="zh-TW" altLang="en-US"/>
               <a:t>編輯母片文字樣式</a:t>
             </a:r>
           </a:p>
           <a:p>
             <a:pPr lvl="1"/>
             <a:r>
-              <a:rPr lang="zh-TW" altLang="en-US" smtClean="0"/>
+              <a:rPr lang="zh-TW" altLang="en-US"/>
               <a:t>第二層</a:t>
             </a:r>
           </a:p>
           <a:p>
             <a:pPr lvl="2"/>
             <a:r>
-              <a:rPr lang="zh-TW" altLang="en-US" smtClean="0"/>
+              <a:rPr lang="zh-TW" altLang="en-US"/>
               <a:t>第三層</a:t>
             </a:r>
           </a:p>
           <a:p>
             <a:pPr lvl="3"/>
             <a:r>
-              <a:rPr lang="zh-TW" altLang="en-US" smtClean="0"/>
+              <a:rPr lang="zh-TW" altLang="en-US"/>
               <a:t>第四層</a:t>
             </a:r>
           </a:p>
           <a:p>
             <a:pPr lvl="4"/>
             <a:r>
-              <a:rPr lang="zh-TW" altLang="en-US" smtClean="0"/>
+              <a:rPr lang="zh-TW" altLang="en-US"/>
               <a:t>第五層</a:t>
             </a:r>
             <a:endParaRPr lang="en-US" dirty="0"/>
@@ -4295,7 +4298,7 @@
           <a:p>
             <a:pPr lvl="0"/>
             <a:r>
-              <a:rPr lang="zh-TW" altLang="en-US" smtClean="0"/>
+              <a:rPr lang="zh-TW" altLang="en-US"/>
               <a:t>編輯母片文字樣式</a:t>
             </a:r>
           </a:p>
@@ -4318,7 +4321,7 @@
           <a:p>
             <a:fld id="{96DFF08F-DC6B-4601-B491-B0F83F6DD2DA}" type="datetimeFigureOut">
               <a:rPr lang="en-US" smtClean="0"/>
-              <a:t>4/18/2019</a:t>
+              <a:t>4/18/19</a:t>
             </a:fld>
             <a:endParaRPr lang="en-US" dirty="0"/>
           </a:p>
@@ -4423,7 +4426,7 @@
           </a:lstStyle>
           <a:p>
             <a:r>
-              <a:rPr lang="zh-TW" altLang="en-US" smtClean="0"/>
+              <a:rPr lang="zh-TW" altLang="en-US"/>
               <a:t>按一下以編輯母片標題樣式</a:t>
             </a:r>
             <a:endParaRPr lang="en-US" dirty="0"/>
@@ -4490,7 +4493,7 @@
           </a:lstStyle>
           <a:p>
             <a:r>
-              <a:rPr lang="zh-TW" altLang="en-US" smtClean="0"/>
+              <a:rPr lang="zh-TW" altLang="en-US"/>
               <a:t>按一下圖示以新增圖片</a:t>
             </a:r>
             <a:endParaRPr lang="en-US" dirty="0"/>
@@ -4558,7 +4561,7 @@
           <a:p>
             <a:pPr lvl="0"/>
             <a:r>
-              <a:rPr lang="zh-TW" altLang="en-US" smtClean="0"/>
+              <a:rPr lang="zh-TW" altLang="en-US"/>
               <a:t>編輯母片文字樣式</a:t>
             </a:r>
           </a:p>
@@ -4581,7 +4584,7 @@
           <a:p>
             <a:fld id="{C7616CA0-919D-4A49-9C8A-62FDFB3A5183}" type="datetimeFigureOut">
               <a:rPr lang="en-US" smtClean="0"/>
-              <a:t>4/18/2019</a:t>
+              <a:t>4/18/19</a:t>
             </a:fld>
             <a:endParaRPr lang="en-US" dirty="0"/>
           </a:p>
@@ -5222,7 +5225,7 @@
           <a:lstStyle/>
           <a:p>
             <a:r>
-              <a:rPr lang="zh-TW" altLang="en-US" smtClean="0"/>
+              <a:rPr lang="zh-TW" altLang="en-US"/>
               <a:t>按一下以編輯母片標題樣式</a:t>
             </a:r>
             <a:endParaRPr lang="en-US" dirty="0"/>
@@ -5256,35 +5259,35 @@
           <a:p>
             <a:pPr lvl="0"/>
             <a:r>
-              <a:rPr lang="zh-TW" altLang="en-US" smtClean="0"/>
+              <a:rPr lang="zh-TW" altLang="en-US"/>
               <a:t>編輯母片文字樣式</a:t>
             </a:r>
           </a:p>
           <a:p>
             <a:pPr lvl="1"/>
             <a:r>
-              <a:rPr lang="zh-TW" altLang="en-US" smtClean="0"/>
+              <a:rPr lang="zh-TW" altLang="en-US"/>
               <a:t>第二層</a:t>
             </a:r>
           </a:p>
           <a:p>
             <a:pPr lvl="2"/>
             <a:r>
-              <a:rPr lang="zh-TW" altLang="en-US" smtClean="0"/>
+              <a:rPr lang="zh-TW" altLang="en-US"/>
               <a:t>第三層</a:t>
             </a:r>
           </a:p>
           <a:p>
             <a:pPr lvl="3"/>
             <a:r>
-              <a:rPr lang="zh-TW" altLang="en-US" smtClean="0"/>
+              <a:rPr lang="zh-TW" altLang="en-US"/>
               <a:t>第四層</a:t>
             </a:r>
           </a:p>
           <a:p>
             <a:pPr lvl="4"/>
             <a:r>
-              <a:rPr lang="zh-TW" altLang="en-US" smtClean="0"/>
+              <a:rPr lang="zh-TW" altLang="en-US"/>
               <a:t>第五層</a:t>
             </a:r>
             <a:endParaRPr lang="en-US" dirty="0"/>
@@ -5327,7 +5330,7 @@
             <a:fld id="{96DFF08F-DC6B-4601-B491-B0F83F6DD2DA}" type="datetimeFigureOut">
               <a:rPr lang="en-US" smtClean="0"/>
               <a:pPr/>
-              <a:t>4/18/2019</a:t>
+              <a:t>4/18/19</a:t>
             </a:fld>
             <a:endParaRPr lang="en-US" dirty="0"/>
           </a:p>
@@ -5862,7 +5865,12 @@
             <p:ph type="ctrTitle"/>
           </p:nvPr>
         </p:nvSpPr>
-        <p:spPr/>
+        <p:spPr>
+          <a:xfrm>
+            <a:off x="1127760" y="2404534"/>
+            <a:ext cx="8146243" cy="1646302"/>
+          </a:xfrm>
+        </p:spPr>
         <p:txBody>
           <a:bodyPr>
             <a:normAutofit fontScale="90000"/>
@@ -5870,17 +5878,17 @@
           <a:lstStyle/>
           <a:p>
             <a:r>
-              <a:rPr lang="en-US" altLang="zh-TW" dirty="0" smtClean="0"/>
+              <a:rPr lang="en-US" altLang="zh-TW" b="1" dirty="0"/>
               <a:t>Introduction to Multimedia</a:t>
             </a:r>
             <a:br>
-              <a:rPr lang="en-US" altLang="zh-TW" dirty="0" smtClean="0"/>
+              <a:rPr lang="en-US" altLang="zh-TW" b="1" dirty="0"/>
             </a:br>
             <a:r>
-              <a:rPr lang="en-US" altLang="zh-TW" dirty="0" smtClean="0"/>
+              <a:rPr lang="en-US" altLang="zh-TW" b="1" dirty="0"/>
               <a:t>Homework 2 </a:t>
             </a:r>
-            <a:endParaRPr lang="en-US" dirty="0"/>
+            <a:endParaRPr lang="en-US" b="1" dirty="0"/>
           </a:p>
         </p:txBody>
       </p:sp>
@@ -5900,13 +5908,13 @@
           <a:lstStyle/>
           <a:p>
             <a:r>
-              <a:rPr lang="en-US" dirty="0" smtClean="0"/>
+              <a:rPr lang="en-US" dirty="0"/>
               <a:t>104062361</a:t>
             </a:r>
           </a:p>
           <a:p>
             <a:r>
-              <a:rPr lang="zh-TW" altLang="en-US" dirty="0" smtClean="0"/>
+              <a:rPr lang="zh-TW" altLang="en-US" dirty="0"/>
               <a:t>陳永恒</a:t>
             </a:r>
             <a:endParaRPr lang="en-US" dirty="0"/>
@@ -5967,88 +5975,14 @@
       </p:sp>
       <p:sp>
         <p:nvSpPr>
-          <p:cNvPr id="3" name="內容版面配置區 2"/>
-          <p:cNvSpPr>
-            <a:spLocks noGrp="1"/>
-          </p:cNvSpPr>
-          <p:nvPr>
-            <p:ph idx="1"/>
-          </p:nvPr>
+          <p:cNvPr id="4" name="文字方塊 3"/>
+          <p:cNvSpPr txBox="1"/>
+          <p:nvPr/>
         </p:nvSpPr>
         <p:spPr>
           <a:xfrm>
-            <a:off x="677334" y="4267200"/>
-            <a:ext cx="8596668" cy="1774162"/>
-          </a:xfrm>
-        </p:spPr>
-        <p:txBody>
-          <a:bodyPr>
-            <a:normAutofit/>
-          </a:bodyPr>
-          <a:lstStyle/>
-          <a:p>
-            <a:r>
-              <a:rPr lang="pt-BR" dirty="0" smtClean="0">
-                <a:solidFill>
-                  <a:schemeClr val="tx2">
-                    <a:lumMod val="75000"/>
-                  </a:schemeClr>
-                </a:solidFill>
-                <a:latin typeface="Consolas" panose="020B0609020204030204" pitchFamily="49" charset="0"/>
-              </a:rPr>
-              <a:t>0.8*multiEcho(n-3200</a:t>
-            </a:r>
-            <a:r>
-              <a:rPr lang="pt-BR" dirty="0">
-                <a:solidFill>
-                  <a:schemeClr val="tx2">
-                    <a:lumMod val="75000"/>
-                  </a:schemeClr>
-                </a:solidFill>
-                <a:latin typeface="Consolas" panose="020B0609020204030204" pitchFamily="49" charset="0"/>
-              </a:rPr>
-              <a:t>, 1</a:t>
-            </a:r>
-            <a:r>
-              <a:rPr lang="pt-BR" dirty="0" smtClean="0">
-                <a:solidFill>
-                  <a:schemeClr val="tx2">
-                    <a:lumMod val="75000"/>
-                  </a:schemeClr>
-                </a:solidFill>
-                <a:latin typeface="Consolas" panose="020B0609020204030204" pitchFamily="49" charset="0"/>
-              </a:rPr>
-              <a:t>) </a:t>
-            </a:r>
-            <a:r>
-              <a:rPr lang="pt-BR" dirty="0" smtClean="0">
-                <a:solidFill>
-                  <a:schemeClr val="tx1"/>
-                </a:solidFill>
-              </a:rPr>
-              <a:t>brings the previous</a:t>
-            </a:r>
-            <a:r>
-              <a:rPr lang="en-US" dirty="0"/>
-              <a:t> </a:t>
-            </a:r>
-            <a:r>
-              <a:rPr lang="en-US" dirty="0" smtClean="0"/>
-              <a:t>signal that can give a really strong effect. </a:t>
-            </a:r>
-          </a:p>
-        </p:txBody>
-      </p:sp>
-      <p:sp>
-        <p:nvSpPr>
-          <p:cNvPr id="6" name="文字方塊 5"/>
-          <p:cNvSpPr txBox="1"/>
-          <p:nvPr/>
-        </p:nvSpPr>
-        <p:spPr>
-          <a:xfrm>
-            <a:off x="677334" y="2274838"/>
-            <a:ext cx="9302547" cy="2031325"/>
+            <a:off x="677334" y="1457435"/>
+            <a:ext cx="9429184" cy="2308324"/>
           </a:xfrm>
           <a:prstGeom prst="rect">
             <a:avLst/>
@@ -6070,12 +6004,12 @@
                 </a:solidFill>
                 <a:latin typeface="Consolas" panose="020B0609020204030204" pitchFamily="49" charset="0"/>
               </a:rPr>
-              <a:t>% multiple-fold echo</a:t>
-            </a:r>
-          </a:p>
-          <a:p>
-            <a:r>
-              <a:rPr lang="en-US" dirty="0" err="1">
+              <a:t>% one-fold echo</a:t>
+            </a:r>
+          </a:p>
+          <a:p>
+            <a:r>
+              <a:rPr lang="en-US" dirty="0">
                 <a:solidFill>
                   <a:schemeClr val="tx2">
                     <a:lumMod val="75000"/>
@@ -6083,7 +6017,42 @@
                 </a:solidFill>
                 <a:latin typeface="Consolas" panose="020B0609020204030204" pitchFamily="49" charset="0"/>
               </a:rPr>
-              <a:t>multiEcho</a:t>
+              <a:t>[row, col] = size(</a:t>
+            </a:r>
+            <a:r>
+              <a:rPr lang="en-US" dirty="0" err="1">
+                <a:solidFill>
+                  <a:schemeClr val="tx2">
+                    <a:lumMod val="75000"/>
+                  </a:schemeClr>
+                </a:solidFill>
+                <a:latin typeface="Consolas" panose="020B0609020204030204" pitchFamily="49" charset="0"/>
+              </a:rPr>
+              <a:t>outputSignal</a:t>
+            </a:r>
+            <a:r>
+              <a:rPr lang="en-US" dirty="0">
+                <a:solidFill>
+                  <a:schemeClr val="tx2">
+                    <a:lumMod val="75000"/>
+                  </a:schemeClr>
+                </a:solidFill>
+                <a:latin typeface="Consolas" panose="020B0609020204030204" pitchFamily="49" charset="0"/>
+              </a:rPr>
+              <a:t>);</a:t>
+            </a:r>
+          </a:p>
+          <a:p>
+            <a:r>
+              <a:rPr lang="en-US" dirty="0" err="1">
+                <a:solidFill>
+                  <a:schemeClr val="tx2">
+                    <a:lumMod val="75000"/>
+                  </a:schemeClr>
+                </a:solidFill>
+                <a:latin typeface="Consolas" panose="020B0609020204030204" pitchFamily="49" charset="0"/>
+              </a:rPr>
+              <a:t>oneEcho</a:t>
             </a:r>
             <a:r>
               <a:rPr lang="en-US" dirty="0">
@@ -6133,7 +6102,7 @@
                 </a:solidFill>
                 <a:latin typeface="Consolas" panose="020B0609020204030204" pitchFamily="49" charset="0"/>
               </a:rPr>
-              <a:t>        multiEcho(n, 1) = outputSignal(n, 1) + 0.8*multiEcho(n-3200, 1);</a:t>
+              <a:t>        oneEcho(n, 1) = outputSignal(n, 1) + 0.8*outputSignal(n-3200, 1);</a:t>
             </a:r>
           </a:p>
           <a:p>
@@ -6151,7 +6120,7 @@
           </a:p>
           <a:p>
             <a:r>
-              <a:rPr lang="en-US" dirty="0" smtClean="0">
+              <a:rPr lang="en-US" dirty="0">
                 <a:solidFill>
                   <a:schemeClr val="tx2">
                     <a:lumMod val="75000"/>
@@ -6161,21 +6130,54 @@
               </a:rPr>
               <a:t>end</a:t>
             </a:r>
-            <a:endParaRPr lang="en-US" dirty="0">
-              <a:solidFill>
-                <a:schemeClr val="tx2">
-                  <a:lumMod val="75000"/>
-                </a:schemeClr>
-              </a:solidFill>
-              <a:latin typeface="Consolas" panose="020B0609020204030204" pitchFamily="49" charset="0"/>
-            </a:endParaRPr>
+          </a:p>
+        </p:txBody>
+      </p:sp>
+      <p:sp>
+        <p:nvSpPr>
+          <p:cNvPr id="5" name="內容版面配置區 2"/>
+          <p:cNvSpPr>
+            <a:spLocks noGrp="1"/>
+          </p:cNvSpPr>
+          <p:nvPr>
+            <p:ph idx="1"/>
+          </p:nvPr>
+        </p:nvSpPr>
+        <p:spPr>
+          <a:xfrm>
+            <a:off x="677334" y="4267200"/>
+            <a:ext cx="8984826" cy="1774162"/>
+          </a:xfrm>
+        </p:spPr>
+        <p:txBody>
+          <a:bodyPr>
+            <a:normAutofit/>
+          </a:bodyPr>
+          <a:lstStyle/>
+          <a:p>
+            <a:r>
+              <a:rPr lang="en-US" dirty="0"/>
+              <a:t>fs=44100Hz, time difference of echo and original signal = 3200/fs = 0.07s</a:t>
+            </a:r>
+          </a:p>
+          <a:p>
+            <a:r>
+              <a:rPr lang="en-US" dirty="0"/>
+              <a:t>Adding signal before 0.07s is so weak, nearly no effect.</a:t>
+            </a:r>
+          </a:p>
+          <a:p>
+            <a:r>
+              <a:rPr lang="en-US" dirty="0"/>
+              <a:t>Reference: http://mirlab.org/jang/books/audiosignalProcessing/filterApplication_chinese.asp?title=11-1%20Filter%20Applications%20(%C2o%AAi%BE%B9%C0%B3%A5%CE)</a:t>
+            </a:r>
           </a:p>
         </p:txBody>
       </p:sp>
     </p:spTree>
     <p:extLst>
       <p:ext uri="{BB962C8B-B14F-4D97-AF65-F5344CB8AC3E}">
-        <p14:creationId xmlns:p14="http://schemas.microsoft.com/office/powerpoint/2010/main" val="97535686"/>
+        <p14:creationId xmlns:p14="http://schemas.microsoft.com/office/powerpoint/2010/main" val="77578195"/>
       </p:ext>
     </p:extLst>
   </p:cSld>
@@ -6218,10 +6220,234 @@
           <a:lstStyle/>
           <a:p>
             <a:r>
-              <a:rPr lang="en-US" dirty="0" smtClean="0"/>
+              <a:rPr lang="en-US" dirty="0"/>
+              <a:t>Implement the one/multiple fold echo</a:t>
+            </a:r>
+          </a:p>
+        </p:txBody>
+      </p:sp>
+      <p:sp>
+        <p:nvSpPr>
+          <p:cNvPr id="3" name="內容版面配置區 2"/>
+          <p:cNvSpPr>
+            <a:spLocks noGrp="1"/>
+          </p:cNvSpPr>
+          <p:nvPr>
+            <p:ph idx="1"/>
+          </p:nvPr>
+        </p:nvSpPr>
+        <p:spPr>
+          <a:xfrm>
+            <a:off x="677334" y="4267200"/>
+            <a:ext cx="8596668" cy="1774162"/>
+          </a:xfrm>
+        </p:spPr>
+        <p:txBody>
+          <a:bodyPr>
+            <a:normAutofit/>
+          </a:bodyPr>
+          <a:lstStyle/>
+          <a:p>
+            <a:r>
+              <a:rPr lang="pt-BR" dirty="0">
+                <a:solidFill>
+                  <a:schemeClr val="tx2">
+                    <a:lumMod val="75000"/>
+                  </a:schemeClr>
+                </a:solidFill>
+                <a:latin typeface="Consolas" panose="020B0609020204030204" pitchFamily="49" charset="0"/>
+              </a:rPr>
+              <a:t>0.8*multiEcho(n-3200, 1) </a:t>
+            </a:r>
+            <a:r>
+              <a:rPr lang="pt-BR" dirty="0">
+                <a:solidFill>
+                  <a:schemeClr val="tx1"/>
+                </a:solidFill>
+              </a:rPr>
+              <a:t>brings the previous</a:t>
+            </a:r>
+            <a:r>
+              <a:rPr lang="en-US" dirty="0"/>
+              <a:t> signal that can give a really strong effect. </a:t>
+            </a:r>
+          </a:p>
+        </p:txBody>
+      </p:sp>
+      <p:sp>
+        <p:nvSpPr>
+          <p:cNvPr id="6" name="文字方塊 5"/>
+          <p:cNvSpPr txBox="1"/>
+          <p:nvPr/>
+        </p:nvSpPr>
+        <p:spPr>
+          <a:xfrm>
+            <a:off x="677334" y="2274838"/>
+            <a:ext cx="9302547" cy="2031325"/>
+          </a:xfrm>
+          <a:prstGeom prst="rect">
+            <a:avLst/>
+          </a:prstGeom>
+          <a:noFill/>
+        </p:spPr>
+        <p:txBody>
+          <a:bodyPr wrap="none" rtlCol="0">
+            <a:spAutoFit/>
+          </a:bodyPr>
+          <a:lstStyle/>
+          <a:p>
+            <a:r>
+              <a:rPr lang="en-US" b="1" i="1" dirty="0">
+                <a:solidFill>
+                  <a:schemeClr val="tx2">
+                    <a:lumMod val="75000"/>
+                  </a:schemeClr>
+                </a:solidFill>
+                <a:latin typeface="Consolas" panose="020B0609020204030204" pitchFamily="49" charset="0"/>
+              </a:rPr>
+              <a:t>% multiple-fold echo</a:t>
+            </a:r>
+          </a:p>
+          <a:p>
+            <a:r>
+              <a:rPr lang="en-US" dirty="0" err="1">
+                <a:solidFill>
+                  <a:schemeClr val="tx2">
+                    <a:lumMod val="75000"/>
+                  </a:schemeClr>
+                </a:solidFill>
+                <a:latin typeface="Consolas" panose="020B0609020204030204" pitchFamily="49" charset="0"/>
+              </a:rPr>
+              <a:t>multiEcho</a:t>
+            </a:r>
+            <a:r>
+              <a:rPr lang="en-US" dirty="0">
+                <a:solidFill>
+                  <a:schemeClr val="tx2">
+                    <a:lumMod val="75000"/>
+                  </a:schemeClr>
+                </a:solidFill>
+                <a:latin typeface="Consolas" panose="020B0609020204030204" pitchFamily="49" charset="0"/>
+              </a:rPr>
+              <a:t> = zeros(row, 1);</a:t>
+            </a:r>
+          </a:p>
+          <a:p>
+            <a:r>
+              <a:rPr lang="en-US" dirty="0">
+                <a:solidFill>
+                  <a:schemeClr val="tx2">
+                    <a:lumMod val="75000"/>
+                  </a:schemeClr>
+                </a:solidFill>
+                <a:latin typeface="Consolas" panose="020B0609020204030204" pitchFamily="49" charset="0"/>
+              </a:rPr>
+              <a:t>for n = 1: row</a:t>
+            </a:r>
+          </a:p>
+          <a:p>
+            <a:r>
+              <a:rPr lang="en-US" dirty="0">
+                <a:solidFill>
+                  <a:schemeClr val="tx2">
+                    <a:lumMod val="75000"/>
+                  </a:schemeClr>
+                </a:solidFill>
+                <a:latin typeface="Consolas" panose="020B0609020204030204" pitchFamily="49" charset="0"/>
+              </a:rPr>
+              <a:t>    if (n-3200 &gt; 1)</a:t>
+            </a:r>
+          </a:p>
+          <a:p>
+            <a:r>
+              <a:rPr lang="pt-BR" dirty="0">
+                <a:solidFill>
+                  <a:schemeClr val="tx2">
+                    <a:lumMod val="75000"/>
+                  </a:schemeClr>
+                </a:solidFill>
+                <a:latin typeface="Consolas" panose="020B0609020204030204" pitchFamily="49" charset="0"/>
+              </a:rPr>
+              <a:t>        multiEcho(n, 1) = outputSignal(n, 1) + 0.8*multiEcho(n-3200, 1);</a:t>
+            </a:r>
+          </a:p>
+          <a:p>
+            <a:r>
+              <a:rPr lang="en-US" dirty="0">
+                <a:solidFill>
+                  <a:schemeClr val="tx2">
+                    <a:lumMod val="75000"/>
+                  </a:schemeClr>
+                </a:solidFill>
+                <a:latin typeface="Consolas" panose="020B0609020204030204" pitchFamily="49" charset="0"/>
+              </a:rPr>
+              <a:t>    end</a:t>
+            </a:r>
+          </a:p>
+          <a:p>
+            <a:r>
+              <a:rPr lang="en-US" dirty="0">
+                <a:solidFill>
+                  <a:schemeClr val="tx2">
+                    <a:lumMod val="75000"/>
+                  </a:schemeClr>
+                </a:solidFill>
+                <a:latin typeface="Consolas" panose="020B0609020204030204" pitchFamily="49" charset="0"/>
+              </a:rPr>
+              <a:t>end</a:t>
+            </a:r>
+          </a:p>
+        </p:txBody>
+      </p:sp>
+    </p:spTree>
+    <p:extLst>
+      <p:ext uri="{BB962C8B-B14F-4D97-AF65-F5344CB8AC3E}">
+        <p14:creationId xmlns:p14="http://schemas.microsoft.com/office/powerpoint/2010/main" val="97535686"/>
+      </p:ext>
+    </p:extLst>
+  </p:cSld>
+  <p:clrMapOvr>
+    <a:masterClrMapping/>
+  </p:clrMapOvr>
+</p:sld>
+</file>
+
+<file path=ppt/slides/slide12.xml><?xml version="1.0" encoding="utf-8"?>
+<p:sld xmlns:a="http://schemas.openxmlformats.org/drawingml/2006/main" xmlns:r="http://schemas.openxmlformats.org/officeDocument/2006/relationships" xmlns:p="http://schemas.openxmlformats.org/presentationml/2006/main">
+  <p:cSld>
+    <p:spTree>
+      <p:nvGrpSpPr>
+        <p:cNvPr id="1" name=""/>
+        <p:cNvGrpSpPr/>
+        <p:nvPr/>
+      </p:nvGrpSpPr>
+      <p:grpSpPr>
+        <a:xfrm>
+          <a:off x="0" y="0"/>
+          <a:ext cx="0" cy="0"/>
+          <a:chOff x="0" y="0"/>
+          <a:chExt cx="0" cy="0"/>
+        </a:xfrm>
+      </p:grpSpPr>
+      <p:sp>
+        <p:nvSpPr>
+          <p:cNvPr id="2" name="標題 1"/>
+          <p:cNvSpPr>
+            <a:spLocks noGrp="1"/>
+          </p:cNvSpPr>
+          <p:nvPr>
+            <p:ph type="title"/>
+          </p:nvPr>
+        </p:nvSpPr>
+        <p:spPr/>
+        <p:txBody>
+          <a:bodyPr/>
+          <a:lstStyle/>
+          <a:p>
+            <a:r>
+              <a:rPr lang="en-US" dirty="0"/>
               <a:t>Reducing sampling rate</a:t>
             </a:r>
-            <a:endParaRPr lang="en-US" dirty="0"/>
           </a:p>
         </p:txBody>
       </p:sp>
@@ -6235,113 +6461,52 @@
             <p:ph idx="1"/>
           </p:nvPr>
         </p:nvSpPr>
-        <p:spPr/>
+        <p:spPr>
+          <a:xfrm>
+            <a:off x="677334" y="1521540"/>
+            <a:ext cx="8596668" cy="3880773"/>
+          </a:xfrm>
+        </p:spPr>
         <p:txBody>
           <a:bodyPr/>
           <a:lstStyle/>
           <a:p>
             <a:r>
-              <a:rPr lang="en-US" dirty="0" smtClean="0"/>
+              <a:rPr lang="en-US" dirty="0"/>
               <a:t>Low-pass (~350Hz): No difference</a:t>
             </a:r>
           </a:p>
           <a:p>
             <a:r>
-              <a:rPr lang="en-US" dirty="0" smtClean="0"/>
+              <a:rPr lang="en-US" dirty="0"/>
               <a:t>Bandpass (400~750Hz): No difference</a:t>
             </a:r>
           </a:p>
           <a:p>
             <a:r>
-              <a:rPr lang="en-US" dirty="0" smtClean="0"/>
-              <a:t>High-pass (800Hz~): Some high pitch signals are filtered out</a:t>
-            </a:r>
-            <a:r>
-              <a:rPr lang="en-US" dirty="0" smtClean="0"/>
-              <a:t>.</a:t>
-            </a:r>
-            <a:endParaRPr lang="en-US" dirty="0"/>
-          </a:p>
-          <a:p>
-            <a:r>
-              <a:rPr lang="en-US" dirty="0" smtClean="0"/>
-              <a:t>From the graph, we can see that there are highest frequency signals component is 1500Hz. By </a:t>
-            </a:r>
-            <a:r>
-              <a:rPr lang="en-US" dirty="0" err="1" smtClean="0"/>
-              <a:t>Nyquist’s</a:t>
-            </a:r>
-            <a:r>
-              <a:rPr lang="en-US" dirty="0" smtClean="0"/>
-              <a:t> Sampling Theorem, the sampling rate must at least twice </a:t>
-            </a:r>
-            <a:r>
               <a:rPr lang="en-US" dirty="0"/>
-              <a:t>highest </a:t>
-            </a:r>
-            <a:r>
-              <a:rPr lang="en-US" dirty="0" smtClean="0"/>
-              <a:t>frequency</a:t>
-            </a:r>
+              <a:t>High-pass (800Hz~): Some high pitch signals are filtered out.</a:t>
+            </a:r>
+          </a:p>
+          <a:p>
             <a:r>
               <a:rPr lang="en-US" dirty="0"/>
-              <a:t> </a:t>
-            </a:r>
-            <a:r>
-              <a:rPr lang="en-US" dirty="0" smtClean="0"/>
-              <a:t>component ~= 3000Hz &gt; 2000Hz.</a:t>
-            </a:r>
-          </a:p>
-          <a:p>
-            <a:r>
-              <a:rPr lang="en-US" dirty="0" smtClean="0"/>
-              <a:t>So, the result </a:t>
-            </a:r>
+              <a:t>From the graph, we can see that there are highest frequency signals component is 1500Hz. By Nyquist’s Sampling Theorem, the sampling rate must at least twice highest frequency component ~= 3000Hz &gt; 2000Hz.</a:t>
+            </a:r>
+          </a:p>
+          <a:p>
             <a:r>
               <a:rPr lang="en-US" dirty="0"/>
-              <a:t>within </a:t>
-            </a:r>
-            <a:r>
-              <a:rPr lang="en-US" dirty="0" smtClean="0"/>
-              <a:t>expectation</a:t>
-            </a:r>
-            <a:r>
-              <a:rPr lang="en-US" dirty="0" smtClean="0"/>
-              <a:t>.</a:t>
-            </a:r>
-          </a:p>
-          <a:p>
-            <a:r>
-              <a:rPr lang="en-US" dirty="0" smtClean="0"/>
-              <a:t>Note: </a:t>
-            </a:r>
-            <a:r>
-              <a:rPr lang="en-US" dirty="0"/>
-              <a:t>2kHz music </a:t>
-            </a:r>
-            <a:r>
-              <a:rPr lang="en-US" dirty="0" smtClean="0"/>
-              <a:t>only works with </a:t>
-            </a:r>
-            <a:r>
-              <a:rPr lang="en-US" dirty="0"/>
-              <a:t>Windows Media Player, </a:t>
-            </a:r>
-            <a:r>
-              <a:rPr lang="en-US" dirty="0" err="1"/>
-              <a:t>Matlab</a:t>
-            </a:r>
-            <a:r>
-              <a:rPr lang="en-US" dirty="0"/>
-              <a:t> </a:t>
-            </a:r>
-            <a:r>
-              <a:rPr lang="en-US" dirty="0" err="1"/>
-              <a:t>audioplayer</a:t>
-            </a:r>
-            <a:r>
-              <a:rPr lang="en-US" dirty="0"/>
-              <a:t>(), player() and iTunes(Windows)</a:t>
+              <a:t>So, the result within expectation.</a:t>
+            </a:r>
+          </a:p>
+          <a:p>
+            <a:pPr marL="400050" lvl="1" indent="0">
+              <a:buNone/>
+            </a:pPr>
+            <a:r>
+              <a:rPr lang="en-US" i="1" dirty="0"/>
+              <a:t>Note: 2kHz music only works with Windows Media Player, MATLAB audioplayer(), player() and iTunes(Windows)</a:t>
             </a:r>
           </a:p>
           <a:p>
@@ -6362,8 +6527,8 @@
         </p:blipFill>
         <p:spPr bwMode="auto">
           <a:xfrm>
-            <a:off x="677334" y="5402313"/>
-            <a:ext cx="6927134" cy="1271751"/>
+            <a:off x="677334" y="4823461"/>
+            <a:ext cx="10080104" cy="1850604"/>
           </a:xfrm>
           <a:prstGeom prst="rect">
             <a:avLst/>
@@ -6391,206 +6556,6 @@
 </p:sld>
 </file>
 
-<file path=ppt/slides/slide12.xml><?xml version="1.0" encoding="utf-8"?>
-<p:sld xmlns:a="http://schemas.openxmlformats.org/drawingml/2006/main" xmlns:r="http://schemas.openxmlformats.org/officeDocument/2006/relationships" xmlns:p="http://schemas.openxmlformats.org/presentationml/2006/main">
-  <p:cSld>
-    <p:spTree>
-      <p:nvGrpSpPr>
-        <p:cNvPr id="1" name=""/>
-        <p:cNvGrpSpPr/>
-        <p:nvPr/>
-      </p:nvGrpSpPr>
-      <p:grpSpPr>
-        <a:xfrm>
-          <a:off x="0" y="0"/>
-          <a:ext cx="0" cy="0"/>
-          <a:chOff x="0" y="0"/>
-          <a:chExt cx="0" cy="0"/>
-        </a:xfrm>
-      </p:grpSpPr>
-      <p:sp>
-        <p:nvSpPr>
-          <p:cNvPr id="2" name="標題 1"/>
-          <p:cNvSpPr>
-            <a:spLocks noGrp="1"/>
-          </p:cNvSpPr>
-          <p:nvPr>
-            <p:ph type="title"/>
-          </p:nvPr>
-        </p:nvSpPr>
-        <p:spPr/>
-        <p:txBody>
-          <a:bodyPr/>
-          <a:lstStyle/>
-          <a:p>
-            <a:r>
-              <a:rPr lang="en-US" dirty="0" smtClean="0"/>
-              <a:t>Implement of Bit </a:t>
-            </a:r>
-            <a:r>
-              <a:rPr lang="en-US" dirty="0"/>
-              <a:t>R</a:t>
-            </a:r>
-            <a:r>
-              <a:rPr lang="en-US" dirty="0" smtClean="0"/>
-              <a:t>eduction </a:t>
-            </a:r>
-            <a:endParaRPr lang="en-US" dirty="0"/>
-          </a:p>
-        </p:txBody>
-      </p:sp>
-      <p:sp>
-        <p:nvSpPr>
-          <p:cNvPr id="3" name="內容版面配置區 2"/>
-          <p:cNvSpPr>
-            <a:spLocks noGrp="1"/>
-          </p:cNvSpPr>
-          <p:nvPr>
-            <p:ph idx="1"/>
-          </p:nvPr>
-        </p:nvSpPr>
-        <p:spPr>
-          <a:xfrm>
-            <a:off x="677334" y="3429000"/>
-            <a:ext cx="8596668" cy="2612362"/>
-          </a:xfrm>
-        </p:spPr>
-        <p:txBody>
-          <a:bodyPr/>
-          <a:lstStyle/>
-          <a:p>
-            <a:r>
-              <a:rPr lang="en-US" dirty="0" smtClean="0"/>
-              <a:t>The raw data(16-bit) is normalized between -1 to 1. Apply the function above which can transfer data into 0 to 255. uint8() means data are in 8-bit.</a:t>
-            </a:r>
-            <a:endParaRPr lang="en-US" dirty="0"/>
-          </a:p>
-        </p:txBody>
-      </p:sp>
-      <p:sp>
-        <p:nvSpPr>
-          <p:cNvPr id="4" name="文字方塊 3"/>
-          <p:cNvSpPr txBox="1"/>
-          <p:nvPr/>
-        </p:nvSpPr>
-        <p:spPr>
-          <a:xfrm>
-            <a:off x="677334" y="2196662"/>
-            <a:ext cx="8669361" cy="923330"/>
-          </a:xfrm>
-          <a:prstGeom prst="rect">
-            <a:avLst/>
-          </a:prstGeom>
-          <a:noFill/>
-        </p:spPr>
-        <p:txBody>
-          <a:bodyPr wrap="none" rtlCol="0">
-            <a:spAutoFit/>
-          </a:bodyPr>
-          <a:lstStyle/>
-          <a:p>
-            <a:r>
-              <a:rPr lang="en-US" dirty="0">
-                <a:solidFill>
-                  <a:schemeClr val="tx2">
-                    <a:lumMod val="75000"/>
-                  </a:schemeClr>
-                </a:solidFill>
-                <a:latin typeface="Consolas" panose="020B0609020204030204" pitchFamily="49" charset="0"/>
-              </a:rPr>
-              <a:t>input8bits = uint8( (input + 1)/2 * 255 </a:t>
-            </a:r>
-            <a:r>
-              <a:rPr lang="en-US" dirty="0" smtClean="0">
-                <a:solidFill>
-                  <a:schemeClr val="tx2">
-                    <a:lumMod val="75000"/>
-                  </a:schemeClr>
-                </a:solidFill>
-                <a:latin typeface="Consolas" panose="020B0609020204030204" pitchFamily="49" charset="0"/>
-              </a:rPr>
-              <a:t>);</a:t>
-            </a:r>
-          </a:p>
-          <a:p>
-            <a:r>
-              <a:rPr lang="en-US" dirty="0" err="1">
-                <a:solidFill>
-                  <a:schemeClr val="tx2">
-                    <a:lumMod val="75000"/>
-                  </a:schemeClr>
-                </a:solidFill>
-                <a:latin typeface="Consolas" panose="020B0609020204030204" pitchFamily="49" charset="0"/>
-              </a:rPr>
-              <a:t>audiowrite</a:t>
-            </a:r>
-            <a:r>
-              <a:rPr lang="en-US" dirty="0">
-                <a:solidFill>
-                  <a:schemeClr val="tx2">
-                    <a:lumMod val="75000"/>
-                  </a:schemeClr>
-                </a:solidFill>
-                <a:latin typeface="Consolas" panose="020B0609020204030204" pitchFamily="49" charset="0"/>
-              </a:rPr>
-              <a:t>('Tempest_8bit.wav', input8bits, fs, '</a:t>
-            </a:r>
-            <a:r>
-              <a:rPr lang="en-US" dirty="0" err="1">
-                <a:solidFill>
-                  <a:schemeClr val="tx2">
-                    <a:lumMod val="75000"/>
-                  </a:schemeClr>
-                </a:solidFill>
-                <a:latin typeface="Consolas" panose="020B0609020204030204" pitchFamily="49" charset="0"/>
-              </a:rPr>
-              <a:t>BitsPerSample</a:t>
-            </a:r>
-            <a:r>
-              <a:rPr lang="en-US" dirty="0">
-                <a:solidFill>
-                  <a:schemeClr val="tx2">
-                    <a:lumMod val="75000"/>
-                  </a:schemeClr>
-                </a:solidFill>
-                <a:latin typeface="Consolas" panose="020B0609020204030204" pitchFamily="49" charset="0"/>
-              </a:rPr>
-              <a:t>', 8);</a:t>
-            </a:r>
-            <a:endParaRPr lang="en-US" dirty="0" smtClean="0">
-              <a:solidFill>
-                <a:schemeClr val="tx2">
-                  <a:lumMod val="75000"/>
-                </a:schemeClr>
-              </a:solidFill>
-              <a:latin typeface="Consolas" panose="020B0609020204030204" pitchFamily="49" charset="0"/>
-            </a:endParaRPr>
-          </a:p>
-          <a:p>
-            <a:endParaRPr lang="en-US" dirty="0">
-              <a:solidFill>
-                <a:schemeClr val="tx2">
-                  <a:lumMod val="75000"/>
-                </a:schemeClr>
-              </a:solidFill>
-              <a:latin typeface="Consolas" panose="020B0609020204030204" pitchFamily="49" charset="0"/>
-            </a:endParaRPr>
-          </a:p>
-        </p:txBody>
-      </p:sp>
-    </p:spTree>
-    <p:extLst>
-      <p:ext uri="{BB962C8B-B14F-4D97-AF65-F5344CB8AC3E}">
-        <p14:creationId xmlns:p14="http://schemas.microsoft.com/office/powerpoint/2010/main" val="2443603676"/>
-      </p:ext>
-    </p:extLst>
-  </p:cSld>
-  <p:clrMapOvr>
-    <a:masterClrMapping/>
-  </p:clrMapOvr>
-</p:sld>
-</file>
-
 <file path=ppt/slides/slide13.xml><?xml version="1.0" encoding="utf-8"?>
 <p:sld xmlns:a="http://schemas.openxmlformats.org/drawingml/2006/main" xmlns:r="http://schemas.openxmlformats.org/officeDocument/2006/relationships" xmlns:p="http://schemas.openxmlformats.org/presentationml/2006/main">
   <p:cSld>
@@ -6610,18 +6575,24 @@
       </p:grpSpPr>
       <p:sp>
         <p:nvSpPr>
-          <p:cNvPr id="2" name="標題 1"/>
-          <p:cNvSpPr>
-            <a:spLocks noGrp="1"/>
-          </p:cNvSpPr>
-          <p:nvPr>
-            <p:ph type="title"/>
+          <p:cNvPr id="4" name="標題 3">
+            <a:extLst>
+              <a:ext uri="{FF2B5EF4-FFF2-40B4-BE49-F238E27FC236}">
+                <a16:creationId xmlns:a16="http://schemas.microsoft.com/office/drawing/2014/main" id="{18C765AD-CCBF-784F-A488-2E11C49613A2}"/>
+              </a:ext>
+            </a:extLst>
+          </p:cNvPr>
+          <p:cNvSpPr>
+            <a:spLocks noGrp="1"/>
+          </p:cNvSpPr>
+          <p:nvPr>
+            <p:ph type="ctrTitle"/>
           </p:nvPr>
         </p:nvSpPr>
         <p:spPr>
           <a:xfrm>
-            <a:off x="677334" y="609600"/>
-            <a:ext cx="8596668" cy="746234"/>
+            <a:off x="1507067" y="2404534"/>
+            <a:ext cx="7766936" cy="1646302"/>
           </a:xfrm>
         </p:spPr>
         <p:txBody>
@@ -6629,116 +6600,21 @@
           <a:lstStyle/>
           <a:p>
             <a:r>
-              <a:rPr lang="en-US" dirty="0" smtClean="0"/>
-              <a:t>Implement of </a:t>
-            </a:r>
-            <a:r>
-              <a:rPr lang="en-US" dirty="0"/>
-              <a:t>A</a:t>
-            </a:r>
-            <a:r>
-              <a:rPr lang="en-US" dirty="0" smtClean="0"/>
-              <a:t>udio </a:t>
-            </a:r>
-            <a:r>
-              <a:rPr lang="en-US" dirty="0"/>
-              <a:t>D</a:t>
-            </a:r>
-            <a:r>
-              <a:rPr lang="en-US" dirty="0" smtClean="0"/>
-              <a:t>ithering</a:t>
-            </a:r>
-            <a:endParaRPr lang="en-US" dirty="0"/>
-          </a:p>
-        </p:txBody>
-      </p:sp>
-      <p:sp>
-        <p:nvSpPr>
-          <p:cNvPr id="3" name="內容版面配置區 2"/>
-          <p:cNvSpPr>
-            <a:spLocks noGrp="1"/>
-          </p:cNvSpPr>
-          <p:nvPr>
-            <p:ph idx="1"/>
-          </p:nvPr>
-        </p:nvSpPr>
-        <p:spPr>
-          <a:xfrm>
-            <a:off x="677334" y="2575034"/>
-            <a:ext cx="8596668" cy="567559"/>
-          </a:xfrm>
-        </p:spPr>
-        <p:txBody>
-          <a:bodyPr/>
-          <a:lstStyle/>
-          <a:p>
-            <a:r>
-              <a:rPr lang="en-US" dirty="0" smtClean="0"/>
-              <a:t>Audio Dithering is add random noise</a:t>
-            </a:r>
-            <a:endParaRPr lang="en-US" dirty="0"/>
-          </a:p>
-        </p:txBody>
-      </p:sp>
-      <p:sp>
-        <p:nvSpPr>
-          <p:cNvPr id="4" name="文字方塊 3"/>
-          <p:cNvSpPr txBox="1"/>
-          <p:nvPr/>
-        </p:nvSpPr>
-        <p:spPr>
-          <a:xfrm>
-            <a:off x="677334" y="1561068"/>
-            <a:ext cx="8542723" cy="369332"/>
-          </a:xfrm>
-          <a:prstGeom prst="rect">
-            <a:avLst/>
-          </a:prstGeom>
-          <a:noFill/>
-        </p:spPr>
-        <p:txBody>
-          <a:bodyPr wrap="none" rtlCol="0">
-            <a:spAutoFit/>
-          </a:bodyPr>
-          <a:lstStyle/>
-          <a:p>
-            <a:r>
-              <a:rPr lang="en-US" dirty="0">
-                <a:solidFill>
-                  <a:schemeClr val="tx2">
-                    <a:lumMod val="75000"/>
-                  </a:schemeClr>
-                </a:solidFill>
-                <a:latin typeface="Consolas" panose="020B0609020204030204" pitchFamily="49" charset="0"/>
-              </a:rPr>
-              <a:t>input8bits_dither = input8bits_nor + rand(size(input8bits_nor))/5</a:t>
-            </a:r>
-            <a:r>
-              <a:rPr lang="en-US" dirty="0" smtClean="0">
-                <a:solidFill>
-                  <a:schemeClr val="tx2">
-                    <a:lumMod val="75000"/>
-                  </a:schemeClr>
-                </a:solidFill>
-                <a:latin typeface="Consolas" panose="020B0609020204030204" pitchFamily="49" charset="0"/>
-              </a:rPr>
-              <a:t>;</a:t>
-            </a:r>
-            <a:endParaRPr lang="en-US" dirty="0">
-              <a:solidFill>
-                <a:schemeClr val="tx2">
-                  <a:lumMod val="75000"/>
-                </a:schemeClr>
-              </a:solidFill>
-              <a:latin typeface="Consolas" panose="020B0609020204030204" pitchFamily="49" charset="0"/>
-            </a:endParaRPr>
+              <a:rPr kumimoji="1" lang="en-US" altLang="zh-HK" dirty="0"/>
+              <a:t>Q2. </a:t>
+            </a:r>
+            <a:r>
+              <a:rPr lang="en" altLang="zh-HK" b="1" dirty="0"/>
+              <a:t>Audio dithering and noise shaping</a:t>
+            </a:r>
+            <a:endParaRPr kumimoji="1" lang="zh-HK" altLang="en-US" dirty="0"/>
           </a:p>
         </p:txBody>
       </p:sp>
     </p:spTree>
     <p:extLst>
       <p:ext uri="{BB962C8B-B14F-4D97-AF65-F5344CB8AC3E}">
-        <p14:creationId xmlns:p14="http://schemas.microsoft.com/office/powerpoint/2010/main" val="1326400493"/>
+        <p14:creationId xmlns:p14="http://schemas.microsoft.com/office/powerpoint/2010/main" val="1998933584"/>
       </p:ext>
     </p:extLst>
   </p:cSld>
@@ -6781,10 +6657,9 @@
           <a:lstStyle/>
           <a:p>
             <a:r>
-              <a:rPr lang="en-US" dirty="0" smtClean="0"/>
-              <a:t>Implement of Noise Shaping</a:t>
-            </a:r>
-            <a:endParaRPr lang="en-US" dirty="0"/>
+              <a:rPr lang="en-US" dirty="0"/>
+              <a:t>Implement Bit Reduction </a:t>
+            </a:r>
           </a:p>
         </p:txBody>
       </p:sp>
@@ -6800,8 +6675,8 @@
         </p:nvSpPr>
         <p:spPr>
           <a:xfrm>
-            <a:off x="677334" y="4561490"/>
-            <a:ext cx="8596668" cy="1479872"/>
+            <a:off x="677334" y="3429000"/>
+            <a:ext cx="8596668" cy="2612362"/>
           </a:xfrm>
         </p:spPr>
         <p:txBody>
@@ -6809,25 +6684,22 @@
           <a:lstStyle/>
           <a:p>
             <a:r>
-              <a:rPr lang="en-US" dirty="0" smtClean="0"/>
-              <a:t>Redistribution the quantization error so that the noise is concentrated in the higher frequencies.</a:t>
-            </a:r>
-          </a:p>
-          <a:p>
-            <a:endParaRPr lang="en-US" dirty="0"/>
-          </a:p>
-        </p:txBody>
-      </p:sp>
-      <p:sp>
-        <p:nvSpPr>
-          <p:cNvPr id="5" name="文字方塊 4"/>
+              <a:rPr lang="en-US" dirty="0"/>
+              <a:t>The raw data(16-bit) is normalized between -1 to 1. Apply the function above which can transfer data into 0 to 255. uint8() means data are in 8-bit.</a:t>
+            </a:r>
+          </a:p>
+        </p:txBody>
+      </p:sp>
+      <p:sp>
+        <p:nvSpPr>
+          <p:cNvPr id="4" name="文字方塊 3"/>
           <p:cNvSpPr txBox="1"/>
           <p:nvPr/>
         </p:nvSpPr>
         <p:spPr>
           <a:xfrm>
-            <a:off x="677334" y="1703170"/>
-            <a:ext cx="8444941" cy="2585323"/>
+            <a:off x="677334" y="2196662"/>
+            <a:ext cx="8669361" cy="923330"/>
           </a:xfrm>
           <a:prstGeom prst="rect">
             <a:avLst/>
@@ -6849,12 +6721,12 @@
                 </a:solidFill>
                 <a:latin typeface="Consolas" panose="020B0609020204030204" pitchFamily="49" charset="0"/>
               </a:rPr>
-              <a:t>for C = 1: col</a:t>
-            </a:r>
-          </a:p>
-          <a:p>
-            <a:r>
-              <a:rPr lang="en-US" dirty="0">
+              <a:t>input8bits = uint8( (input + 1)/2 * 255 );</a:t>
+            </a:r>
+          </a:p>
+          <a:p>
+            <a:r>
+              <a:rPr lang="en-US" dirty="0" err="1">
                 <a:solidFill>
                   <a:schemeClr val="tx2">
                     <a:lumMod val="75000"/>
@@ -6862,10 +6734,8 @@
                 </a:solidFill>
                 <a:latin typeface="Consolas" panose="020B0609020204030204" pitchFamily="49" charset="0"/>
               </a:rPr>
-              <a:t>    for R = 1: row</a:t>
-            </a:r>
-          </a:p>
-          <a:p>
+              <a:t>audiowrite</a:t>
+            </a:r>
             <a:r>
               <a:rPr lang="en-US" dirty="0">
                 <a:solidFill>
@@ -6875,12 +6745,10 @@
                 </a:solidFill>
                 <a:latin typeface="Consolas" panose="020B0609020204030204" pitchFamily="49" charset="0"/>
               </a:rPr>
-              <a:t>        if (R-1 &gt;= 1)</a:t>
-            </a:r>
-          </a:p>
-          <a:p>
-            <a:r>
-              <a:rPr lang="en-US" dirty="0">
+              <a:t>('Tempest_8bit.wav', input8bits, fs, '</a:t>
+            </a:r>
+            <a:r>
+              <a:rPr lang="en-US" dirty="0" err="1">
                 <a:solidFill>
                   <a:schemeClr val="tx2">
                     <a:lumMod val="75000"/>
@@ -6888,10 +6756,10 @@
                 </a:solidFill>
                 <a:latin typeface="Consolas" panose="020B0609020204030204" pitchFamily="49" charset="0"/>
               </a:rPr>
-              <a:t>            </a:t>
-            </a:r>
-            <a:r>
-              <a:rPr lang="en-US" dirty="0" err="1">
+              <a:t>BitsPerSample</a:t>
+            </a:r>
+            <a:r>
+              <a:rPr lang="en-US" dirty="0">
                 <a:solidFill>
                   <a:schemeClr val="tx2">
                     <a:lumMod val="75000"/>
@@ -6899,144 +6767,7 @@
                 </a:solidFill>
                 <a:latin typeface="Consolas" panose="020B0609020204030204" pitchFamily="49" charset="0"/>
               </a:rPr>
-              <a:t>shapingOutput</a:t>
-            </a:r>
-            <a:r>
-              <a:rPr lang="en-US" dirty="0">
-                <a:solidFill>
-                  <a:schemeClr val="tx2">
-                    <a:lumMod val="75000"/>
-                  </a:schemeClr>
-                </a:solidFill>
-                <a:latin typeface="Consolas" panose="020B0609020204030204" pitchFamily="49" charset="0"/>
-              </a:rPr>
-              <a:t>(R, C) = </a:t>
-            </a:r>
-            <a:r>
-              <a:rPr lang="en-US" dirty="0" err="1">
-                <a:solidFill>
-                  <a:schemeClr val="tx2">
-                    <a:lumMod val="75000"/>
-                  </a:schemeClr>
-                </a:solidFill>
-                <a:latin typeface="Consolas" panose="020B0609020204030204" pitchFamily="49" charset="0"/>
-              </a:rPr>
-              <a:t>shapingOutput</a:t>
-            </a:r>
-            <a:r>
-              <a:rPr lang="en-US" dirty="0">
-                <a:solidFill>
-                  <a:schemeClr val="tx2">
-                    <a:lumMod val="75000"/>
-                  </a:schemeClr>
-                </a:solidFill>
-                <a:latin typeface="Consolas" panose="020B0609020204030204" pitchFamily="49" charset="0"/>
-              </a:rPr>
-              <a:t>(R, C)+ </a:t>
-            </a:r>
-            <a:endParaRPr lang="en-US" dirty="0" smtClean="0">
-              <a:solidFill>
-                <a:schemeClr val="tx2">
-                  <a:lumMod val="75000"/>
-                </a:schemeClr>
-              </a:solidFill>
-              <a:latin typeface="Consolas" panose="020B0609020204030204" pitchFamily="49" charset="0"/>
-            </a:endParaRPr>
-          </a:p>
-          <a:p>
-            <a:r>
-              <a:rPr lang="en-US" dirty="0">
-                <a:solidFill>
-                  <a:schemeClr val="tx2">
-                    <a:lumMod val="75000"/>
-                  </a:schemeClr>
-                </a:solidFill>
-                <a:latin typeface="Consolas" panose="020B0609020204030204" pitchFamily="49" charset="0"/>
-              </a:rPr>
-              <a:t>	</a:t>
-            </a:r>
-            <a:r>
-              <a:rPr lang="en-US" dirty="0" smtClean="0">
-                <a:solidFill>
-                  <a:schemeClr val="tx2">
-                    <a:lumMod val="75000"/>
-                  </a:schemeClr>
-                </a:solidFill>
-                <a:latin typeface="Consolas" panose="020B0609020204030204" pitchFamily="49" charset="0"/>
-              </a:rPr>
-              <a:t>				c</a:t>
-            </a:r>
-            <a:r>
-              <a:rPr lang="en-US" dirty="0">
-                <a:solidFill>
-                  <a:schemeClr val="tx2">
-                    <a:lumMod val="75000"/>
-                  </a:schemeClr>
-                </a:solidFill>
-                <a:latin typeface="Consolas" panose="020B0609020204030204" pitchFamily="49" charset="0"/>
-              </a:rPr>
-              <a:t>*(input8bits_nor(R-1,C)-</a:t>
-            </a:r>
-            <a:r>
-              <a:rPr lang="en-US" dirty="0" err="1">
-                <a:solidFill>
-                  <a:schemeClr val="tx2">
-                    <a:lumMod val="75000"/>
-                  </a:schemeClr>
-                </a:solidFill>
-                <a:latin typeface="Consolas" panose="020B0609020204030204" pitchFamily="49" charset="0"/>
-              </a:rPr>
-              <a:t>shapingOutput</a:t>
-            </a:r>
-            <a:r>
-              <a:rPr lang="en-US" dirty="0">
-                <a:solidFill>
-                  <a:schemeClr val="tx2">
-                    <a:lumMod val="75000"/>
-                  </a:schemeClr>
-                </a:solidFill>
-                <a:latin typeface="Consolas" panose="020B0609020204030204" pitchFamily="49" charset="0"/>
-              </a:rPr>
-              <a:t>(R-1,C));</a:t>
-            </a:r>
-          </a:p>
-          <a:p>
-            <a:r>
-              <a:rPr lang="en-US" dirty="0">
-                <a:solidFill>
-                  <a:schemeClr val="tx2">
-                    <a:lumMod val="75000"/>
-                  </a:schemeClr>
-                </a:solidFill>
-                <a:latin typeface="Consolas" panose="020B0609020204030204" pitchFamily="49" charset="0"/>
-              </a:rPr>
-              <a:t>        end</a:t>
-            </a:r>
-          </a:p>
-          <a:p>
-            <a:r>
-              <a:rPr lang="en-US" dirty="0">
-                <a:solidFill>
-                  <a:schemeClr val="tx2">
-                    <a:lumMod val="75000"/>
-                  </a:schemeClr>
-                </a:solidFill>
-                <a:latin typeface="Consolas" panose="020B0609020204030204" pitchFamily="49" charset="0"/>
-              </a:rPr>
-              <a:t>    end</a:t>
-            </a:r>
-          </a:p>
-          <a:p>
-            <a:r>
-              <a:rPr lang="en-US" dirty="0">
-                <a:solidFill>
-                  <a:schemeClr val="tx2">
-                    <a:lumMod val="75000"/>
-                  </a:schemeClr>
-                </a:solidFill>
-                <a:latin typeface="Consolas" panose="020B0609020204030204" pitchFamily="49" charset="0"/>
-              </a:rPr>
-              <a:t>end</a:t>
+              <a:t>', 8);</a:t>
             </a:r>
           </a:p>
           <a:p>
@@ -7054,7 +6785,7 @@
     </p:spTree>
     <p:extLst>
       <p:ext uri="{BB962C8B-B14F-4D97-AF65-F5344CB8AC3E}">
-        <p14:creationId xmlns:p14="http://schemas.microsoft.com/office/powerpoint/2010/main" val="1221186666"/>
+        <p14:creationId xmlns:p14="http://schemas.microsoft.com/office/powerpoint/2010/main" val="2443603676"/>
       </p:ext>
     </p:extLst>
   </p:cSld>
@@ -7094,7 +6825,7 @@
         <p:spPr>
           <a:xfrm>
             <a:off x="677334" y="609600"/>
-            <a:ext cx="8596668" cy="1008993"/>
+            <a:ext cx="8596668" cy="746234"/>
           </a:xfrm>
         </p:spPr>
         <p:txBody>
@@ -7102,18 +6833,9 @@
           <a:lstStyle/>
           <a:p>
             <a:r>
-              <a:rPr lang="en-US" dirty="0" smtClean="0"/>
-              <a:t>Implement of Low-pass </a:t>
-            </a:r>
-            <a:r>
               <a:rPr lang="en-US" dirty="0"/>
-              <a:t>F</a:t>
-            </a:r>
-            <a:r>
-              <a:rPr lang="en-US" dirty="0" smtClean="0"/>
-              <a:t>ilter</a:t>
-            </a:r>
-            <a:endParaRPr lang="en-US" dirty="0"/>
+              <a:t>Implement Audio Dithering</a:t>
+            </a:r>
           </a:p>
         </p:txBody>
       </p:sp>
@@ -7129,402 +6851,180 @@
         </p:nvSpPr>
         <p:spPr>
           <a:xfrm>
-            <a:off x="829734" y="3973625"/>
-            <a:ext cx="8596668" cy="1828085"/>
+            <a:off x="650361" y="2135634"/>
+            <a:ext cx="8596668" cy="1288897"/>
           </a:xfrm>
         </p:spPr>
         <p:txBody>
           <a:bodyPr>
-            <a:normAutofit/>
+            <a:normAutofit lnSpcReduction="10000"/>
           </a:bodyPr>
           <a:lstStyle/>
           <a:p>
             <a:r>
-              <a:rPr lang="en-US" dirty="0" smtClean="0"/>
-              <a:t>This is hard </a:t>
-            </a:r>
-            <a:r>
-              <a:rPr lang="en-US" dirty="0" err="1" smtClean="0"/>
-              <a:t>clippinh</a:t>
-            </a:r>
-            <a:r>
-              <a:rPr lang="en-US" dirty="0" smtClean="0"/>
-              <a:t>. As the data has been normalized during </a:t>
-            </a:r>
-            <a:r>
-              <a:rPr lang="en-US" dirty="0" err="1" smtClean="0"/>
-              <a:t>audioread</a:t>
-            </a:r>
-            <a:r>
-              <a:rPr lang="en-US" dirty="0" smtClean="0"/>
-              <a:t>() i.e. data should be -1&lt;y[x]&lt;1. After audio dithering, random sharping, applying low-pass filter will be excess the boundary. Every number less than -1 will assign as -1, larger than 1 will be assign as 1.</a:t>
-            </a:r>
-          </a:p>
-        </p:txBody>
-      </p:sp>
-      <p:sp>
-        <p:nvSpPr>
-          <p:cNvPr id="5" name="標題 1"/>
-          <p:cNvSpPr txBox="1">
-            <a:spLocks/>
-          </p:cNvSpPr>
+              <a:rPr lang="en-US" dirty="0"/>
+              <a:t>Audio Dithering is add random noise. We can see that the amplitude of audio is larger than the input significantly. (Shape of Audio)</a:t>
+            </a:r>
+          </a:p>
+          <a:p>
+            <a:r>
+              <a:rPr lang="en-US" dirty="0"/>
+              <a:t>Magnitude in high frequency is also larger than the input.  (Spectrum of Audio)</a:t>
+            </a:r>
+          </a:p>
+          <a:p>
+            <a:endParaRPr lang="en-US" dirty="0"/>
+          </a:p>
+          <a:p>
+            <a:endParaRPr lang="en-US" dirty="0"/>
+          </a:p>
+        </p:txBody>
+      </p:sp>
+      <p:sp>
+        <p:nvSpPr>
+          <p:cNvPr id="4" name="文字方塊 3"/>
+          <p:cNvSpPr txBox="1"/>
           <p:nvPr/>
         </p:nvSpPr>
         <p:spPr>
           <a:xfrm>
-            <a:off x="677334" y="2829554"/>
-            <a:ext cx="8596668" cy="873073"/>
+            <a:off x="677334" y="1561068"/>
+            <a:ext cx="8542723" cy="369332"/>
           </a:xfrm>
           <a:prstGeom prst="rect">
             <a:avLst/>
           </a:prstGeom>
+          <a:noFill/>
         </p:spPr>
         <p:txBody>
-          <a:bodyPr vert="horz" lIns="91440" tIns="45720" rIns="91440" bIns="45720" rtlCol="0" anchor="t">
-            <a:normAutofit/>
+          <a:bodyPr wrap="none" rtlCol="0">
+            <a:spAutoFit/>
           </a:bodyPr>
-          <a:lstStyle>
-            <a:lvl1pPr algn="l" defTabSz="457200" rtl="0" eaLnBrk="1" latinLnBrk="0" hangingPunct="1">
-              <a:spcBef>
-                <a:spcPct val="0"/>
-              </a:spcBef>
-              <a:buNone/>
-              <a:defRPr sz="3600" kern="1200">
-                <a:solidFill>
-                  <a:schemeClr val="accent1"/>
-                </a:solidFill>
-                <a:latin typeface="+mj-lt"/>
-                <a:ea typeface="+mj-ea"/>
-                <a:cs typeface="+mj-cs"/>
-              </a:defRPr>
-            </a:lvl1pPr>
-            <a:lvl2pPr eaLnBrk="1" hangingPunct="1">
-              <a:defRPr>
-                <a:solidFill>
-                  <a:schemeClr val="tx2"/>
-                </a:solidFill>
-              </a:defRPr>
-            </a:lvl2pPr>
-            <a:lvl3pPr eaLnBrk="1" hangingPunct="1">
-              <a:defRPr>
-                <a:solidFill>
-                  <a:schemeClr val="tx2"/>
-                </a:solidFill>
-              </a:defRPr>
-            </a:lvl3pPr>
-            <a:lvl4pPr eaLnBrk="1" hangingPunct="1">
-              <a:defRPr>
-                <a:solidFill>
-                  <a:schemeClr val="tx2"/>
-                </a:solidFill>
-              </a:defRPr>
-            </a:lvl4pPr>
-            <a:lvl5pPr eaLnBrk="1" hangingPunct="1">
-              <a:defRPr>
-                <a:solidFill>
-                  <a:schemeClr val="tx2"/>
-                </a:solidFill>
-              </a:defRPr>
-            </a:lvl5pPr>
-            <a:lvl6pPr eaLnBrk="1" hangingPunct="1">
-              <a:defRPr>
-                <a:solidFill>
-                  <a:schemeClr val="tx2"/>
-                </a:solidFill>
-              </a:defRPr>
-            </a:lvl6pPr>
-            <a:lvl7pPr eaLnBrk="1" hangingPunct="1">
-              <a:defRPr>
-                <a:solidFill>
-                  <a:schemeClr val="tx2"/>
-                </a:solidFill>
-              </a:defRPr>
-            </a:lvl7pPr>
-            <a:lvl8pPr eaLnBrk="1" hangingPunct="1">
-              <a:defRPr>
-                <a:solidFill>
-                  <a:schemeClr val="tx2"/>
-                </a:solidFill>
-              </a:defRPr>
-            </a:lvl8pPr>
-            <a:lvl9pPr eaLnBrk="1" hangingPunct="1">
-              <a:defRPr>
-                <a:solidFill>
-                  <a:schemeClr val="tx2"/>
-                </a:solidFill>
-              </a:defRPr>
-            </a:lvl9pPr>
-          </a:lstStyle>
-          <a:p>
-            <a:r>
-              <a:rPr lang="en-US" dirty="0" smtClean="0"/>
-              <a:t>Implement of Audio Limitation</a:t>
-            </a:r>
-            <a:endParaRPr lang="en-US" dirty="0"/>
-          </a:p>
-        </p:txBody>
-      </p:sp>
-      <p:sp>
-        <p:nvSpPr>
-          <p:cNvPr id="6" name="內容版面配置區 2"/>
-          <p:cNvSpPr txBox="1">
-            <a:spLocks/>
-          </p:cNvSpPr>
+          <a:lstStyle/>
+          <a:p>
+            <a:r>
+              <a:rPr lang="en-US" dirty="0">
+                <a:solidFill>
+                  <a:schemeClr val="tx2">
+                    <a:lumMod val="75000"/>
+                  </a:schemeClr>
+                </a:solidFill>
+                <a:latin typeface="Consolas" panose="020B0609020204030204" pitchFamily="49" charset="0"/>
+              </a:rPr>
+              <a:t>input8bits_dither = input8bits_nor + rand(size(input8bits_nor))/5;</a:t>
+            </a:r>
+          </a:p>
+        </p:txBody>
+      </p:sp>
+      <p:grpSp>
+        <p:nvGrpSpPr>
+          <p:cNvPr id="15" name="群組 14">
+            <a:extLst>
+              <a:ext uri="{FF2B5EF4-FFF2-40B4-BE49-F238E27FC236}">
+                <a16:creationId xmlns:a16="http://schemas.microsoft.com/office/drawing/2014/main" id="{CDE922D7-6F8E-394F-AC22-FE98CFD02DCC}"/>
+              </a:ext>
+            </a:extLst>
+          </p:cNvPr>
+          <p:cNvGrpSpPr/>
           <p:nvPr/>
-        </p:nvSpPr>
-        <p:spPr>
+        </p:nvGrpSpPr>
+        <p:grpSpPr>
           <a:xfrm>
-            <a:off x="829734" y="1618593"/>
-            <a:ext cx="8596668" cy="939963"/>
+            <a:off x="951654" y="3824075"/>
+            <a:ext cx="9898380" cy="2797368"/>
+            <a:chOff x="925830" y="3629765"/>
+            <a:chExt cx="9898380" cy="2797368"/>
           </a:xfrm>
-          <a:prstGeom prst="rect">
-            <a:avLst/>
-          </a:prstGeom>
-        </p:spPr>
-        <p:txBody>
-          <a:bodyPr vert="horz" lIns="91440" tIns="45720" rIns="91440" bIns="45720" rtlCol="0">
-            <a:normAutofit/>
-          </a:bodyPr>
-          <a:lstStyle>
-            <a:lvl1pPr marL="342900" indent="-342900" algn="l" defTabSz="457200" rtl="0" eaLnBrk="1" latinLnBrk="0" hangingPunct="1">
-              <a:spcBef>
-                <a:spcPts val="1000"/>
-              </a:spcBef>
-              <a:spcAft>
-                <a:spcPts val="0"/>
-              </a:spcAft>
-              <a:buClr>
-                <a:schemeClr val="accent1"/>
-              </a:buClr>
-              <a:buSzPct val="80000"/>
-              <a:buFont typeface="Wingdings 3" charset="2"/>
-              <a:buChar char=""/>
-              <a:defRPr sz="1800" kern="1200">
-                <a:solidFill>
-                  <a:schemeClr val="tx1">
-                    <a:lumMod val="75000"/>
-                    <a:lumOff val="25000"/>
-                  </a:schemeClr>
-                </a:solidFill>
-                <a:latin typeface="+mn-lt"/>
-                <a:ea typeface="+mn-ea"/>
-                <a:cs typeface="+mn-cs"/>
-              </a:defRPr>
-            </a:lvl1pPr>
-            <a:lvl2pPr marL="742950" indent="-285750" algn="l" defTabSz="457200" rtl="0" eaLnBrk="1" latinLnBrk="0" hangingPunct="1">
-              <a:spcBef>
-                <a:spcPts val="1000"/>
-              </a:spcBef>
-              <a:spcAft>
-                <a:spcPts val="0"/>
-              </a:spcAft>
-              <a:buClr>
-                <a:schemeClr val="accent1"/>
-              </a:buClr>
-              <a:buSzPct val="80000"/>
-              <a:buFont typeface="Wingdings 3" charset="2"/>
-              <a:buChar char=""/>
-              <a:defRPr sz="1600" kern="1200">
-                <a:solidFill>
-                  <a:schemeClr val="tx1">
-                    <a:lumMod val="75000"/>
-                    <a:lumOff val="25000"/>
-                  </a:schemeClr>
-                </a:solidFill>
-                <a:latin typeface="+mn-lt"/>
-                <a:ea typeface="+mn-ea"/>
-                <a:cs typeface="+mn-cs"/>
-              </a:defRPr>
-            </a:lvl2pPr>
-            <a:lvl3pPr marL="1143000" indent="-228600" algn="l" defTabSz="457200" rtl="0" eaLnBrk="1" latinLnBrk="0" hangingPunct="1">
-              <a:spcBef>
-                <a:spcPts val="1000"/>
-              </a:spcBef>
-              <a:spcAft>
-                <a:spcPts val="0"/>
-              </a:spcAft>
-              <a:buClr>
-                <a:schemeClr val="accent1"/>
-              </a:buClr>
-              <a:buSzPct val="80000"/>
-              <a:buFont typeface="Wingdings 3" charset="2"/>
-              <a:buChar char=""/>
-              <a:defRPr sz="1400" kern="1200">
-                <a:solidFill>
-                  <a:schemeClr val="tx1">
-                    <a:lumMod val="75000"/>
-                    <a:lumOff val="25000"/>
-                  </a:schemeClr>
-                </a:solidFill>
-                <a:latin typeface="+mn-lt"/>
-                <a:ea typeface="+mn-ea"/>
-                <a:cs typeface="+mn-cs"/>
-              </a:defRPr>
-            </a:lvl3pPr>
-            <a:lvl4pPr marL="1600200" indent="-228600" algn="l" defTabSz="457200" rtl="0" eaLnBrk="1" latinLnBrk="0" hangingPunct="1">
-              <a:spcBef>
-                <a:spcPts val="1000"/>
-              </a:spcBef>
-              <a:spcAft>
-                <a:spcPts val="0"/>
-              </a:spcAft>
-              <a:buClr>
-                <a:schemeClr val="accent1"/>
-              </a:buClr>
-              <a:buSzPct val="80000"/>
-              <a:buFont typeface="Wingdings 3" charset="2"/>
-              <a:buChar char=""/>
-              <a:defRPr sz="1200" kern="1200">
-                <a:solidFill>
-                  <a:schemeClr val="tx1">
-                    <a:lumMod val="75000"/>
-                    <a:lumOff val="25000"/>
-                  </a:schemeClr>
-                </a:solidFill>
-                <a:latin typeface="+mn-lt"/>
-                <a:ea typeface="+mn-ea"/>
-                <a:cs typeface="+mn-cs"/>
-              </a:defRPr>
-            </a:lvl4pPr>
-            <a:lvl5pPr marL="2057400" indent="-228600" algn="l" defTabSz="457200" rtl="0" eaLnBrk="1" latinLnBrk="0" hangingPunct="1">
-              <a:spcBef>
-                <a:spcPts val="1000"/>
-              </a:spcBef>
-              <a:spcAft>
-                <a:spcPts val="0"/>
-              </a:spcAft>
-              <a:buClr>
-                <a:schemeClr val="accent1"/>
-              </a:buClr>
-              <a:buSzPct val="80000"/>
-              <a:buFont typeface="Wingdings 3" charset="2"/>
-              <a:buChar char=""/>
-              <a:defRPr sz="1200" kern="1200">
-                <a:solidFill>
-                  <a:schemeClr val="tx1">
-                    <a:lumMod val="75000"/>
-                    <a:lumOff val="25000"/>
-                  </a:schemeClr>
-                </a:solidFill>
-                <a:latin typeface="+mn-lt"/>
-                <a:ea typeface="+mn-ea"/>
-                <a:cs typeface="+mn-cs"/>
-              </a:defRPr>
-            </a:lvl5pPr>
-            <a:lvl6pPr marL="2514600" indent="-228600" algn="l" defTabSz="457200" rtl="0" eaLnBrk="1" latinLnBrk="0" hangingPunct="1">
-              <a:spcBef>
-                <a:spcPts val="1000"/>
-              </a:spcBef>
-              <a:spcAft>
-                <a:spcPts val="0"/>
-              </a:spcAft>
-              <a:buClr>
-                <a:schemeClr val="accent1"/>
-              </a:buClr>
-              <a:buSzPct val="80000"/>
-              <a:buFont typeface="Wingdings 3" charset="2"/>
-              <a:buChar char=""/>
-              <a:defRPr sz="1200" kern="1200">
-                <a:solidFill>
-                  <a:schemeClr val="tx1">
-                    <a:lumMod val="75000"/>
-                    <a:lumOff val="25000"/>
-                  </a:schemeClr>
-                </a:solidFill>
-                <a:latin typeface="+mn-lt"/>
-                <a:ea typeface="+mn-ea"/>
-                <a:cs typeface="+mn-cs"/>
-              </a:defRPr>
-            </a:lvl6pPr>
-            <a:lvl7pPr marL="2971800" indent="-228600" algn="l" defTabSz="457200" rtl="0" eaLnBrk="1" latinLnBrk="0" hangingPunct="1">
-              <a:spcBef>
-                <a:spcPts val="1000"/>
-              </a:spcBef>
-              <a:spcAft>
-                <a:spcPts val="0"/>
-              </a:spcAft>
-              <a:buClr>
-                <a:schemeClr val="accent1"/>
-              </a:buClr>
-              <a:buSzPct val="80000"/>
-              <a:buFont typeface="Wingdings 3" charset="2"/>
-              <a:buChar char=""/>
-              <a:defRPr sz="1200" kern="1200">
-                <a:solidFill>
-                  <a:schemeClr val="tx1">
-                    <a:lumMod val="75000"/>
-                    <a:lumOff val="25000"/>
-                  </a:schemeClr>
-                </a:solidFill>
-                <a:latin typeface="+mn-lt"/>
-                <a:ea typeface="+mn-ea"/>
-                <a:cs typeface="+mn-cs"/>
-              </a:defRPr>
-            </a:lvl7pPr>
-            <a:lvl8pPr marL="3429000" indent="-228600" algn="l" defTabSz="457200" rtl="0" eaLnBrk="1" latinLnBrk="0" hangingPunct="1">
-              <a:spcBef>
-                <a:spcPts val="1000"/>
-              </a:spcBef>
-              <a:spcAft>
-                <a:spcPts val="0"/>
-              </a:spcAft>
-              <a:buClr>
-                <a:schemeClr val="accent1"/>
-              </a:buClr>
-              <a:buSzPct val="80000"/>
-              <a:buFont typeface="Wingdings 3" charset="2"/>
-              <a:buChar char=""/>
-              <a:defRPr sz="1200" kern="1200">
-                <a:solidFill>
-                  <a:schemeClr val="tx1">
-                    <a:lumMod val="75000"/>
-                    <a:lumOff val="25000"/>
-                  </a:schemeClr>
-                </a:solidFill>
-                <a:latin typeface="+mn-lt"/>
-                <a:ea typeface="+mn-ea"/>
-                <a:cs typeface="+mn-cs"/>
-              </a:defRPr>
-            </a:lvl8pPr>
-            <a:lvl9pPr marL="3886200" indent="-228600" algn="l" defTabSz="457200" rtl="0" eaLnBrk="1" latinLnBrk="0" hangingPunct="1">
-              <a:spcBef>
-                <a:spcPts val="1000"/>
-              </a:spcBef>
-              <a:spcAft>
-                <a:spcPts val="0"/>
-              </a:spcAft>
-              <a:buClr>
-                <a:schemeClr val="accent1"/>
-              </a:buClr>
-              <a:buSzPct val="80000"/>
-              <a:buFont typeface="Wingdings 3" charset="2"/>
-              <a:buChar char=""/>
-              <a:defRPr sz="1200" kern="1200">
-                <a:solidFill>
-                  <a:schemeClr val="tx1">
-                    <a:lumMod val="75000"/>
-                    <a:lumOff val="25000"/>
-                  </a:schemeClr>
-                </a:solidFill>
-                <a:latin typeface="+mn-lt"/>
-                <a:ea typeface="+mn-ea"/>
-                <a:cs typeface="+mn-cs"/>
-              </a:defRPr>
-            </a:lvl9pPr>
-          </a:lstStyle>
-          <a:p>
-            <a:r>
-              <a:rPr lang="en-US" dirty="0" smtClean="0"/>
-              <a:t>Same way in Q1. However, this is stereo audio(two sound play together). I have modified the code to fulfill this situation.</a:t>
-            </a:r>
-            <a:endParaRPr lang="en-US" dirty="0" smtClean="0"/>
-          </a:p>
-        </p:txBody>
-      </p:sp>
+        </p:grpSpPr>
+        <p:pic>
+          <p:nvPicPr>
+            <p:cNvPr id="14" name="圖片 13">
+              <a:extLst>
+                <a:ext uri="{FF2B5EF4-FFF2-40B4-BE49-F238E27FC236}">
+                  <a16:creationId xmlns:a16="http://schemas.microsoft.com/office/drawing/2014/main" id="{F0510CC8-8F40-5E44-95B6-E603D4E1E784}"/>
+                </a:ext>
+              </a:extLst>
+            </p:cNvPr>
+            <p:cNvPicPr>
+              <a:picLocks noChangeAspect="1"/>
+            </p:cNvPicPr>
+            <p:nvPr/>
+          </p:nvPicPr>
+          <p:blipFill>
+            <a:blip r:embed="rId2"/>
+            <a:stretch>
+              <a:fillRect/>
+            </a:stretch>
+          </p:blipFill>
+          <p:spPr>
+            <a:xfrm>
+              <a:off x="925830" y="3629765"/>
+              <a:ext cx="9898380" cy="2797368"/>
+            </a:xfrm>
+            <a:prstGeom prst="rect">
+              <a:avLst/>
+            </a:prstGeom>
+          </p:spPr>
+        </p:pic>
+        <p:sp>
+          <p:nvSpPr>
+            <p:cNvPr id="9" name="橢圓 8">
+              <a:extLst>
+                <a:ext uri="{FF2B5EF4-FFF2-40B4-BE49-F238E27FC236}">
+                  <a16:creationId xmlns:a16="http://schemas.microsoft.com/office/drawing/2014/main" id="{6E7303C5-C4C1-3840-BB0D-B8DAF7F1E5EC}"/>
+                </a:ext>
+              </a:extLst>
+            </p:cNvPr>
+            <p:cNvSpPr/>
+            <p:nvPr/>
+          </p:nvSpPr>
+          <p:spPr>
+            <a:xfrm>
+              <a:off x="8087640" y="5939725"/>
+              <a:ext cx="2606887" cy="389106"/>
+            </a:xfrm>
+            <a:prstGeom prst="ellipse">
+              <a:avLst/>
+            </a:prstGeom>
+            <a:noFill/>
+            <a:ln w="28575" cap="flat" cmpd="sng" algn="ctr">
+              <a:solidFill>
+                <a:schemeClr val="accent6"/>
+              </a:solidFill>
+              <a:prstDash val="sysDot"/>
+              <a:round/>
+              <a:headEnd type="none" w="med" len="med"/>
+              <a:tailEnd type="none" w="med" len="med"/>
+            </a:ln>
+          </p:spPr>
+          <p:style>
+            <a:lnRef idx="0">
+              <a:scrgbClr r="0" g="0" b="0"/>
+            </a:lnRef>
+            <a:fillRef idx="0">
+              <a:scrgbClr r="0" g="0" b="0"/>
+            </a:fillRef>
+            <a:effectRef idx="0">
+              <a:scrgbClr r="0" g="0" b="0"/>
+            </a:effectRef>
+            <a:fontRef idx="minor">
+              <a:schemeClr val="dk1"/>
+            </a:fontRef>
+          </p:style>
+          <p:txBody>
+            <a:bodyPr rtlCol="0" anchor="ctr"/>
+            <a:lstStyle/>
+            <a:p>
+              <a:pPr algn="ctr"/>
+              <a:endParaRPr kumimoji="1" lang="zh-HK" altLang="en-US"/>
+            </a:p>
+          </p:txBody>
+        </p:sp>
+      </p:grpSp>
     </p:spTree>
     <p:extLst>
       <p:ext uri="{BB962C8B-B14F-4D97-AF65-F5344CB8AC3E}">
-        <p14:creationId xmlns:p14="http://schemas.microsoft.com/office/powerpoint/2010/main" val="2020192972"/>
+        <p14:creationId xmlns:p14="http://schemas.microsoft.com/office/powerpoint/2010/main" val="1326400493"/>
       </p:ext>
     </p:extLst>
   </p:cSld>
@@ -7561,16 +7061,829 @@
             <p:ph type="title"/>
           </p:nvPr>
         </p:nvSpPr>
+        <p:spPr>
+          <a:xfrm>
+            <a:off x="677334" y="609600"/>
+            <a:ext cx="8596668" cy="670560"/>
+          </a:xfrm>
+        </p:spPr>
+        <p:txBody>
+          <a:bodyPr/>
+          <a:lstStyle/>
+          <a:p>
+            <a:r>
+              <a:rPr lang="en-US" dirty="0"/>
+              <a:t>Implement Noise Shaping</a:t>
+            </a:r>
+          </a:p>
+        </p:txBody>
+      </p:sp>
+      <p:sp>
+        <p:nvSpPr>
+          <p:cNvPr id="3" name="內容版面配置區 2"/>
+          <p:cNvSpPr>
+            <a:spLocks noGrp="1"/>
+          </p:cNvSpPr>
+          <p:nvPr>
+            <p:ph idx="1"/>
+          </p:nvPr>
+        </p:nvSpPr>
+        <p:spPr>
+          <a:xfrm>
+            <a:off x="677334" y="3301882"/>
+            <a:ext cx="8596668" cy="755768"/>
+          </a:xfrm>
+        </p:spPr>
+        <p:txBody>
+          <a:bodyPr/>
+          <a:lstStyle/>
+          <a:p>
+            <a:r>
+              <a:rPr lang="en-US" dirty="0"/>
+              <a:t>Redistribution the quantization error so that the noise is concentrated in the higher frequencies.</a:t>
+            </a:r>
+          </a:p>
+          <a:p>
+            <a:endParaRPr lang="en-US" dirty="0"/>
+          </a:p>
+        </p:txBody>
+      </p:sp>
+      <p:sp>
+        <p:nvSpPr>
+          <p:cNvPr id="5" name="文字方塊 4"/>
+          <p:cNvSpPr txBox="1"/>
+          <p:nvPr/>
+        </p:nvSpPr>
+        <p:spPr>
+          <a:xfrm>
+            <a:off x="677334" y="1268830"/>
+            <a:ext cx="7766870" cy="2062103"/>
+          </a:xfrm>
+          <a:prstGeom prst="rect">
+            <a:avLst/>
+          </a:prstGeom>
+          <a:noFill/>
+        </p:spPr>
+        <p:txBody>
+          <a:bodyPr wrap="none" rtlCol="0">
+            <a:spAutoFit/>
+          </a:bodyPr>
+          <a:lstStyle/>
+          <a:p>
+            <a:r>
+              <a:rPr lang="en-US" sz="1600" dirty="0">
+                <a:solidFill>
+                  <a:schemeClr val="tx2">
+                    <a:lumMod val="75000"/>
+                  </a:schemeClr>
+                </a:solidFill>
+                <a:latin typeface="Consolas" panose="020B0609020204030204" pitchFamily="49" charset="0"/>
+              </a:rPr>
+              <a:t>for C = 1: col</a:t>
+            </a:r>
+          </a:p>
+          <a:p>
+            <a:r>
+              <a:rPr lang="en-US" sz="1600" dirty="0">
+                <a:solidFill>
+                  <a:schemeClr val="tx2">
+                    <a:lumMod val="75000"/>
+                  </a:schemeClr>
+                </a:solidFill>
+                <a:latin typeface="Consolas" panose="020B0609020204030204" pitchFamily="49" charset="0"/>
+              </a:rPr>
+              <a:t>    for R = 1: row</a:t>
+            </a:r>
+          </a:p>
+          <a:p>
+            <a:r>
+              <a:rPr lang="en-US" sz="1600" dirty="0">
+                <a:solidFill>
+                  <a:schemeClr val="tx2">
+                    <a:lumMod val="75000"/>
+                  </a:schemeClr>
+                </a:solidFill>
+                <a:latin typeface="Consolas" panose="020B0609020204030204" pitchFamily="49" charset="0"/>
+              </a:rPr>
+              <a:t>        if (R-1 &gt;= 1)</a:t>
+            </a:r>
+          </a:p>
+          <a:p>
+            <a:r>
+              <a:rPr lang="en-US" sz="1600" dirty="0">
+                <a:solidFill>
+                  <a:schemeClr val="tx2">
+                    <a:lumMod val="75000"/>
+                  </a:schemeClr>
+                </a:solidFill>
+                <a:latin typeface="Consolas" panose="020B0609020204030204" pitchFamily="49" charset="0"/>
+              </a:rPr>
+              <a:t>            </a:t>
+            </a:r>
+            <a:r>
+              <a:rPr lang="en-US" sz="1600" dirty="0" err="1">
+                <a:solidFill>
+                  <a:schemeClr val="tx2">
+                    <a:lumMod val="75000"/>
+                  </a:schemeClr>
+                </a:solidFill>
+                <a:latin typeface="Consolas" panose="020B0609020204030204" pitchFamily="49" charset="0"/>
+              </a:rPr>
+              <a:t>shapingOutput</a:t>
+            </a:r>
+            <a:r>
+              <a:rPr lang="en-US" sz="1600" dirty="0">
+                <a:solidFill>
+                  <a:schemeClr val="tx2">
+                    <a:lumMod val="75000"/>
+                  </a:schemeClr>
+                </a:solidFill>
+                <a:latin typeface="Consolas" panose="020B0609020204030204" pitchFamily="49" charset="0"/>
+              </a:rPr>
+              <a:t>(R, C) = </a:t>
+            </a:r>
+            <a:r>
+              <a:rPr lang="en-US" sz="1600" dirty="0" err="1">
+                <a:solidFill>
+                  <a:schemeClr val="tx2">
+                    <a:lumMod val="75000"/>
+                  </a:schemeClr>
+                </a:solidFill>
+                <a:latin typeface="Consolas" panose="020B0609020204030204" pitchFamily="49" charset="0"/>
+              </a:rPr>
+              <a:t>shapingOutput</a:t>
+            </a:r>
+            <a:r>
+              <a:rPr lang="en-US" sz="1600" dirty="0">
+                <a:solidFill>
+                  <a:schemeClr val="tx2">
+                    <a:lumMod val="75000"/>
+                  </a:schemeClr>
+                </a:solidFill>
+                <a:latin typeface="Consolas" panose="020B0609020204030204" pitchFamily="49" charset="0"/>
+              </a:rPr>
+              <a:t>(R, C)+ </a:t>
+            </a:r>
+          </a:p>
+          <a:p>
+            <a:r>
+              <a:rPr lang="en-US" sz="1600" dirty="0">
+                <a:solidFill>
+                  <a:schemeClr val="tx2">
+                    <a:lumMod val="75000"/>
+                  </a:schemeClr>
+                </a:solidFill>
+                <a:latin typeface="Consolas" panose="020B0609020204030204" pitchFamily="49" charset="0"/>
+              </a:rPr>
+              <a:t>					c*(input8bits_nor(R-1,C)-</a:t>
+            </a:r>
+            <a:r>
+              <a:rPr lang="en-US" sz="1600" dirty="0" err="1">
+                <a:solidFill>
+                  <a:schemeClr val="tx2">
+                    <a:lumMod val="75000"/>
+                  </a:schemeClr>
+                </a:solidFill>
+                <a:latin typeface="Consolas" panose="020B0609020204030204" pitchFamily="49" charset="0"/>
+              </a:rPr>
+              <a:t>shapingOutput</a:t>
+            </a:r>
+            <a:r>
+              <a:rPr lang="en-US" sz="1600" dirty="0">
+                <a:solidFill>
+                  <a:schemeClr val="tx2">
+                    <a:lumMod val="75000"/>
+                  </a:schemeClr>
+                </a:solidFill>
+                <a:latin typeface="Consolas" panose="020B0609020204030204" pitchFamily="49" charset="0"/>
+              </a:rPr>
+              <a:t>(R-1,C));</a:t>
+            </a:r>
+          </a:p>
+          <a:p>
+            <a:r>
+              <a:rPr lang="en-US" sz="1600" dirty="0">
+                <a:solidFill>
+                  <a:schemeClr val="tx2">
+                    <a:lumMod val="75000"/>
+                  </a:schemeClr>
+                </a:solidFill>
+                <a:latin typeface="Consolas" panose="020B0609020204030204" pitchFamily="49" charset="0"/>
+              </a:rPr>
+              <a:t>        end</a:t>
+            </a:r>
+          </a:p>
+          <a:p>
+            <a:r>
+              <a:rPr lang="en-US" sz="1600" dirty="0">
+                <a:solidFill>
+                  <a:schemeClr val="tx2">
+                    <a:lumMod val="75000"/>
+                  </a:schemeClr>
+                </a:solidFill>
+                <a:latin typeface="Consolas" panose="020B0609020204030204" pitchFamily="49" charset="0"/>
+              </a:rPr>
+              <a:t>    end</a:t>
+            </a:r>
+          </a:p>
+          <a:p>
+            <a:r>
+              <a:rPr lang="en-US" sz="1600" dirty="0">
+                <a:solidFill>
+                  <a:schemeClr val="tx2">
+                    <a:lumMod val="75000"/>
+                  </a:schemeClr>
+                </a:solidFill>
+                <a:latin typeface="Consolas" panose="020B0609020204030204" pitchFamily="49" charset="0"/>
+              </a:rPr>
+              <a:t>end</a:t>
+            </a:r>
+          </a:p>
+        </p:txBody>
+      </p:sp>
+      <p:pic>
+        <p:nvPicPr>
+          <p:cNvPr id="6" name="圖片 5">
+            <a:extLst>
+              <a:ext uri="{FF2B5EF4-FFF2-40B4-BE49-F238E27FC236}">
+                <a16:creationId xmlns:a16="http://schemas.microsoft.com/office/drawing/2014/main" id="{C5BF1DDE-23DB-6243-95DC-FF2E148AC5BC}"/>
+              </a:ext>
+            </a:extLst>
+          </p:cNvPr>
+          <p:cNvPicPr>
+            <a:picLocks noChangeAspect="1"/>
+          </p:cNvPicPr>
+          <p:nvPr/>
+        </p:nvPicPr>
+        <p:blipFill rotWithShape="1">
+          <a:blip r:embed="rId2"/>
+          <a:srcRect t="1522"/>
+          <a:stretch/>
+        </p:blipFill>
+        <p:spPr>
+          <a:xfrm>
+            <a:off x="928794" y="4034789"/>
+            <a:ext cx="9939859" cy="2617471"/>
+          </a:xfrm>
+          <a:prstGeom prst="rect">
+            <a:avLst/>
+          </a:prstGeom>
+        </p:spPr>
+      </p:pic>
+      <p:sp>
+        <p:nvSpPr>
+          <p:cNvPr id="4" name="橢圓 3">
+            <a:extLst>
+              <a:ext uri="{FF2B5EF4-FFF2-40B4-BE49-F238E27FC236}">
+                <a16:creationId xmlns:a16="http://schemas.microsoft.com/office/drawing/2014/main" id="{5F005494-7270-4048-9B1A-1F7D6D80E4B7}"/>
+              </a:ext>
+            </a:extLst>
+          </p:cNvPr>
+          <p:cNvSpPr/>
+          <p:nvPr/>
+        </p:nvSpPr>
+        <p:spPr>
+          <a:xfrm>
+            <a:off x="8412480" y="6229350"/>
+            <a:ext cx="2183130" cy="422910"/>
+          </a:xfrm>
+          <a:prstGeom prst="ellipse">
+            <a:avLst/>
+          </a:prstGeom>
+          <a:noFill/>
+          <a:ln w="57150" cap="flat" cmpd="sng" algn="ctr">
+            <a:solidFill>
+              <a:schemeClr val="accent6"/>
+            </a:solidFill>
+            <a:prstDash val="sysDot"/>
+            <a:round/>
+            <a:headEnd type="none" w="med" len="med"/>
+            <a:tailEnd type="none" w="med" len="med"/>
+          </a:ln>
+        </p:spPr>
+        <p:style>
+          <a:lnRef idx="0">
+            <a:scrgbClr r="0" g="0" b="0"/>
+          </a:lnRef>
+          <a:fillRef idx="0">
+            <a:scrgbClr r="0" g="0" b="0"/>
+          </a:fillRef>
+          <a:effectRef idx="0">
+            <a:scrgbClr r="0" g="0" b="0"/>
+          </a:effectRef>
+          <a:fontRef idx="minor">
+            <a:schemeClr val="dk1"/>
+          </a:fontRef>
+        </p:style>
+        <p:txBody>
+          <a:bodyPr rtlCol="0" anchor="ctr"/>
+          <a:lstStyle/>
+          <a:p>
+            <a:pPr algn="ctr"/>
+            <a:endParaRPr kumimoji="1" lang="zh-HK" altLang="en-US"/>
+          </a:p>
+        </p:txBody>
+      </p:sp>
+    </p:spTree>
+    <p:extLst>
+      <p:ext uri="{BB962C8B-B14F-4D97-AF65-F5344CB8AC3E}">
+        <p14:creationId xmlns:p14="http://schemas.microsoft.com/office/powerpoint/2010/main" val="1221186666"/>
+      </p:ext>
+    </p:extLst>
+  </p:cSld>
+  <p:clrMapOvr>
+    <a:masterClrMapping/>
+  </p:clrMapOvr>
+</p:sld>
+</file>
+
+<file path=ppt/slides/slide17.xml><?xml version="1.0" encoding="utf-8"?>
+<p:sld xmlns:a="http://schemas.openxmlformats.org/drawingml/2006/main" xmlns:r="http://schemas.openxmlformats.org/officeDocument/2006/relationships" xmlns:p="http://schemas.openxmlformats.org/presentationml/2006/main">
+  <p:cSld>
+    <p:spTree>
+      <p:nvGrpSpPr>
+        <p:cNvPr id="1" name=""/>
+        <p:cNvGrpSpPr/>
+        <p:nvPr/>
+      </p:nvGrpSpPr>
+      <p:grpSpPr>
+        <a:xfrm>
+          <a:off x="0" y="0"/>
+          <a:ext cx="0" cy="0"/>
+          <a:chOff x="0" y="0"/>
+          <a:chExt cx="0" cy="0"/>
+        </a:xfrm>
+      </p:grpSpPr>
+      <p:sp>
+        <p:nvSpPr>
+          <p:cNvPr id="2" name="標題 1"/>
+          <p:cNvSpPr>
+            <a:spLocks noGrp="1"/>
+          </p:cNvSpPr>
+          <p:nvPr>
+            <p:ph type="title"/>
+          </p:nvPr>
+        </p:nvSpPr>
+        <p:spPr>
+          <a:xfrm>
+            <a:off x="677334" y="609600"/>
+            <a:ext cx="8596668" cy="1008993"/>
+          </a:xfrm>
+        </p:spPr>
+        <p:txBody>
+          <a:bodyPr/>
+          <a:lstStyle/>
+          <a:p>
+            <a:r>
+              <a:rPr lang="en-US" dirty="0"/>
+              <a:t>Implement Low-pass Filter</a:t>
+            </a:r>
+          </a:p>
+        </p:txBody>
+      </p:sp>
+      <p:sp>
+        <p:nvSpPr>
+          <p:cNvPr id="3" name="內容版面配置區 2"/>
+          <p:cNvSpPr>
+            <a:spLocks noGrp="1"/>
+          </p:cNvSpPr>
+          <p:nvPr>
+            <p:ph idx="1"/>
+          </p:nvPr>
+        </p:nvSpPr>
+        <p:spPr>
+          <a:xfrm>
+            <a:off x="829734" y="3973625"/>
+            <a:ext cx="8596668" cy="1828085"/>
+          </a:xfrm>
+        </p:spPr>
+        <p:txBody>
+          <a:bodyPr>
+            <a:normAutofit/>
+          </a:bodyPr>
+          <a:lstStyle/>
+          <a:p>
+            <a:r>
+              <a:rPr lang="en-US" dirty="0"/>
+              <a:t>This is hard clipping. As the data has been normalized during </a:t>
+            </a:r>
+            <a:r>
+              <a:rPr lang="en-US" dirty="0" err="1"/>
+              <a:t>audioread</a:t>
+            </a:r>
+            <a:r>
+              <a:rPr lang="en-US" dirty="0"/>
+              <a:t>() i.e. data should be -1&lt;y[x]&lt;1. After audio dithering, random sharping, applying low-pass filter will be excess the boundary. Every number less than -1 will assign as -1, larger than 1 will be assign as 1.</a:t>
+            </a:r>
+          </a:p>
+        </p:txBody>
+      </p:sp>
+      <p:sp>
+        <p:nvSpPr>
+          <p:cNvPr id="5" name="標題 1"/>
+          <p:cNvSpPr txBox="1">
+            <a:spLocks/>
+          </p:cNvSpPr>
+          <p:nvPr/>
+        </p:nvSpPr>
+        <p:spPr>
+          <a:xfrm>
+            <a:off x="677334" y="2829554"/>
+            <a:ext cx="8596668" cy="873073"/>
+          </a:xfrm>
+          <a:prstGeom prst="rect">
+            <a:avLst/>
+          </a:prstGeom>
+        </p:spPr>
+        <p:txBody>
+          <a:bodyPr vert="horz" lIns="91440" tIns="45720" rIns="91440" bIns="45720" rtlCol="0" anchor="t">
+            <a:normAutofit/>
+          </a:bodyPr>
+          <a:lstStyle>
+            <a:lvl1pPr algn="l" defTabSz="457200" rtl="0" eaLnBrk="1" latinLnBrk="0" hangingPunct="1">
+              <a:spcBef>
+                <a:spcPct val="0"/>
+              </a:spcBef>
+              <a:buNone/>
+              <a:defRPr sz="3600" kern="1200">
+                <a:solidFill>
+                  <a:schemeClr val="accent1"/>
+                </a:solidFill>
+                <a:latin typeface="+mj-lt"/>
+                <a:ea typeface="+mj-ea"/>
+                <a:cs typeface="+mj-cs"/>
+              </a:defRPr>
+            </a:lvl1pPr>
+            <a:lvl2pPr eaLnBrk="1" hangingPunct="1">
+              <a:defRPr>
+                <a:solidFill>
+                  <a:schemeClr val="tx2"/>
+                </a:solidFill>
+              </a:defRPr>
+            </a:lvl2pPr>
+            <a:lvl3pPr eaLnBrk="1" hangingPunct="1">
+              <a:defRPr>
+                <a:solidFill>
+                  <a:schemeClr val="tx2"/>
+                </a:solidFill>
+              </a:defRPr>
+            </a:lvl3pPr>
+            <a:lvl4pPr eaLnBrk="1" hangingPunct="1">
+              <a:defRPr>
+                <a:solidFill>
+                  <a:schemeClr val="tx2"/>
+                </a:solidFill>
+              </a:defRPr>
+            </a:lvl4pPr>
+            <a:lvl5pPr eaLnBrk="1" hangingPunct="1">
+              <a:defRPr>
+                <a:solidFill>
+                  <a:schemeClr val="tx2"/>
+                </a:solidFill>
+              </a:defRPr>
+            </a:lvl5pPr>
+            <a:lvl6pPr eaLnBrk="1" hangingPunct="1">
+              <a:defRPr>
+                <a:solidFill>
+                  <a:schemeClr val="tx2"/>
+                </a:solidFill>
+              </a:defRPr>
+            </a:lvl6pPr>
+            <a:lvl7pPr eaLnBrk="1" hangingPunct="1">
+              <a:defRPr>
+                <a:solidFill>
+                  <a:schemeClr val="tx2"/>
+                </a:solidFill>
+              </a:defRPr>
+            </a:lvl7pPr>
+            <a:lvl8pPr eaLnBrk="1" hangingPunct="1">
+              <a:defRPr>
+                <a:solidFill>
+                  <a:schemeClr val="tx2"/>
+                </a:solidFill>
+              </a:defRPr>
+            </a:lvl8pPr>
+            <a:lvl9pPr eaLnBrk="1" hangingPunct="1">
+              <a:defRPr>
+                <a:solidFill>
+                  <a:schemeClr val="tx2"/>
+                </a:solidFill>
+              </a:defRPr>
+            </a:lvl9pPr>
+          </a:lstStyle>
+          <a:p>
+            <a:r>
+              <a:rPr lang="en-US" dirty="0"/>
+              <a:t>Implement of Audio Limitation</a:t>
+            </a:r>
+          </a:p>
+        </p:txBody>
+      </p:sp>
+      <p:sp>
+        <p:nvSpPr>
+          <p:cNvPr id="6" name="內容版面配置區 2"/>
+          <p:cNvSpPr txBox="1">
+            <a:spLocks/>
+          </p:cNvSpPr>
+          <p:nvPr/>
+        </p:nvSpPr>
+        <p:spPr>
+          <a:xfrm>
+            <a:off x="829734" y="1618593"/>
+            <a:ext cx="8596668" cy="939963"/>
+          </a:xfrm>
+          <a:prstGeom prst="rect">
+            <a:avLst/>
+          </a:prstGeom>
+        </p:spPr>
+        <p:txBody>
+          <a:bodyPr vert="horz" lIns="91440" tIns="45720" rIns="91440" bIns="45720" rtlCol="0">
+            <a:normAutofit/>
+          </a:bodyPr>
+          <a:lstStyle>
+            <a:lvl1pPr marL="342900" indent="-342900" algn="l" defTabSz="457200" rtl="0" eaLnBrk="1" latinLnBrk="0" hangingPunct="1">
+              <a:spcBef>
+                <a:spcPts val="1000"/>
+              </a:spcBef>
+              <a:spcAft>
+                <a:spcPts val="0"/>
+              </a:spcAft>
+              <a:buClr>
+                <a:schemeClr val="accent1"/>
+              </a:buClr>
+              <a:buSzPct val="80000"/>
+              <a:buFont typeface="Wingdings 3" charset="2"/>
+              <a:buChar char=""/>
+              <a:defRPr sz="1800" kern="1200">
+                <a:solidFill>
+                  <a:schemeClr val="tx1">
+                    <a:lumMod val="75000"/>
+                    <a:lumOff val="25000"/>
+                  </a:schemeClr>
+                </a:solidFill>
+                <a:latin typeface="+mn-lt"/>
+                <a:ea typeface="+mn-ea"/>
+                <a:cs typeface="+mn-cs"/>
+              </a:defRPr>
+            </a:lvl1pPr>
+            <a:lvl2pPr marL="742950" indent="-285750" algn="l" defTabSz="457200" rtl="0" eaLnBrk="1" latinLnBrk="0" hangingPunct="1">
+              <a:spcBef>
+                <a:spcPts val="1000"/>
+              </a:spcBef>
+              <a:spcAft>
+                <a:spcPts val="0"/>
+              </a:spcAft>
+              <a:buClr>
+                <a:schemeClr val="accent1"/>
+              </a:buClr>
+              <a:buSzPct val="80000"/>
+              <a:buFont typeface="Wingdings 3" charset="2"/>
+              <a:buChar char=""/>
+              <a:defRPr sz="1600" kern="1200">
+                <a:solidFill>
+                  <a:schemeClr val="tx1">
+                    <a:lumMod val="75000"/>
+                    <a:lumOff val="25000"/>
+                  </a:schemeClr>
+                </a:solidFill>
+                <a:latin typeface="+mn-lt"/>
+                <a:ea typeface="+mn-ea"/>
+                <a:cs typeface="+mn-cs"/>
+              </a:defRPr>
+            </a:lvl2pPr>
+            <a:lvl3pPr marL="1143000" indent="-228600" algn="l" defTabSz="457200" rtl="0" eaLnBrk="1" latinLnBrk="0" hangingPunct="1">
+              <a:spcBef>
+                <a:spcPts val="1000"/>
+              </a:spcBef>
+              <a:spcAft>
+                <a:spcPts val="0"/>
+              </a:spcAft>
+              <a:buClr>
+                <a:schemeClr val="accent1"/>
+              </a:buClr>
+              <a:buSzPct val="80000"/>
+              <a:buFont typeface="Wingdings 3" charset="2"/>
+              <a:buChar char=""/>
+              <a:defRPr sz="1400" kern="1200">
+                <a:solidFill>
+                  <a:schemeClr val="tx1">
+                    <a:lumMod val="75000"/>
+                    <a:lumOff val="25000"/>
+                  </a:schemeClr>
+                </a:solidFill>
+                <a:latin typeface="+mn-lt"/>
+                <a:ea typeface="+mn-ea"/>
+                <a:cs typeface="+mn-cs"/>
+              </a:defRPr>
+            </a:lvl3pPr>
+            <a:lvl4pPr marL="1600200" indent="-228600" algn="l" defTabSz="457200" rtl="0" eaLnBrk="1" latinLnBrk="0" hangingPunct="1">
+              <a:spcBef>
+                <a:spcPts val="1000"/>
+              </a:spcBef>
+              <a:spcAft>
+                <a:spcPts val="0"/>
+              </a:spcAft>
+              <a:buClr>
+                <a:schemeClr val="accent1"/>
+              </a:buClr>
+              <a:buSzPct val="80000"/>
+              <a:buFont typeface="Wingdings 3" charset="2"/>
+              <a:buChar char=""/>
+              <a:defRPr sz="1200" kern="1200">
+                <a:solidFill>
+                  <a:schemeClr val="tx1">
+                    <a:lumMod val="75000"/>
+                    <a:lumOff val="25000"/>
+                  </a:schemeClr>
+                </a:solidFill>
+                <a:latin typeface="+mn-lt"/>
+                <a:ea typeface="+mn-ea"/>
+                <a:cs typeface="+mn-cs"/>
+              </a:defRPr>
+            </a:lvl4pPr>
+            <a:lvl5pPr marL="2057400" indent="-228600" algn="l" defTabSz="457200" rtl="0" eaLnBrk="1" latinLnBrk="0" hangingPunct="1">
+              <a:spcBef>
+                <a:spcPts val="1000"/>
+              </a:spcBef>
+              <a:spcAft>
+                <a:spcPts val="0"/>
+              </a:spcAft>
+              <a:buClr>
+                <a:schemeClr val="accent1"/>
+              </a:buClr>
+              <a:buSzPct val="80000"/>
+              <a:buFont typeface="Wingdings 3" charset="2"/>
+              <a:buChar char=""/>
+              <a:defRPr sz="1200" kern="1200">
+                <a:solidFill>
+                  <a:schemeClr val="tx1">
+                    <a:lumMod val="75000"/>
+                    <a:lumOff val="25000"/>
+                  </a:schemeClr>
+                </a:solidFill>
+                <a:latin typeface="+mn-lt"/>
+                <a:ea typeface="+mn-ea"/>
+                <a:cs typeface="+mn-cs"/>
+              </a:defRPr>
+            </a:lvl5pPr>
+            <a:lvl6pPr marL="2514600" indent="-228600" algn="l" defTabSz="457200" rtl="0" eaLnBrk="1" latinLnBrk="0" hangingPunct="1">
+              <a:spcBef>
+                <a:spcPts val="1000"/>
+              </a:spcBef>
+              <a:spcAft>
+                <a:spcPts val="0"/>
+              </a:spcAft>
+              <a:buClr>
+                <a:schemeClr val="accent1"/>
+              </a:buClr>
+              <a:buSzPct val="80000"/>
+              <a:buFont typeface="Wingdings 3" charset="2"/>
+              <a:buChar char=""/>
+              <a:defRPr sz="1200" kern="1200">
+                <a:solidFill>
+                  <a:schemeClr val="tx1">
+                    <a:lumMod val="75000"/>
+                    <a:lumOff val="25000"/>
+                  </a:schemeClr>
+                </a:solidFill>
+                <a:latin typeface="+mn-lt"/>
+                <a:ea typeface="+mn-ea"/>
+                <a:cs typeface="+mn-cs"/>
+              </a:defRPr>
+            </a:lvl6pPr>
+            <a:lvl7pPr marL="2971800" indent="-228600" algn="l" defTabSz="457200" rtl="0" eaLnBrk="1" latinLnBrk="0" hangingPunct="1">
+              <a:spcBef>
+                <a:spcPts val="1000"/>
+              </a:spcBef>
+              <a:spcAft>
+                <a:spcPts val="0"/>
+              </a:spcAft>
+              <a:buClr>
+                <a:schemeClr val="accent1"/>
+              </a:buClr>
+              <a:buSzPct val="80000"/>
+              <a:buFont typeface="Wingdings 3" charset="2"/>
+              <a:buChar char=""/>
+              <a:defRPr sz="1200" kern="1200">
+                <a:solidFill>
+                  <a:schemeClr val="tx1">
+                    <a:lumMod val="75000"/>
+                    <a:lumOff val="25000"/>
+                  </a:schemeClr>
+                </a:solidFill>
+                <a:latin typeface="+mn-lt"/>
+                <a:ea typeface="+mn-ea"/>
+                <a:cs typeface="+mn-cs"/>
+              </a:defRPr>
+            </a:lvl7pPr>
+            <a:lvl8pPr marL="3429000" indent="-228600" algn="l" defTabSz="457200" rtl="0" eaLnBrk="1" latinLnBrk="0" hangingPunct="1">
+              <a:spcBef>
+                <a:spcPts val="1000"/>
+              </a:spcBef>
+              <a:spcAft>
+                <a:spcPts val="0"/>
+              </a:spcAft>
+              <a:buClr>
+                <a:schemeClr val="accent1"/>
+              </a:buClr>
+              <a:buSzPct val="80000"/>
+              <a:buFont typeface="Wingdings 3" charset="2"/>
+              <a:buChar char=""/>
+              <a:defRPr sz="1200" kern="1200">
+                <a:solidFill>
+                  <a:schemeClr val="tx1">
+                    <a:lumMod val="75000"/>
+                    <a:lumOff val="25000"/>
+                  </a:schemeClr>
+                </a:solidFill>
+                <a:latin typeface="+mn-lt"/>
+                <a:ea typeface="+mn-ea"/>
+                <a:cs typeface="+mn-cs"/>
+              </a:defRPr>
+            </a:lvl8pPr>
+            <a:lvl9pPr marL="3886200" indent="-228600" algn="l" defTabSz="457200" rtl="0" eaLnBrk="1" latinLnBrk="0" hangingPunct="1">
+              <a:spcBef>
+                <a:spcPts val="1000"/>
+              </a:spcBef>
+              <a:spcAft>
+                <a:spcPts val="0"/>
+              </a:spcAft>
+              <a:buClr>
+                <a:schemeClr val="accent1"/>
+              </a:buClr>
+              <a:buSzPct val="80000"/>
+              <a:buFont typeface="Wingdings 3" charset="2"/>
+              <a:buChar char=""/>
+              <a:defRPr sz="1200" kern="1200">
+                <a:solidFill>
+                  <a:schemeClr val="tx1">
+                    <a:lumMod val="75000"/>
+                    <a:lumOff val="25000"/>
+                  </a:schemeClr>
+                </a:solidFill>
+                <a:latin typeface="+mn-lt"/>
+                <a:ea typeface="+mn-ea"/>
+                <a:cs typeface="+mn-cs"/>
+              </a:defRPr>
+            </a:lvl9pPr>
+          </a:lstStyle>
+          <a:p>
+            <a:r>
+              <a:rPr lang="en-US" dirty="0"/>
+              <a:t>Same way in Q1. However, this is stereo audio(two sound play together). I have modified the code to fulfill this situation.</a:t>
+            </a:r>
+          </a:p>
+        </p:txBody>
+      </p:sp>
+    </p:spTree>
+    <p:extLst>
+      <p:ext uri="{BB962C8B-B14F-4D97-AF65-F5344CB8AC3E}">
+        <p14:creationId xmlns:p14="http://schemas.microsoft.com/office/powerpoint/2010/main" val="2020192972"/>
+      </p:ext>
+    </p:extLst>
+  </p:cSld>
+  <p:clrMapOvr>
+    <a:masterClrMapping/>
+  </p:clrMapOvr>
+</p:sld>
+</file>
+
+<file path=ppt/slides/slide18.xml><?xml version="1.0" encoding="utf-8"?>
+<p:sld xmlns:a="http://schemas.openxmlformats.org/drawingml/2006/main" xmlns:r="http://schemas.openxmlformats.org/officeDocument/2006/relationships" xmlns:p="http://schemas.openxmlformats.org/presentationml/2006/main">
+  <p:cSld>
+    <p:spTree>
+      <p:nvGrpSpPr>
+        <p:cNvPr id="1" name=""/>
+        <p:cNvGrpSpPr/>
+        <p:nvPr/>
+      </p:nvGrpSpPr>
+      <p:grpSpPr>
+        <a:xfrm>
+          <a:off x="0" y="0"/>
+          <a:ext cx="0" cy="0"/>
+          <a:chOff x="0" y="0"/>
+          <a:chExt cx="0" cy="0"/>
+        </a:xfrm>
+      </p:grpSpPr>
+      <p:sp>
+        <p:nvSpPr>
+          <p:cNvPr id="2" name="標題 1"/>
+          <p:cNvSpPr>
+            <a:spLocks noGrp="1"/>
+          </p:cNvSpPr>
+          <p:nvPr>
+            <p:ph type="title"/>
+          </p:nvPr>
+        </p:nvSpPr>
         <p:spPr/>
         <p:txBody>
           <a:bodyPr/>
           <a:lstStyle/>
           <a:p>
             <a:r>
-              <a:rPr lang="en-US" dirty="0" smtClean="0"/>
-              <a:t>Implement of Normalization</a:t>
-            </a:r>
-            <a:endParaRPr lang="en-US" dirty="0"/>
+              <a:rPr lang="en-US" dirty="0"/>
+              <a:t>Implement Normalization</a:t>
+            </a:r>
           </a:p>
         </p:txBody>
       </p:sp>
@@ -7595,10 +7908,9 @@
           <a:lstStyle/>
           <a:p>
             <a:r>
-              <a:rPr lang="en-US" dirty="0" smtClean="0"/>
+              <a:rPr lang="en-US" dirty="0"/>
               <a:t>Find the highest amplitude sample, determine the rate of amplify and raise all samples with amplify rate.</a:t>
             </a:r>
-            <a:endParaRPr lang="en-US" dirty="0"/>
           </a:p>
         </p:txBody>
       </p:sp>
@@ -7847,6 +8159,156 @@
     <p:extLst>
       <p:ext uri="{BB962C8B-B14F-4D97-AF65-F5344CB8AC3E}">
         <p14:creationId xmlns:p14="http://schemas.microsoft.com/office/powerpoint/2010/main" val="285168743"/>
+      </p:ext>
+    </p:extLst>
+  </p:cSld>
+  <p:clrMapOvr>
+    <a:masterClrMapping/>
+  </p:clrMapOvr>
+</p:sld>
+</file>
+
+<file path=ppt/slides/slide19.xml><?xml version="1.0" encoding="utf-8"?>
+<p:sld xmlns:a="http://schemas.openxmlformats.org/drawingml/2006/main" xmlns:r="http://schemas.openxmlformats.org/officeDocument/2006/relationships" xmlns:p="http://schemas.openxmlformats.org/presentationml/2006/main">
+  <p:cSld>
+    <p:spTree>
+      <p:nvGrpSpPr>
+        <p:cNvPr id="1" name=""/>
+        <p:cNvGrpSpPr/>
+        <p:nvPr/>
+      </p:nvGrpSpPr>
+      <p:grpSpPr>
+        <a:xfrm>
+          <a:off x="0" y="0"/>
+          <a:ext cx="0" cy="0"/>
+          <a:chOff x="0" y="0"/>
+          <a:chExt cx="0" cy="0"/>
+        </a:xfrm>
+      </p:grpSpPr>
+      <p:sp>
+        <p:nvSpPr>
+          <p:cNvPr id="2" name="標題 1">
+            <a:extLst>
+              <a:ext uri="{FF2B5EF4-FFF2-40B4-BE49-F238E27FC236}">
+                <a16:creationId xmlns:a16="http://schemas.microsoft.com/office/drawing/2014/main" id="{4D8E69A9-47B5-D447-89A6-B124274CEDC4}"/>
+              </a:ext>
+            </a:extLst>
+          </p:cNvPr>
+          <p:cNvSpPr>
+            <a:spLocks noGrp="1"/>
+          </p:cNvSpPr>
+          <p:nvPr>
+            <p:ph type="title"/>
+          </p:nvPr>
+        </p:nvSpPr>
+        <p:spPr>
+          <a:xfrm>
+            <a:off x="677334" y="609600"/>
+            <a:ext cx="10549466" cy="1320800"/>
+          </a:xfrm>
+        </p:spPr>
+        <p:txBody>
+          <a:bodyPr/>
+          <a:lstStyle/>
+          <a:p>
+            <a:r>
+              <a:rPr kumimoji="1" lang="en-US" altLang="zh-HK" dirty="0"/>
+              <a:t>Final Result</a:t>
+            </a:r>
+            <a:endParaRPr kumimoji="1" lang="zh-HK" altLang="en-US" dirty="0"/>
+          </a:p>
+        </p:txBody>
+      </p:sp>
+      <p:sp>
+        <p:nvSpPr>
+          <p:cNvPr id="7" name="內容版面配置區 6">
+            <a:extLst>
+              <a:ext uri="{FF2B5EF4-FFF2-40B4-BE49-F238E27FC236}">
+                <a16:creationId xmlns:a16="http://schemas.microsoft.com/office/drawing/2014/main" id="{1E4BBEA8-EDC7-9B4F-B230-AF2AB0AF47AF}"/>
+              </a:ext>
+            </a:extLst>
+          </p:cNvPr>
+          <p:cNvSpPr>
+            <a:spLocks noGrp="1"/>
+          </p:cNvSpPr>
+          <p:nvPr>
+            <p:ph idx="1"/>
+          </p:nvPr>
+        </p:nvSpPr>
+        <p:spPr>
+          <a:xfrm>
+            <a:off x="677334" y="1723709"/>
+            <a:ext cx="3213946" cy="4453571"/>
+          </a:xfrm>
+        </p:spPr>
+        <p:txBody>
+          <a:bodyPr>
+            <a:normAutofit/>
+          </a:bodyPr>
+          <a:lstStyle/>
+          <a:p>
+            <a:r>
+              <a:rPr lang="en-US" altLang="zh-HK" dirty="0"/>
+              <a:t>In Spectrum of Output, thanks for Low-pass Filter, the high frequency noise is filtered out.</a:t>
+            </a:r>
+          </a:p>
+          <a:p>
+            <a:r>
+              <a:rPr lang="en-US" altLang="zh-HK" dirty="0"/>
+              <a:t>Normalization used to set the Maximum amplitude(0.5 in this case).</a:t>
+            </a:r>
+          </a:p>
+          <a:p>
+            <a:pPr marL="400050" lvl="1" indent="0">
+              <a:buNone/>
+            </a:pPr>
+            <a:endParaRPr lang="en-US" altLang="zh-HK" i="1" dirty="0"/>
+          </a:p>
+          <a:p>
+            <a:pPr marL="400050" lvl="1" indent="0">
+              <a:buNone/>
+            </a:pPr>
+            <a:r>
+              <a:rPr lang="en-US" altLang="zh-HK" i="1" dirty="0"/>
+              <a:t>Note: All spectrum in Q2 has been chipped because amplitude of 0Hz is extremely high, which is not helpful for analysis.</a:t>
+            </a:r>
+          </a:p>
+        </p:txBody>
+      </p:sp>
+      <p:pic>
+        <p:nvPicPr>
+          <p:cNvPr id="11" name="圖片 10">
+            <a:extLst>
+              <a:ext uri="{FF2B5EF4-FFF2-40B4-BE49-F238E27FC236}">
+                <a16:creationId xmlns:a16="http://schemas.microsoft.com/office/drawing/2014/main" id="{978FC71B-D5F2-6E49-BE9F-DC9ADD55BF0E}"/>
+              </a:ext>
+            </a:extLst>
+          </p:cNvPr>
+          <p:cNvPicPr>
+            <a:picLocks noChangeAspect="1"/>
+          </p:cNvPicPr>
+          <p:nvPr/>
+        </p:nvPicPr>
+        <p:blipFill>
+          <a:blip r:embed="rId2"/>
+          <a:stretch>
+            <a:fillRect/>
+          </a:stretch>
+        </p:blipFill>
+        <p:spPr>
+          <a:xfrm>
+            <a:off x="4166248" y="1513217"/>
+            <a:ext cx="7751432" cy="4427535"/>
+          </a:xfrm>
+          <a:prstGeom prst="rect">
+            <a:avLst/>
+          </a:prstGeom>
+        </p:spPr>
+      </p:pic>
+    </p:spTree>
+    <p:extLst>
+      <p:ext uri="{BB962C8B-B14F-4D97-AF65-F5344CB8AC3E}">
+        <p14:creationId xmlns:p14="http://schemas.microsoft.com/office/powerpoint/2010/main" val="1823646412"/>
       </p:ext>
     </p:extLst>
   </p:cSld>
@@ -7875,12 +8337,18 @@
       </p:grpSpPr>
       <p:sp>
         <p:nvSpPr>
-          <p:cNvPr id="2" name="標題 1"/>
-          <p:cNvSpPr>
-            <a:spLocks noGrp="1"/>
-          </p:cNvSpPr>
-          <p:nvPr>
-            <p:ph type="title"/>
+          <p:cNvPr id="4" name="標題 3">
+            <a:extLst>
+              <a:ext uri="{FF2B5EF4-FFF2-40B4-BE49-F238E27FC236}">
+                <a16:creationId xmlns:a16="http://schemas.microsoft.com/office/drawing/2014/main" id="{18C765AD-CCBF-784F-A488-2E11C49613A2}"/>
+              </a:ext>
+            </a:extLst>
+          </p:cNvPr>
+          <p:cNvSpPr>
+            <a:spLocks noGrp="1"/>
+          </p:cNvSpPr>
+          <p:nvPr>
+            <p:ph type="ctrTitle"/>
           </p:nvPr>
         </p:nvSpPr>
         <p:spPr/>
@@ -7889,57 +8357,21 @@
           <a:lstStyle/>
           <a:p>
             <a:r>
-              <a:rPr lang="en-US" dirty="0"/>
-              <a:t>D</a:t>
-            </a:r>
-            <a:r>
-              <a:rPr lang="en-US" dirty="0" smtClean="0"/>
-              <a:t>etermine </a:t>
-            </a:r>
-            <a:r>
-              <a:rPr lang="en-US" dirty="0"/>
-              <a:t>the filters</a:t>
-            </a:r>
-          </a:p>
-        </p:txBody>
-      </p:sp>
-      <p:sp>
-        <p:nvSpPr>
-          <p:cNvPr id="3" name="內容版面配置區 2"/>
-          <p:cNvSpPr>
-            <a:spLocks noGrp="1"/>
-          </p:cNvSpPr>
-          <p:nvPr>
-            <p:ph idx="1"/>
-          </p:nvPr>
-        </p:nvSpPr>
-        <p:spPr/>
-        <p:txBody>
-          <a:bodyPr/>
-          <a:lstStyle/>
-          <a:p>
-            <a:r>
-              <a:rPr lang="en-US" altLang="zh-TW" dirty="0" smtClean="0"/>
-              <a:t>There are 3 songs combined into 1 music file. This is clear that they are in 3 separate frequency boundary.</a:t>
-            </a:r>
-          </a:p>
-          <a:p>
-            <a:r>
-              <a:rPr lang="en-US" altLang="zh-TW" dirty="0" smtClean="0"/>
-              <a:t>As the </a:t>
-            </a:r>
-            <a:r>
-              <a:rPr lang="en-US" dirty="0" smtClean="0"/>
-              <a:t>Ideal Filters are provided, I choose Low-pass, High-pass and bandpass filter.</a:t>
-            </a:r>
-            <a:endParaRPr lang="en-US" dirty="0"/>
+              <a:rPr kumimoji="1" lang="en-US" altLang="zh-HK" dirty="0"/>
+              <a:t>Q1. </a:t>
+            </a:r>
+            <a:r>
+              <a:rPr lang="en" altLang="zh-HK" b="1" dirty="0"/>
+              <a:t>Create FIR filters to filter audio signal</a:t>
+            </a:r>
+            <a:endParaRPr kumimoji="1" lang="zh-HK" altLang="en-US" dirty="0"/>
           </a:p>
         </p:txBody>
       </p:sp>
     </p:spTree>
     <p:extLst>
       <p:ext uri="{BB962C8B-B14F-4D97-AF65-F5344CB8AC3E}">
-        <p14:creationId xmlns:p14="http://schemas.microsoft.com/office/powerpoint/2010/main" val="3341224984"/>
+        <p14:creationId xmlns:p14="http://schemas.microsoft.com/office/powerpoint/2010/main" val="1036246509"/>
       </p:ext>
     </p:extLst>
   </p:cSld>
@@ -7982,10 +8414,9 @@
           <a:lstStyle/>
           <a:p>
             <a:r>
-              <a:rPr lang="en-US" dirty="0" smtClean="0"/>
-              <a:t>Implement the Filter and convolutions</a:t>
-            </a:r>
-            <a:endParaRPr lang="en-US" dirty="0"/>
+              <a:rPr lang="en-US" dirty="0"/>
+              <a:t>Determine the filters</a:t>
+            </a:r>
           </a:p>
         </p:txBody>
       </p:sp>
@@ -8005,436 +8436,18 @@
           <a:lstStyle/>
           <a:p>
             <a:r>
+              <a:rPr lang="en-US" altLang="zh-TW" dirty="0"/>
+              <a:t>There are 3 songs combined into 1 music file. This is clear that they are in 3 separate frequency boundary.</a:t>
+            </a:r>
+          </a:p>
+          <a:p>
+            <a:r>
+              <a:rPr lang="en-US" altLang="zh-TW" dirty="0"/>
+              <a:t>As the </a:t>
+            </a:r>
+            <a:r>
               <a:rPr lang="en-US" dirty="0"/>
-              <a:t>Ideal Filter is rectangle function in frequency </a:t>
-            </a:r>
-            <a:r>
-              <a:rPr lang="en-US" dirty="0" smtClean="0"/>
-              <a:t>domain. In theory, we have to do DFT(frequency domain) and inverse DFT(time domain). In </a:t>
-            </a:r>
-            <a:r>
-              <a:rPr lang="en-US" dirty="0"/>
-              <a:t>l</a:t>
-            </a:r>
-            <a:r>
-              <a:rPr lang="en-US" dirty="0" smtClean="0"/>
-              <a:t>ecture notes provides the algorithm implementation for time domain. So I can follow the formula provided and apply convolution.</a:t>
-            </a:r>
-          </a:p>
-          <a:p>
-            <a:endParaRPr lang="en-US" dirty="0"/>
-          </a:p>
-        </p:txBody>
-      </p:sp>
-      <p:sp>
-        <p:nvSpPr>
-          <p:cNvPr id="4" name="文字方塊 3"/>
-          <p:cNvSpPr txBox="1"/>
-          <p:nvPr/>
-        </p:nvSpPr>
-        <p:spPr>
-          <a:xfrm>
-            <a:off x="945931" y="3429000"/>
-            <a:ext cx="8650013" cy="3139321"/>
-          </a:xfrm>
-          <a:prstGeom prst="rect">
-            <a:avLst/>
-          </a:prstGeom>
-          <a:noFill/>
-        </p:spPr>
-        <p:txBody>
-          <a:bodyPr wrap="square" rtlCol="0">
-            <a:spAutoFit/>
-          </a:bodyPr>
-          <a:lstStyle/>
-          <a:p>
-            <a:r>
-              <a:rPr lang="en-US" dirty="0">
-                <a:solidFill>
-                  <a:schemeClr val="tx2">
-                    <a:lumMod val="75000"/>
-                  </a:schemeClr>
-                </a:solidFill>
-                <a:latin typeface="Consolas" panose="020B0609020204030204" pitchFamily="49" charset="0"/>
-              </a:rPr>
-              <a:t>if </a:t>
-            </a:r>
-            <a:r>
-              <a:rPr lang="en-US" dirty="0" err="1">
-                <a:solidFill>
-                  <a:schemeClr val="tx2">
-                    <a:lumMod val="75000"/>
-                  </a:schemeClr>
-                </a:solidFill>
-                <a:latin typeface="Consolas" panose="020B0609020204030204" pitchFamily="49" charset="0"/>
-              </a:rPr>
-              <a:t>strcmp</a:t>
-            </a:r>
-            <a:r>
-              <a:rPr lang="en-US" dirty="0">
-                <a:solidFill>
-                  <a:schemeClr val="tx2">
-                    <a:lumMod val="75000"/>
-                  </a:schemeClr>
-                </a:solidFill>
-                <a:latin typeface="Consolas" panose="020B0609020204030204" pitchFamily="49" charset="0"/>
-              </a:rPr>
-              <a:t>(</a:t>
-            </a:r>
-            <a:r>
-              <a:rPr lang="en-US" dirty="0" err="1">
-                <a:solidFill>
-                  <a:schemeClr val="tx2">
-                    <a:lumMod val="75000"/>
-                  </a:schemeClr>
-                </a:solidFill>
-                <a:latin typeface="Consolas" panose="020B0609020204030204" pitchFamily="49" charset="0"/>
-              </a:rPr>
-              <a:t>filterName</a:t>
-            </a:r>
-            <a:r>
-              <a:rPr lang="en-US" dirty="0">
-                <a:solidFill>
-                  <a:schemeClr val="tx2">
-                    <a:lumMod val="75000"/>
-                  </a:schemeClr>
-                </a:solidFill>
-                <a:latin typeface="Consolas" panose="020B0609020204030204" pitchFamily="49" charset="0"/>
-              </a:rPr>
-              <a:t>, 'low-pass') == 1</a:t>
-            </a:r>
-          </a:p>
-          <a:p>
-            <a:r>
-              <a:rPr lang="en-US" dirty="0">
-                <a:solidFill>
-                  <a:schemeClr val="tx2">
-                    <a:lumMod val="75000"/>
-                  </a:schemeClr>
-                </a:solidFill>
-                <a:latin typeface="Consolas" panose="020B0609020204030204" pitchFamily="49" charset="0"/>
-              </a:rPr>
-              <a:t>    for n = -floor(N/2)+1: floor(N/2)</a:t>
-            </a:r>
-          </a:p>
-          <a:p>
-            <a:r>
-              <a:rPr lang="en-US" dirty="0" smtClean="0">
-                <a:solidFill>
-                  <a:schemeClr val="tx2">
-                    <a:lumMod val="75000"/>
-                  </a:schemeClr>
-                </a:solidFill>
-                <a:latin typeface="Consolas" panose="020B0609020204030204" pitchFamily="49" charset="0"/>
-              </a:rPr>
-              <a:t>	if (n==0) </a:t>
-            </a:r>
-            <a:r>
-              <a:rPr lang="en-US" dirty="0" err="1" smtClean="0">
-                <a:solidFill>
-                  <a:schemeClr val="tx2">
-                    <a:lumMod val="75000"/>
-                  </a:schemeClr>
-                </a:solidFill>
-                <a:latin typeface="Consolas" panose="020B0609020204030204" pitchFamily="49" charset="0"/>
-              </a:rPr>
-              <a:t>fltr</a:t>
-            </a:r>
-            <a:r>
-              <a:rPr lang="en-US" dirty="0" smtClean="0">
-                <a:solidFill>
-                  <a:schemeClr val="tx2">
-                    <a:lumMod val="75000"/>
-                  </a:schemeClr>
-                </a:solidFill>
-                <a:latin typeface="Consolas" panose="020B0609020204030204" pitchFamily="49" charset="0"/>
-              </a:rPr>
-              <a:t>(middle) = 2*fcutoff1;</a:t>
-            </a:r>
-          </a:p>
-          <a:p>
-            <a:r>
-              <a:rPr lang="en-US" dirty="0" smtClean="0">
-                <a:solidFill>
-                  <a:schemeClr val="tx2">
-                    <a:lumMod val="75000"/>
-                  </a:schemeClr>
-                </a:solidFill>
-                <a:latin typeface="Consolas" panose="020B0609020204030204" pitchFamily="49" charset="0"/>
-              </a:rPr>
-              <a:t>        </a:t>
-            </a:r>
-            <a:r>
-              <a:rPr lang="en-US" dirty="0">
-                <a:solidFill>
-                  <a:schemeClr val="tx2">
-                    <a:lumMod val="75000"/>
-                  </a:schemeClr>
-                </a:solidFill>
-                <a:latin typeface="Consolas" panose="020B0609020204030204" pitchFamily="49" charset="0"/>
-              </a:rPr>
-              <a:t>else </a:t>
-            </a:r>
-            <a:r>
-              <a:rPr lang="en-US" dirty="0" err="1">
-                <a:solidFill>
-                  <a:schemeClr val="tx2">
-                    <a:lumMod val="75000"/>
-                  </a:schemeClr>
-                </a:solidFill>
-                <a:latin typeface="Consolas" panose="020B0609020204030204" pitchFamily="49" charset="0"/>
-              </a:rPr>
-              <a:t>fltr</a:t>
-            </a:r>
-            <a:r>
-              <a:rPr lang="en-US" dirty="0">
-                <a:solidFill>
-                  <a:schemeClr val="tx2">
-                    <a:lumMod val="75000"/>
-                  </a:schemeClr>
-                </a:solidFill>
-                <a:latin typeface="Consolas" panose="020B0609020204030204" pitchFamily="49" charset="0"/>
-              </a:rPr>
-              <a:t>(</a:t>
-            </a:r>
-            <a:r>
-              <a:rPr lang="en-US" dirty="0" err="1">
-                <a:solidFill>
-                  <a:schemeClr val="tx2">
-                    <a:lumMod val="75000"/>
-                  </a:schemeClr>
-                </a:solidFill>
-                <a:latin typeface="Consolas" panose="020B0609020204030204" pitchFamily="49" charset="0"/>
-              </a:rPr>
-              <a:t>n+middle</a:t>
-            </a:r>
-            <a:r>
-              <a:rPr lang="en-US" dirty="0">
-                <a:solidFill>
-                  <a:schemeClr val="tx2">
-                    <a:lumMod val="75000"/>
-                  </a:schemeClr>
-                </a:solidFill>
-                <a:latin typeface="Consolas" panose="020B0609020204030204" pitchFamily="49" charset="0"/>
-              </a:rPr>
-              <a:t>) = sin(2*pi*fcutoff1*n)/(pi*n);</a:t>
-            </a:r>
-          </a:p>
-          <a:p>
-            <a:r>
-              <a:rPr lang="en-US" dirty="0">
-                <a:solidFill>
-                  <a:schemeClr val="tx2">
-                    <a:lumMod val="75000"/>
-                  </a:schemeClr>
-                </a:solidFill>
-                <a:latin typeface="Consolas" panose="020B0609020204030204" pitchFamily="49" charset="0"/>
-              </a:rPr>
-              <a:t>        end</a:t>
-            </a:r>
-          </a:p>
-          <a:p>
-            <a:r>
-              <a:rPr lang="en-US" dirty="0">
-                <a:solidFill>
-                  <a:schemeClr val="tx2">
-                    <a:lumMod val="75000"/>
-                  </a:schemeClr>
-                </a:solidFill>
-                <a:latin typeface="Consolas" panose="020B0609020204030204" pitchFamily="49" charset="0"/>
-              </a:rPr>
-              <a:t>    end</a:t>
-            </a:r>
-          </a:p>
-          <a:p>
-            <a:r>
-              <a:rPr lang="en-US" dirty="0" err="1">
-                <a:solidFill>
-                  <a:schemeClr val="tx2">
-                    <a:lumMod val="75000"/>
-                  </a:schemeClr>
-                </a:solidFill>
-                <a:latin typeface="Consolas" panose="020B0609020204030204" pitchFamily="49" charset="0"/>
-              </a:rPr>
-              <a:t>elseif</a:t>
-            </a:r>
-            <a:r>
-              <a:rPr lang="en-US" dirty="0">
-                <a:solidFill>
-                  <a:schemeClr val="tx2">
-                    <a:lumMod val="75000"/>
-                  </a:schemeClr>
-                </a:solidFill>
-                <a:latin typeface="Consolas" panose="020B0609020204030204" pitchFamily="49" charset="0"/>
-              </a:rPr>
-              <a:t> </a:t>
-            </a:r>
-            <a:r>
-              <a:rPr lang="en-US" dirty="0" err="1">
-                <a:solidFill>
-                  <a:schemeClr val="tx2">
-                    <a:lumMod val="75000"/>
-                  </a:schemeClr>
-                </a:solidFill>
-                <a:latin typeface="Consolas" panose="020B0609020204030204" pitchFamily="49" charset="0"/>
-              </a:rPr>
-              <a:t>strcmp</a:t>
-            </a:r>
-            <a:r>
-              <a:rPr lang="en-US" dirty="0">
-                <a:solidFill>
-                  <a:schemeClr val="tx2">
-                    <a:lumMod val="75000"/>
-                  </a:schemeClr>
-                </a:solidFill>
-                <a:latin typeface="Consolas" panose="020B0609020204030204" pitchFamily="49" charset="0"/>
-              </a:rPr>
-              <a:t>(</a:t>
-            </a:r>
-            <a:r>
-              <a:rPr lang="en-US" dirty="0" err="1">
-                <a:solidFill>
-                  <a:schemeClr val="tx2">
-                    <a:lumMod val="75000"/>
-                  </a:schemeClr>
-                </a:solidFill>
-                <a:latin typeface="Consolas" panose="020B0609020204030204" pitchFamily="49" charset="0"/>
-              </a:rPr>
-              <a:t>filterName</a:t>
-            </a:r>
-            <a:r>
-              <a:rPr lang="en-US" dirty="0">
-                <a:solidFill>
-                  <a:schemeClr val="tx2">
-                    <a:lumMod val="75000"/>
-                  </a:schemeClr>
-                </a:solidFill>
-                <a:latin typeface="Consolas" panose="020B0609020204030204" pitchFamily="49" charset="0"/>
-              </a:rPr>
-              <a:t>, 'high-pass') == 1</a:t>
-            </a:r>
-          </a:p>
-          <a:p>
-            <a:r>
-              <a:rPr lang="en-US" dirty="0" smtClean="0">
-                <a:solidFill>
-                  <a:schemeClr val="tx2">
-                    <a:lumMod val="75000"/>
-                  </a:schemeClr>
-                </a:solidFill>
-                <a:latin typeface="Consolas" panose="020B0609020204030204" pitchFamily="49" charset="0"/>
-              </a:rPr>
-              <a:t>	…</a:t>
-            </a:r>
-            <a:endParaRPr lang="en-US" dirty="0">
-              <a:solidFill>
-                <a:schemeClr val="tx2">
-                  <a:lumMod val="75000"/>
-                </a:schemeClr>
-              </a:solidFill>
-              <a:latin typeface="Consolas" panose="020B0609020204030204" pitchFamily="49" charset="0"/>
-            </a:endParaRPr>
-          </a:p>
-          <a:p>
-            <a:r>
-              <a:rPr lang="en-US" dirty="0" err="1">
-                <a:solidFill>
-                  <a:schemeClr val="tx2">
-                    <a:lumMod val="75000"/>
-                  </a:schemeClr>
-                </a:solidFill>
-                <a:latin typeface="Consolas" panose="020B0609020204030204" pitchFamily="49" charset="0"/>
-              </a:rPr>
-              <a:t>elseif</a:t>
-            </a:r>
-            <a:r>
-              <a:rPr lang="en-US" dirty="0">
-                <a:solidFill>
-                  <a:schemeClr val="tx2">
-                    <a:lumMod val="75000"/>
-                  </a:schemeClr>
-                </a:solidFill>
-                <a:latin typeface="Consolas" panose="020B0609020204030204" pitchFamily="49" charset="0"/>
-              </a:rPr>
-              <a:t> </a:t>
-            </a:r>
-            <a:r>
-              <a:rPr lang="en-US" dirty="0" err="1">
-                <a:solidFill>
-                  <a:schemeClr val="tx2">
-                    <a:lumMod val="75000"/>
-                  </a:schemeClr>
-                </a:solidFill>
-                <a:latin typeface="Consolas" panose="020B0609020204030204" pitchFamily="49" charset="0"/>
-              </a:rPr>
-              <a:t>strcmp</a:t>
-            </a:r>
-            <a:r>
-              <a:rPr lang="en-US" dirty="0">
-                <a:solidFill>
-                  <a:schemeClr val="tx2">
-                    <a:lumMod val="75000"/>
-                  </a:schemeClr>
-                </a:solidFill>
-                <a:latin typeface="Consolas" panose="020B0609020204030204" pitchFamily="49" charset="0"/>
-              </a:rPr>
-              <a:t>(</a:t>
-            </a:r>
-            <a:r>
-              <a:rPr lang="en-US" dirty="0" err="1">
-                <a:solidFill>
-                  <a:schemeClr val="tx2">
-                    <a:lumMod val="75000"/>
-                  </a:schemeClr>
-                </a:solidFill>
-                <a:latin typeface="Consolas" panose="020B0609020204030204" pitchFamily="49" charset="0"/>
-              </a:rPr>
-              <a:t>filterName</a:t>
-            </a:r>
-            <a:r>
-              <a:rPr lang="en-US" dirty="0">
-                <a:solidFill>
-                  <a:schemeClr val="tx2">
-                    <a:lumMod val="75000"/>
-                  </a:schemeClr>
-                </a:solidFill>
-                <a:latin typeface="Consolas" panose="020B0609020204030204" pitchFamily="49" charset="0"/>
-              </a:rPr>
-              <a:t>, 'bandpass') == 1</a:t>
-            </a:r>
-          </a:p>
-          <a:p>
-            <a:r>
-              <a:rPr lang="en-US" dirty="0" smtClean="0">
-                <a:solidFill>
-                  <a:schemeClr val="tx2">
-                    <a:lumMod val="75000"/>
-                  </a:schemeClr>
-                </a:solidFill>
-                <a:latin typeface="Consolas" panose="020B0609020204030204" pitchFamily="49" charset="0"/>
-              </a:rPr>
-              <a:t>	…</a:t>
-            </a:r>
-            <a:endParaRPr lang="en-US" dirty="0">
-              <a:solidFill>
-                <a:schemeClr val="tx2">
-                  <a:lumMod val="75000"/>
-                </a:schemeClr>
-              </a:solidFill>
-              <a:latin typeface="Consolas" panose="020B0609020204030204" pitchFamily="49" charset="0"/>
-            </a:endParaRPr>
-          </a:p>
-          <a:p>
-            <a:r>
-              <a:rPr lang="en-US" dirty="0">
-                <a:solidFill>
-                  <a:schemeClr val="tx2">
-                    <a:lumMod val="75000"/>
-                  </a:schemeClr>
-                </a:solidFill>
-                <a:latin typeface="Consolas" panose="020B0609020204030204" pitchFamily="49" charset="0"/>
-              </a:rPr>
-              <a:t>end</a:t>
+              <a:t>Ideal Filters are provided, I choose Low-pass, High-pass and bandpass filter.</a:t>
             </a:r>
           </a:p>
         </p:txBody>
@@ -8442,20 +8455,13 @@
     </p:spTree>
     <p:extLst>
       <p:ext uri="{BB962C8B-B14F-4D97-AF65-F5344CB8AC3E}">
-        <p14:creationId xmlns:p14="http://schemas.microsoft.com/office/powerpoint/2010/main" val="3648787093"/>
+        <p14:creationId xmlns:p14="http://schemas.microsoft.com/office/powerpoint/2010/main" val="3341224984"/>
       </p:ext>
     </p:extLst>
   </p:cSld>
   <p:clrMapOvr>
     <a:masterClrMapping/>
   </p:clrMapOvr>
-  <p:timing>
-    <p:tnLst>
-      <p:par>
-        <p:cTn id="1" dur="indefinite" restart="never" nodeType="tmRoot"/>
-      </p:par>
-    </p:tnLst>
-  </p:timing>
 </p:sld>
 </file>
 
@@ -8514,23 +8520,486 @@
           <a:lstStyle/>
           <a:p>
             <a:r>
-              <a:rPr lang="en-US" dirty="0" smtClean="0"/>
+              <a:rPr lang="en-US" dirty="0"/>
+              <a:t>Ideal Filter is rectangle function in frequency domain. In theory, we have to apply DFT(frequency domain) and inverse DFT(time domain) in the filter. Lecture notes provides the algorithm implementation for time domain. So I can follow the formula provided and apply convolution.</a:t>
+            </a:r>
+          </a:p>
+          <a:p>
+            <a:endParaRPr lang="en-US" dirty="0"/>
+          </a:p>
+        </p:txBody>
+      </p:sp>
+      <p:sp>
+        <p:nvSpPr>
+          <p:cNvPr id="4" name="文字方塊 3"/>
+          <p:cNvSpPr txBox="1"/>
+          <p:nvPr/>
+        </p:nvSpPr>
+        <p:spPr>
+          <a:xfrm>
+            <a:off x="945931" y="3429000"/>
+            <a:ext cx="8650013" cy="3139321"/>
+          </a:xfrm>
+          <a:prstGeom prst="rect">
+            <a:avLst/>
+          </a:prstGeom>
+          <a:noFill/>
+        </p:spPr>
+        <p:txBody>
+          <a:bodyPr wrap="square" rtlCol="0">
+            <a:spAutoFit/>
+          </a:bodyPr>
+          <a:lstStyle/>
+          <a:p>
+            <a:r>
+              <a:rPr lang="en-US" dirty="0">
+                <a:solidFill>
+                  <a:schemeClr val="tx2">
+                    <a:lumMod val="75000"/>
+                  </a:schemeClr>
+                </a:solidFill>
+                <a:latin typeface="Consolas" panose="020B0609020204030204" pitchFamily="49" charset="0"/>
+              </a:rPr>
+              <a:t>if </a:t>
+            </a:r>
+            <a:r>
+              <a:rPr lang="en-US" dirty="0" err="1">
+                <a:solidFill>
+                  <a:schemeClr val="tx2">
+                    <a:lumMod val="75000"/>
+                  </a:schemeClr>
+                </a:solidFill>
+                <a:latin typeface="Consolas" panose="020B0609020204030204" pitchFamily="49" charset="0"/>
+              </a:rPr>
+              <a:t>strcmp</a:t>
+            </a:r>
+            <a:r>
+              <a:rPr lang="en-US" dirty="0">
+                <a:solidFill>
+                  <a:schemeClr val="tx2">
+                    <a:lumMod val="75000"/>
+                  </a:schemeClr>
+                </a:solidFill>
+                <a:latin typeface="Consolas" panose="020B0609020204030204" pitchFamily="49" charset="0"/>
+              </a:rPr>
+              <a:t>(</a:t>
+            </a:r>
+            <a:r>
+              <a:rPr lang="en-US" dirty="0" err="1">
+                <a:solidFill>
+                  <a:schemeClr val="tx2">
+                    <a:lumMod val="75000"/>
+                  </a:schemeClr>
+                </a:solidFill>
+                <a:latin typeface="Consolas" panose="020B0609020204030204" pitchFamily="49" charset="0"/>
+              </a:rPr>
+              <a:t>filterName</a:t>
+            </a:r>
+            <a:r>
+              <a:rPr lang="en-US" dirty="0">
+                <a:solidFill>
+                  <a:schemeClr val="tx2">
+                    <a:lumMod val="75000"/>
+                  </a:schemeClr>
+                </a:solidFill>
+                <a:latin typeface="Consolas" panose="020B0609020204030204" pitchFamily="49" charset="0"/>
+              </a:rPr>
+              <a:t>, 'low-pass') == 1</a:t>
+            </a:r>
+          </a:p>
+          <a:p>
+            <a:r>
+              <a:rPr lang="en-US" dirty="0">
+                <a:solidFill>
+                  <a:schemeClr val="tx2">
+                    <a:lumMod val="75000"/>
+                  </a:schemeClr>
+                </a:solidFill>
+                <a:latin typeface="Consolas" panose="020B0609020204030204" pitchFamily="49" charset="0"/>
+              </a:rPr>
+              <a:t>    for n = -floor(N/2)+1: floor(N/2)</a:t>
+            </a:r>
+          </a:p>
+          <a:p>
+            <a:r>
+              <a:rPr lang="en-US" dirty="0">
+                <a:solidFill>
+                  <a:schemeClr val="tx2">
+                    <a:lumMod val="75000"/>
+                  </a:schemeClr>
+                </a:solidFill>
+                <a:latin typeface="Consolas" panose="020B0609020204030204" pitchFamily="49" charset="0"/>
+              </a:rPr>
+              <a:t>	if (n==0) </a:t>
+            </a:r>
+            <a:r>
+              <a:rPr lang="en-US" dirty="0" err="1">
+                <a:solidFill>
+                  <a:schemeClr val="tx2">
+                    <a:lumMod val="75000"/>
+                  </a:schemeClr>
+                </a:solidFill>
+                <a:latin typeface="Consolas" panose="020B0609020204030204" pitchFamily="49" charset="0"/>
+              </a:rPr>
+              <a:t>fltr</a:t>
+            </a:r>
+            <a:r>
+              <a:rPr lang="en-US" dirty="0">
+                <a:solidFill>
+                  <a:schemeClr val="tx2">
+                    <a:lumMod val="75000"/>
+                  </a:schemeClr>
+                </a:solidFill>
+                <a:latin typeface="Consolas" panose="020B0609020204030204" pitchFamily="49" charset="0"/>
+              </a:rPr>
+              <a:t>(middle) = 2*fcutoff1;</a:t>
+            </a:r>
+          </a:p>
+          <a:p>
+            <a:r>
+              <a:rPr lang="en-US" dirty="0">
+                <a:solidFill>
+                  <a:schemeClr val="tx2">
+                    <a:lumMod val="75000"/>
+                  </a:schemeClr>
+                </a:solidFill>
+                <a:latin typeface="Consolas" panose="020B0609020204030204" pitchFamily="49" charset="0"/>
+              </a:rPr>
+              <a:t>        else </a:t>
+            </a:r>
+            <a:r>
+              <a:rPr lang="en-US" dirty="0" err="1">
+                <a:solidFill>
+                  <a:schemeClr val="tx2">
+                    <a:lumMod val="75000"/>
+                  </a:schemeClr>
+                </a:solidFill>
+                <a:latin typeface="Consolas" panose="020B0609020204030204" pitchFamily="49" charset="0"/>
+              </a:rPr>
+              <a:t>fltr</a:t>
+            </a:r>
+            <a:r>
+              <a:rPr lang="en-US" dirty="0">
+                <a:solidFill>
+                  <a:schemeClr val="tx2">
+                    <a:lumMod val="75000"/>
+                  </a:schemeClr>
+                </a:solidFill>
+                <a:latin typeface="Consolas" panose="020B0609020204030204" pitchFamily="49" charset="0"/>
+              </a:rPr>
+              <a:t>(</a:t>
+            </a:r>
+            <a:r>
+              <a:rPr lang="en-US" dirty="0" err="1">
+                <a:solidFill>
+                  <a:schemeClr val="tx2">
+                    <a:lumMod val="75000"/>
+                  </a:schemeClr>
+                </a:solidFill>
+                <a:latin typeface="Consolas" panose="020B0609020204030204" pitchFamily="49" charset="0"/>
+              </a:rPr>
+              <a:t>n+middle</a:t>
+            </a:r>
+            <a:r>
+              <a:rPr lang="en-US" dirty="0">
+                <a:solidFill>
+                  <a:schemeClr val="tx2">
+                    <a:lumMod val="75000"/>
+                  </a:schemeClr>
+                </a:solidFill>
+                <a:latin typeface="Consolas" panose="020B0609020204030204" pitchFamily="49" charset="0"/>
+              </a:rPr>
+              <a:t>) = sin(2*pi*fcutoff1*n)/(pi*n);</a:t>
+            </a:r>
+          </a:p>
+          <a:p>
+            <a:r>
+              <a:rPr lang="en-US" dirty="0">
+                <a:solidFill>
+                  <a:schemeClr val="tx2">
+                    <a:lumMod val="75000"/>
+                  </a:schemeClr>
+                </a:solidFill>
+                <a:latin typeface="Consolas" panose="020B0609020204030204" pitchFamily="49" charset="0"/>
+              </a:rPr>
+              <a:t>        end</a:t>
+            </a:r>
+          </a:p>
+          <a:p>
+            <a:r>
+              <a:rPr lang="en-US" dirty="0">
+                <a:solidFill>
+                  <a:schemeClr val="tx2">
+                    <a:lumMod val="75000"/>
+                  </a:schemeClr>
+                </a:solidFill>
+                <a:latin typeface="Consolas" panose="020B0609020204030204" pitchFamily="49" charset="0"/>
+              </a:rPr>
+              <a:t>    end</a:t>
+            </a:r>
+          </a:p>
+          <a:p>
+            <a:r>
+              <a:rPr lang="en-US" dirty="0" err="1">
+                <a:solidFill>
+                  <a:schemeClr val="tx2">
+                    <a:lumMod val="75000"/>
+                  </a:schemeClr>
+                </a:solidFill>
+                <a:latin typeface="Consolas" panose="020B0609020204030204" pitchFamily="49" charset="0"/>
+              </a:rPr>
+              <a:t>elseif</a:t>
+            </a:r>
+            <a:r>
+              <a:rPr lang="en-US" dirty="0">
+                <a:solidFill>
+                  <a:schemeClr val="tx2">
+                    <a:lumMod val="75000"/>
+                  </a:schemeClr>
+                </a:solidFill>
+                <a:latin typeface="Consolas" panose="020B0609020204030204" pitchFamily="49" charset="0"/>
+              </a:rPr>
+              <a:t> </a:t>
+            </a:r>
+            <a:r>
+              <a:rPr lang="en-US" dirty="0" err="1">
+                <a:solidFill>
+                  <a:schemeClr val="tx2">
+                    <a:lumMod val="75000"/>
+                  </a:schemeClr>
+                </a:solidFill>
+                <a:latin typeface="Consolas" panose="020B0609020204030204" pitchFamily="49" charset="0"/>
+              </a:rPr>
+              <a:t>strcmp</a:t>
+            </a:r>
+            <a:r>
+              <a:rPr lang="en-US" dirty="0">
+                <a:solidFill>
+                  <a:schemeClr val="tx2">
+                    <a:lumMod val="75000"/>
+                  </a:schemeClr>
+                </a:solidFill>
+                <a:latin typeface="Consolas" panose="020B0609020204030204" pitchFamily="49" charset="0"/>
+              </a:rPr>
+              <a:t>(</a:t>
+            </a:r>
+            <a:r>
+              <a:rPr lang="en-US" dirty="0" err="1">
+                <a:solidFill>
+                  <a:schemeClr val="tx2">
+                    <a:lumMod val="75000"/>
+                  </a:schemeClr>
+                </a:solidFill>
+                <a:latin typeface="Consolas" panose="020B0609020204030204" pitchFamily="49" charset="0"/>
+              </a:rPr>
+              <a:t>filterName</a:t>
+            </a:r>
+            <a:r>
+              <a:rPr lang="en-US" dirty="0">
+                <a:solidFill>
+                  <a:schemeClr val="tx2">
+                    <a:lumMod val="75000"/>
+                  </a:schemeClr>
+                </a:solidFill>
+                <a:latin typeface="Consolas" panose="020B0609020204030204" pitchFamily="49" charset="0"/>
+              </a:rPr>
+              <a:t>, 'high-pass') == 1</a:t>
+            </a:r>
+          </a:p>
+          <a:p>
+            <a:r>
+              <a:rPr lang="en-US" dirty="0">
+                <a:solidFill>
+                  <a:schemeClr val="tx2">
+                    <a:lumMod val="75000"/>
+                  </a:schemeClr>
+                </a:solidFill>
+                <a:latin typeface="Consolas" panose="020B0609020204030204" pitchFamily="49" charset="0"/>
+              </a:rPr>
+              <a:t>	…</a:t>
+            </a:r>
+          </a:p>
+          <a:p>
+            <a:r>
+              <a:rPr lang="en-US" dirty="0" err="1">
+                <a:solidFill>
+                  <a:schemeClr val="tx2">
+                    <a:lumMod val="75000"/>
+                  </a:schemeClr>
+                </a:solidFill>
+                <a:latin typeface="Consolas" panose="020B0609020204030204" pitchFamily="49" charset="0"/>
+              </a:rPr>
+              <a:t>elseif</a:t>
+            </a:r>
+            <a:r>
+              <a:rPr lang="en-US" dirty="0">
+                <a:solidFill>
+                  <a:schemeClr val="tx2">
+                    <a:lumMod val="75000"/>
+                  </a:schemeClr>
+                </a:solidFill>
+                <a:latin typeface="Consolas" panose="020B0609020204030204" pitchFamily="49" charset="0"/>
+              </a:rPr>
+              <a:t> </a:t>
+            </a:r>
+            <a:r>
+              <a:rPr lang="en-US" dirty="0" err="1">
+                <a:solidFill>
+                  <a:schemeClr val="tx2">
+                    <a:lumMod val="75000"/>
+                  </a:schemeClr>
+                </a:solidFill>
+                <a:latin typeface="Consolas" panose="020B0609020204030204" pitchFamily="49" charset="0"/>
+              </a:rPr>
+              <a:t>strcmp</a:t>
+            </a:r>
+            <a:r>
+              <a:rPr lang="en-US" dirty="0">
+                <a:solidFill>
+                  <a:schemeClr val="tx2">
+                    <a:lumMod val="75000"/>
+                  </a:schemeClr>
+                </a:solidFill>
+                <a:latin typeface="Consolas" panose="020B0609020204030204" pitchFamily="49" charset="0"/>
+              </a:rPr>
+              <a:t>(</a:t>
+            </a:r>
+            <a:r>
+              <a:rPr lang="en-US" dirty="0" err="1">
+                <a:solidFill>
+                  <a:schemeClr val="tx2">
+                    <a:lumMod val="75000"/>
+                  </a:schemeClr>
+                </a:solidFill>
+                <a:latin typeface="Consolas" panose="020B0609020204030204" pitchFamily="49" charset="0"/>
+              </a:rPr>
+              <a:t>filterName</a:t>
+            </a:r>
+            <a:r>
+              <a:rPr lang="en-US" dirty="0">
+                <a:solidFill>
+                  <a:schemeClr val="tx2">
+                    <a:lumMod val="75000"/>
+                  </a:schemeClr>
+                </a:solidFill>
+                <a:latin typeface="Consolas" panose="020B0609020204030204" pitchFamily="49" charset="0"/>
+              </a:rPr>
+              <a:t>, 'bandpass') == 1</a:t>
+            </a:r>
+          </a:p>
+          <a:p>
+            <a:r>
+              <a:rPr lang="en-US" dirty="0">
+                <a:solidFill>
+                  <a:schemeClr val="tx2">
+                    <a:lumMod val="75000"/>
+                  </a:schemeClr>
+                </a:solidFill>
+                <a:latin typeface="Consolas" panose="020B0609020204030204" pitchFamily="49" charset="0"/>
+              </a:rPr>
+              <a:t>	…</a:t>
+            </a:r>
+          </a:p>
+          <a:p>
+            <a:r>
+              <a:rPr lang="en-US" dirty="0">
+                <a:solidFill>
+                  <a:schemeClr val="tx2">
+                    <a:lumMod val="75000"/>
+                  </a:schemeClr>
+                </a:solidFill>
+                <a:latin typeface="Consolas" panose="020B0609020204030204" pitchFamily="49" charset="0"/>
+              </a:rPr>
+              <a:t>end</a:t>
+            </a:r>
+          </a:p>
+        </p:txBody>
+      </p:sp>
+    </p:spTree>
+    <p:extLst>
+      <p:ext uri="{BB962C8B-B14F-4D97-AF65-F5344CB8AC3E}">
+        <p14:creationId xmlns:p14="http://schemas.microsoft.com/office/powerpoint/2010/main" val="3648787093"/>
+      </p:ext>
+    </p:extLst>
+  </p:cSld>
+  <p:clrMapOvr>
+    <a:masterClrMapping/>
+  </p:clrMapOvr>
+</p:sld>
+</file>
+
+<file path=ppt/slides/slide5.xml><?xml version="1.0" encoding="utf-8"?>
+<p:sld xmlns:a="http://schemas.openxmlformats.org/drawingml/2006/main" xmlns:r="http://schemas.openxmlformats.org/officeDocument/2006/relationships" xmlns:p="http://schemas.openxmlformats.org/presentationml/2006/main">
+  <p:cSld>
+    <p:spTree>
+      <p:nvGrpSpPr>
+        <p:cNvPr id="1" name=""/>
+        <p:cNvGrpSpPr/>
+        <p:nvPr/>
+      </p:nvGrpSpPr>
+      <p:grpSpPr>
+        <a:xfrm>
+          <a:off x="0" y="0"/>
+          <a:ext cx="0" cy="0"/>
+          <a:chOff x="0" y="0"/>
+          <a:chExt cx="0" cy="0"/>
+        </a:xfrm>
+      </p:grpSpPr>
+      <p:sp>
+        <p:nvSpPr>
+          <p:cNvPr id="2" name="標題 1"/>
+          <p:cNvSpPr>
+            <a:spLocks noGrp="1"/>
+          </p:cNvSpPr>
+          <p:nvPr>
+            <p:ph type="title"/>
+          </p:nvPr>
+        </p:nvSpPr>
+        <p:spPr/>
+        <p:txBody>
+          <a:bodyPr/>
+          <a:lstStyle/>
+          <a:p>
+            <a:r>
+              <a:rPr lang="en-US" dirty="0"/>
+              <a:t>Implement the Filter and convolutions</a:t>
+            </a:r>
+          </a:p>
+        </p:txBody>
+      </p:sp>
+      <p:sp>
+        <p:nvSpPr>
+          <p:cNvPr id="3" name="內容版面配置區 2"/>
+          <p:cNvSpPr>
+            <a:spLocks noGrp="1"/>
+          </p:cNvSpPr>
+          <p:nvPr>
+            <p:ph idx="1"/>
+          </p:nvPr>
+        </p:nvSpPr>
+        <p:spPr/>
+        <p:txBody>
+          <a:bodyPr/>
+          <a:lstStyle/>
+          <a:p>
+            <a:r>
+              <a:rPr lang="en-US" dirty="0"/>
               <a:t>Before apply convolution, window function are necessary to make the impulse response finite (a sin function goes on infinitely in +</a:t>
             </a:r>
             <a:r>
-              <a:rPr lang="en-US" dirty="0" err="1" smtClean="0"/>
+              <a:rPr lang="en-US" dirty="0" err="1"/>
               <a:t>ve</a:t>
             </a:r>
             <a:r>
-              <a:rPr lang="en-US" dirty="0" smtClean="0"/>
+              <a:rPr lang="en-US" dirty="0"/>
               <a:t> and –</a:t>
             </a:r>
             <a:r>
-              <a:rPr lang="en-US" dirty="0" err="1" smtClean="0"/>
+              <a:rPr lang="en-US" dirty="0" err="1"/>
               <a:t>ve</a:t>
             </a:r>
             <a:r>
-              <a:rPr lang="en-US" dirty="0" smtClean="0"/>
+              <a:rPr lang="en-US" dirty="0"/>
               <a:t> directions.)</a:t>
             </a:r>
           </a:p>
@@ -8538,37 +9007,37 @@
             <a:endParaRPr lang="en-US" dirty="0"/>
           </a:p>
           <a:p>
-            <a:endParaRPr lang="en-US" dirty="0" smtClean="0"/>
-          </a:p>
-          <a:p>
             <a:endParaRPr lang="en-US" dirty="0"/>
           </a:p>
           <a:p>
-            <a:endParaRPr lang="en-US" dirty="0" smtClean="0"/>
-          </a:p>
-          <a:p>
             <a:endParaRPr lang="en-US" dirty="0"/>
           </a:p>
           <a:p>
-            <a:r>
-              <a:rPr lang="en-US" dirty="0" smtClean="0"/>
+            <a:endParaRPr lang="en-US" dirty="0"/>
+          </a:p>
+          <a:p>
+            <a:endParaRPr lang="en-US" dirty="0"/>
+          </a:p>
+          <a:p>
+            <a:r>
+              <a:rPr lang="en-US" dirty="0"/>
               <a:t>Call the convolution function </a:t>
             </a:r>
             <a:r>
-              <a:rPr lang="en-US" dirty="0" err="1" smtClean="0">
+              <a:rPr lang="en-US" dirty="0" err="1">
                 <a:latin typeface="Consolas" panose="020B0609020204030204" pitchFamily="49" charset="0"/>
               </a:rPr>
               <a:t>conv_imple.m</a:t>
             </a:r>
             <a:r>
-              <a:rPr lang="en-US" dirty="0" smtClean="0">
+              <a:rPr lang="en-US" dirty="0">
                 <a:latin typeface="Consolas" panose="020B0609020204030204" pitchFamily="49" charset="0"/>
               </a:rPr>
               <a:t>, </a:t>
             </a:r>
             <a:r>
-              <a:rPr lang="en-US" dirty="0" smtClean="0"/>
-              <a:t>apply the filter the to audio.</a:t>
+              <a:rPr lang="en-US" dirty="0"/>
+              <a:t>apply the filter on input audio.</a:t>
             </a:r>
           </a:p>
           <a:p>
@@ -8731,7 +9200,7 @@
 </p:sld>
 </file>
 
-<file path=ppt/slides/slide5.xml><?xml version="1.0" encoding="utf-8"?>
+<file path=ppt/slides/slide6.xml><?xml version="1.0" encoding="utf-8"?>
 <p:sld xmlns:a="http://schemas.openxmlformats.org/drawingml/2006/main" xmlns:r="http://schemas.openxmlformats.org/officeDocument/2006/relationships" xmlns:p="http://schemas.openxmlformats.org/presentationml/2006/main">
   <p:cSld>
     <p:spTree>
@@ -8842,17 +9311,17 @@
                     <a:lstStyle/>
                     <a:p>
                       <a:r>
-                        <a:rPr lang="en-US" dirty="0" smtClean="0"/>
+                        <a:rPr lang="en-US" dirty="0"/>
                         <a:t>Low-pass</a:t>
                       </a:r>
                       <a:r>
-                        <a:rPr lang="en-US" baseline="0" dirty="0" smtClean="0"/>
+                        <a:rPr lang="en-US" baseline="0" dirty="0"/>
                         <a:t> Filter</a:t>
                       </a:r>
                     </a:p>
                     <a:p>
                       <a:r>
-                        <a:rPr lang="en-US" baseline="0" dirty="0" smtClean="0"/>
+                        <a:rPr lang="en-US" baseline="0" dirty="0"/>
                         <a:t>Low frequency song</a:t>
                       </a:r>
                       <a:endParaRPr lang="en-US" dirty="0"/>
@@ -8866,17 +9335,17 @@
                     <a:lstStyle/>
                     <a:p>
                       <a:r>
-                        <a:rPr lang="en-US" dirty="0" smtClean="0"/>
+                        <a:rPr lang="en-US" dirty="0"/>
                         <a:t>High-pass Filter</a:t>
                       </a:r>
                     </a:p>
                     <a:p>
                       <a:r>
-                        <a:rPr lang="en-US" dirty="0" smtClean="0"/>
+                        <a:rPr lang="en-US" dirty="0"/>
                         <a:t>High frequency</a:t>
                       </a:r>
                       <a:r>
-                        <a:rPr lang="en-US" baseline="0" dirty="0" smtClean="0"/>
+                        <a:rPr lang="en-US" baseline="0" dirty="0"/>
                         <a:t> song</a:t>
                       </a:r>
                       <a:endParaRPr lang="en-US" dirty="0"/>
@@ -8890,17 +9359,17 @@
                     <a:lstStyle/>
                     <a:p>
                       <a:r>
-                        <a:rPr lang="en-US" dirty="0" smtClean="0"/>
+                        <a:rPr lang="en-US" dirty="0"/>
                         <a:t>Bandpass</a:t>
                       </a:r>
                     </a:p>
                     <a:p>
                       <a:r>
-                        <a:rPr lang="en-US" dirty="0" smtClean="0"/>
+                        <a:rPr lang="en-US" dirty="0"/>
                         <a:t>Medium boundary</a:t>
                       </a:r>
                       <a:r>
-                        <a:rPr lang="en-US" baseline="0" dirty="0" smtClean="0"/>
+                        <a:rPr lang="en-US" baseline="0" dirty="0"/>
                         <a:t> song</a:t>
                       </a:r>
                       <a:endParaRPr lang="en-US" dirty="0"/>
@@ -8921,10 +9390,9 @@
                     <a:lstStyle/>
                     <a:p>
                       <a:r>
-                        <a:rPr lang="en-US" dirty="0" smtClean="0"/>
+                        <a:rPr lang="en-US" dirty="0"/>
                         <a:t>N(Window size)</a:t>
                       </a:r>
-                      <a:endParaRPr lang="en-US" dirty="0"/>
                     </a:p>
                   </a:txBody>
                   <a:tcPr/>
@@ -8935,10 +9403,9 @@
                     <a:lstStyle/>
                     <a:p>
                       <a:r>
-                        <a:rPr lang="en-US" dirty="0" smtClean="0"/>
+                        <a:rPr lang="en-US" dirty="0"/>
                         <a:t>1999</a:t>
                       </a:r>
-                      <a:endParaRPr lang="en-US" dirty="0"/>
                     </a:p>
                   </a:txBody>
                   <a:tcPr/>
@@ -8949,10 +9416,9 @@
                     <a:lstStyle/>
                     <a:p>
                       <a:r>
-                        <a:rPr lang="en-US" dirty="0" smtClean="0"/>
+                        <a:rPr lang="en-US" dirty="0"/>
                         <a:t>1999</a:t>
                       </a:r>
-                      <a:endParaRPr lang="en-US" dirty="0"/>
                     </a:p>
                   </a:txBody>
                   <a:tcPr/>
@@ -8963,10 +9429,9 @@
                     <a:lstStyle/>
                     <a:p>
                       <a:r>
-                        <a:rPr lang="en-US" dirty="0" smtClean="0"/>
+                        <a:rPr lang="en-US" dirty="0"/>
                         <a:t>1999</a:t>
                       </a:r>
-                      <a:endParaRPr lang="en-US" dirty="0"/>
                     </a:p>
                   </a:txBody>
                   <a:tcPr/>
@@ -8984,16 +9449,15 @@
                     <a:lstStyle/>
                     <a:p>
                       <a:r>
-                        <a:rPr lang="en-US" dirty="0" smtClean="0"/>
+                        <a:rPr lang="en-US" dirty="0"/>
                         <a:t>Cutoff frequency</a:t>
                       </a:r>
                     </a:p>
                     <a:p>
                       <a:r>
-                        <a:rPr lang="en-US" dirty="0" smtClean="0"/>
+                        <a:rPr lang="en-US" dirty="0"/>
                         <a:t>(Hz)</a:t>
                       </a:r>
-                      <a:endParaRPr lang="en-US" dirty="0"/>
                     </a:p>
                   </a:txBody>
                   <a:tcPr/>
@@ -9004,10 +9468,9 @@
                     <a:lstStyle/>
                     <a:p>
                       <a:r>
-                        <a:rPr lang="en-US" dirty="0" smtClean="0"/>
+                        <a:rPr lang="en-US" dirty="0"/>
                         <a:t>350</a:t>
                       </a:r>
-                      <a:endParaRPr lang="en-US" dirty="0"/>
                     </a:p>
                   </a:txBody>
                   <a:tcPr/>
@@ -9018,10 +9481,9 @@
                     <a:lstStyle/>
                     <a:p>
                       <a:r>
-                        <a:rPr lang="en-US" dirty="0" smtClean="0"/>
+                        <a:rPr lang="en-US" dirty="0"/>
                         <a:t>800</a:t>
                       </a:r>
-                      <a:endParaRPr lang="en-US" dirty="0"/>
                     </a:p>
                   </a:txBody>
                   <a:tcPr/>
@@ -9032,10 +9494,9 @@
                     <a:lstStyle/>
                     <a:p>
                       <a:r>
-                        <a:rPr lang="en-US" dirty="0" smtClean="0"/>
+                        <a:rPr lang="en-US" dirty="0"/>
                         <a:t>400-700</a:t>
                       </a:r>
-                      <a:endParaRPr lang="en-US" dirty="0"/>
                     </a:p>
                   </a:txBody>
                   <a:tcPr/>
@@ -9300,24 +9761,16 @@
           </a:lstStyle>
           <a:p>
             <a:r>
-              <a:rPr lang="en-US" dirty="0" smtClean="0"/>
-              <a:t>If N is higher, the higher possibility </a:t>
-            </a:r>
-            <a:r>
               <a:rPr lang="en-US" dirty="0"/>
-              <a:t>to give a sharp </a:t>
-            </a:r>
-            <a:r>
-              <a:rPr lang="en-US" dirty="0" smtClean="0"/>
-              <a:t>cut for separating the song.</a:t>
-            </a:r>
-          </a:p>
-          <a:p>
-            <a:r>
-              <a:rPr lang="en-US" altLang="zh-TW" dirty="0" smtClean="0"/>
-              <a:t>Get the cutoff frequency by listening to the output audio and resize the number to get the best result.</a:t>
-            </a:r>
-            <a:endParaRPr lang="en-US" dirty="0" smtClean="0"/>
+              <a:t>If N is higher, the higher possibility to give a sharp cut for separating the song.</a:t>
+            </a:r>
+          </a:p>
+          <a:p>
+            <a:r>
+              <a:rPr lang="en-US" altLang="zh-TW" dirty="0"/>
+              <a:t>To get the cutoff frequency, it is necessary to listen the output audio and repeat the process to get the best result.</a:t>
+            </a:r>
+            <a:endParaRPr lang="en-US" dirty="0"/>
           </a:p>
         </p:txBody>
       </p:sp>
@@ -9325,355 +9778,6 @@
     <p:extLst>
       <p:ext uri="{BB962C8B-B14F-4D97-AF65-F5344CB8AC3E}">
         <p14:creationId xmlns:p14="http://schemas.microsoft.com/office/powerpoint/2010/main" val="3209895686"/>
-      </p:ext>
-    </p:extLst>
-  </p:cSld>
-  <p:clrMapOvr>
-    <a:masterClrMapping/>
-  </p:clrMapOvr>
-</p:sld>
-</file>
-
-<file path=ppt/slides/slide6.xml><?xml version="1.0" encoding="utf-8"?>
-<p:sld xmlns:a="http://schemas.openxmlformats.org/drawingml/2006/main" xmlns:r="http://schemas.openxmlformats.org/officeDocument/2006/relationships" xmlns:p="http://schemas.openxmlformats.org/presentationml/2006/main">
-  <p:cSld>
-    <p:spTree>
-      <p:nvGrpSpPr>
-        <p:cNvPr id="1" name=""/>
-        <p:cNvGrpSpPr/>
-        <p:nvPr/>
-      </p:nvGrpSpPr>
-      <p:grpSpPr>
-        <a:xfrm>
-          <a:off x="0" y="0"/>
-          <a:ext cx="0" cy="0"/>
-          <a:chOff x="0" y="0"/>
-          <a:chExt cx="0" cy="0"/>
-        </a:xfrm>
-      </p:grpSpPr>
-      <p:sp>
-        <p:nvSpPr>
-          <p:cNvPr id="2" name="標題 1"/>
-          <p:cNvSpPr>
-            <a:spLocks noGrp="1"/>
-          </p:cNvSpPr>
-          <p:nvPr>
-            <p:ph type="title"/>
-          </p:nvPr>
-        </p:nvSpPr>
-        <p:spPr/>
-        <p:txBody>
-          <a:bodyPr/>
-          <a:lstStyle/>
-          <a:p>
-            <a:r>
-              <a:rPr lang="en-US" dirty="0" smtClean="0"/>
-              <a:t>Compare spectrum and shape of filters– low pass</a:t>
-            </a:r>
-            <a:endParaRPr lang="en-US" dirty="0"/>
-          </a:p>
-        </p:txBody>
-      </p:sp>
-      <p:pic>
-        <p:nvPicPr>
-          <p:cNvPr id="4" name="內容版面配置區 3"/>
-          <p:cNvPicPr>
-            <a:picLocks noGrp="1"/>
-          </p:cNvPicPr>
-          <p:nvPr>
-            <p:ph idx="1"/>
-          </p:nvPr>
-        </p:nvPicPr>
-        <p:blipFill rotWithShape="1">
-          <a:blip r:embed="rId2"/>
-          <a:srcRect l="52544" t="8375" r="3102" b="7817"/>
-          <a:stretch/>
-        </p:blipFill>
-        <p:spPr bwMode="auto">
-          <a:xfrm>
-            <a:off x="5095668" y="1930400"/>
-            <a:ext cx="6938682" cy="3881437"/>
-          </a:xfrm>
-          <a:prstGeom prst="rect">
-            <a:avLst/>
-          </a:prstGeom>
-          <a:ln>
-            <a:noFill/>
-          </a:ln>
-          <a:extLst>
-            <a:ext uri="{53640926-AAD7-44D8-BBD7-CCE9431645EC}">
-              <a14:shadowObscured xmlns:a14="http://schemas.microsoft.com/office/drawing/2010/main"/>
-            </a:ext>
-          </a:extLst>
-        </p:spPr>
-      </p:pic>
-      <p:sp>
-        <p:nvSpPr>
-          <p:cNvPr id="6" name="內容版面配置區 2"/>
-          <p:cNvSpPr txBox="1">
-            <a:spLocks/>
-          </p:cNvSpPr>
-          <p:nvPr/>
-        </p:nvSpPr>
-        <p:spPr>
-          <a:xfrm>
-            <a:off x="677334" y="2160589"/>
-            <a:ext cx="3747521" cy="3880773"/>
-          </a:xfrm>
-          <a:prstGeom prst="rect">
-            <a:avLst/>
-          </a:prstGeom>
-        </p:spPr>
-        <p:txBody>
-          <a:bodyPr vert="horz" lIns="91440" tIns="45720" rIns="91440" bIns="45720" rtlCol="0">
-            <a:normAutofit/>
-          </a:bodyPr>
-          <a:lstStyle>
-            <a:lvl1pPr marL="342900" indent="-342900" algn="l" defTabSz="457200" rtl="0" eaLnBrk="1" latinLnBrk="0" hangingPunct="1">
-              <a:spcBef>
-                <a:spcPts val="1000"/>
-              </a:spcBef>
-              <a:spcAft>
-                <a:spcPts val="0"/>
-              </a:spcAft>
-              <a:buClr>
-                <a:schemeClr val="accent1"/>
-              </a:buClr>
-              <a:buSzPct val="80000"/>
-              <a:buFont typeface="Wingdings 3" charset="2"/>
-              <a:buChar char=""/>
-              <a:defRPr sz="1800" kern="1200">
-                <a:solidFill>
-                  <a:schemeClr val="tx1">
-                    <a:lumMod val="75000"/>
-                    <a:lumOff val="25000"/>
-                  </a:schemeClr>
-                </a:solidFill>
-                <a:latin typeface="+mn-lt"/>
-                <a:ea typeface="+mn-ea"/>
-                <a:cs typeface="+mn-cs"/>
-              </a:defRPr>
-            </a:lvl1pPr>
-            <a:lvl2pPr marL="742950" indent="-285750" algn="l" defTabSz="457200" rtl="0" eaLnBrk="1" latinLnBrk="0" hangingPunct="1">
-              <a:spcBef>
-                <a:spcPts val="1000"/>
-              </a:spcBef>
-              <a:spcAft>
-                <a:spcPts val="0"/>
-              </a:spcAft>
-              <a:buClr>
-                <a:schemeClr val="accent1"/>
-              </a:buClr>
-              <a:buSzPct val="80000"/>
-              <a:buFont typeface="Wingdings 3" charset="2"/>
-              <a:buChar char=""/>
-              <a:defRPr sz="1600" kern="1200">
-                <a:solidFill>
-                  <a:schemeClr val="tx1">
-                    <a:lumMod val="75000"/>
-                    <a:lumOff val="25000"/>
-                  </a:schemeClr>
-                </a:solidFill>
-                <a:latin typeface="+mn-lt"/>
-                <a:ea typeface="+mn-ea"/>
-                <a:cs typeface="+mn-cs"/>
-              </a:defRPr>
-            </a:lvl2pPr>
-            <a:lvl3pPr marL="1143000" indent="-228600" algn="l" defTabSz="457200" rtl="0" eaLnBrk="1" latinLnBrk="0" hangingPunct="1">
-              <a:spcBef>
-                <a:spcPts val="1000"/>
-              </a:spcBef>
-              <a:spcAft>
-                <a:spcPts val="0"/>
-              </a:spcAft>
-              <a:buClr>
-                <a:schemeClr val="accent1"/>
-              </a:buClr>
-              <a:buSzPct val="80000"/>
-              <a:buFont typeface="Wingdings 3" charset="2"/>
-              <a:buChar char=""/>
-              <a:defRPr sz="1400" kern="1200">
-                <a:solidFill>
-                  <a:schemeClr val="tx1">
-                    <a:lumMod val="75000"/>
-                    <a:lumOff val="25000"/>
-                  </a:schemeClr>
-                </a:solidFill>
-                <a:latin typeface="+mn-lt"/>
-                <a:ea typeface="+mn-ea"/>
-                <a:cs typeface="+mn-cs"/>
-              </a:defRPr>
-            </a:lvl3pPr>
-            <a:lvl4pPr marL="1600200" indent="-228600" algn="l" defTabSz="457200" rtl="0" eaLnBrk="1" latinLnBrk="0" hangingPunct="1">
-              <a:spcBef>
-                <a:spcPts val="1000"/>
-              </a:spcBef>
-              <a:spcAft>
-                <a:spcPts val="0"/>
-              </a:spcAft>
-              <a:buClr>
-                <a:schemeClr val="accent1"/>
-              </a:buClr>
-              <a:buSzPct val="80000"/>
-              <a:buFont typeface="Wingdings 3" charset="2"/>
-              <a:buChar char=""/>
-              <a:defRPr sz="1200" kern="1200">
-                <a:solidFill>
-                  <a:schemeClr val="tx1">
-                    <a:lumMod val="75000"/>
-                    <a:lumOff val="25000"/>
-                  </a:schemeClr>
-                </a:solidFill>
-                <a:latin typeface="+mn-lt"/>
-                <a:ea typeface="+mn-ea"/>
-                <a:cs typeface="+mn-cs"/>
-              </a:defRPr>
-            </a:lvl4pPr>
-            <a:lvl5pPr marL="2057400" indent="-228600" algn="l" defTabSz="457200" rtl="0" eaLnBrk="1" latinLnBrk="0" hangingPunct="1">
-              <a:spcBef>
-                <a:spcPts val="1000"/>
-              </a:spcBef>
-              <a:spcAft>
-                <a:spcPts val="0"/>
-              </a:spcAft>
-              <a:buClr>
-                <a:schemeClr val="accent1"/>
-              </a:buClr>
-              <a:buSzPct val="80000"/>
-              <a:buFont typeface="Wingdings 3" charset="2"/>
-              <a:buChar char=""/>
-              <a:defRPr sz="1200" kern="1200">
-                <a:solidFill>
-                  <a:schemeClr val="tx1">
-                    <a:lumMod val="75000"/>
-                    <a:lumOff val="25000"/>
-                  </a:schemeClr>
-                </a:solidFill>
-                <a:latin typeface="+mn-lt"/>
-                <a:ea typeface="+mn-ea"/>
-                <a:cs typeface="+mn-cs"/>
-              </a:defRPr>
-            </a:lvl5pPr>
-            <a:lvl6pPr marL="2514600" indent="-228600" algn="l" defTabSz="457200" rtl="0" eaLnBrk="1" latinLnBrk="0" hangingPunct="1">
-              <a:spcBef>
-                <a:spcPts val="1000"/>
-              </a:spcBef>
-              <a:spcAft>
-                <a:spcPts val="0"/>
-              </a:spcAft>
-              <a:buClr>
-                <a:schemeClr val="accent1"/>
-              </a:buClr>
-              <a:buSzPct val="80000"/>
-              <a:buFont typeface="Wingdings 3" charset="2"/>
-              <a:buChar char=""/>
-              <a:defRPr sz="1200" kern="1200">
-                <a:solidFill>
-                  <a:schemeClr val="tx1">
-                    <a:lumMod val="75000"/>
-                    <a:lumOff val="25000"/>
-                  </a:schemeClr>
-                </a:solidFill>
-                <a:latin typeface="+mn-lt"/>
-                <a:ea typeface="+mn-ea"/>
-                <a:cs typeface="+mn-cs"/>
-              </a:defRPr>
-            </a:lvl6pPr>
-            <a:lvl7pPr marL="2971800" indent="-228600" algn="l" defTabSz="457200" rtl="0" eaLnBrk="1" latinLnBrk="0" hangingPunct="1">
-              <a:spcBef>
-                <a:spcPts val="1000"/>
-              </a:spcBef>
-              <a:spcAft>
-                <a:spcPts val="0"/>
-              </a:spcAft>
-              <a:buClr>
-                <a:schemeClr val="accent1"/>
-              </a:buClr>
-              <a:buSzPct val="80000"/>
-              <a:buFont typeface="Wingdings 3" charset="2"/>
-              <a:buChar char=""/>
-              <a:defRPr sz="1200" kern="1200">
-                <a:solidFill>
-                  <a:schemeClr val="tx1">
-                    <a:lumMod val="75000"/>
-                    <a:lumOff val="25000"/>
-                  </a:schemeClr>
-                </a:solidFill>
-                <a:latin typeface="+mn-lt"/>
-                <a:ea typeface="+mn-ea"/>
-                <a:cs typeface="+mn-cs"/>
-              </a:defRPr>
-            </a:lvl7pPr>
-            <a:lvl8pPr marL="3429000" indent="-228600" algn="l" defTabSz="457200" rtl="0" eaLnBrk="1" latinLnBrk="0" hangingPunct="1">
-              <a:spcBef>
-                <a:spcPts val="1000"/>
-              </a:spcBef>
-              <a:spcAft>
-                <a:spcPts val="0"/>
-              </a:spcAft>
-              <a:buClr>
-                <a:schemeClr val="accent1"/>
-              </a:buClr>
-              <a:buSzPct val="80000"/>
-              <a:buFont typeface="Wingdings 3" charset="2"/>
-              <a:buChar char=""/>
-              <a:defRPr sz="1200" kern="1200">
-                <a:solidFill>
-                  <a:schemeClr val="tx1">
-                    <a:lumMod val="75000"/>
-                    <a:lumOff val="25000"/>
-                  </a:schemeClr>
-                </a:solidFill>
-                <a:latin typeface="+mn-lt"/>
-                <a:ea typeface="+mn-ea"/>
-                <a:cs typeface="+mn-cs"/>
-              </a:defRPr>
-            </a:lvl8pPr>
-            <a:lvl9pPr marL="3886200" indent="-228600" algn="l" defTabSz="457200" rtl="0" eaLnBrk="1" latinLnBrk="0" hangingPunct="1">
-              <a:spcBef>
-                <a:spcPts val="1000"/>
-              </a:spcBef>
-              <a:spcAft>
-                <a:spcPts val="0"/>
-              </a:spcAft>
-              <a:buClr>
-                <a:schemeClr val="accent1"/>
-              </a:buClr>
-              <a:buSzPct val="80000"/>
-              <a:buFont typeface="Wingdings 3" charset="2"/>
-              <a:buChar char=""/>
-              <a:defRPr sz="1200" kern="1200">
-                <a:solidFill>
-                  <a:schemeClr val="tx1">
-                    <a:lumMod val="75000"/>
-                    <a:lumOff val="25000"/>
-                  </a:schemeClr>
-                </a:solidFill>
-                <a:latin typeface="+mn-lt"/>
-                <a:ea typeface="+mn-ea"/>
-                <a:cs typeface="+mn-cs"/>
-              </a:defRPr>
-            </a:lvl9pPr>
-          </a:lstStyle>
-          <a:p>
-            <a:r>
-              <a:rPr lang="en-US" dirty="0" smtClean="0"/>
-              <a:t>The spectrum of filter is correctly. It filters out the signal above 350Hz.</a:t>
-            </a:r>
-          </a:p>
-          <a:p>
-            <a:r>
-              <a:rPr lang="en-US" dirty="0" smtClean="0"/>
-              <a:t>The shape of filters meets my expectation as it is the same the figure given in lecture notes. </a:t>
-            </a:r>
-            <a:endParaRPr lang="en-US" dirty="0"/>
-          </a:p>
-        </p:txBody>
-      </p:sp>
-    </p:spTree>
-    <p:extLst>
-      <p:ext uri="{BB962C8B-B14F-4D97-AF65-F5344CB8AC3E}">
-        <p14:creationId xmlns:p14="http://schemas.microsoft.com/office/powerpoint/2010/main" val="1992372646"/>
       </p:ext>
     </p:extLst>
   </p:cSld>
@@ -9717,13 +9821,355 @@
           <a:p>
             <a:r>
               <a:rPr lang="en-US" dirty="0"/>
-              <a:t>Compare spectrum and shape of filters</a:t>
-            </a:r>
-            <a:r>
-              <a:rPr lang="en-US" dirty="0" smtClean="0"/>
-              <a:t>– high pass</a:t>
-            </a:r>
-            <a:endParaRPr lang="en-US" dirty="0"/>
+              <a:t>Compare spectrum and shape of filters– low pass</a:t>
+            </a:r>
+          </a:p>
+        </p:txBody>
+      </p:sp>
+      <p:pic>
+        <p:nvPicPr>
+          <p:cNvPr id="4" name="內容版面配置區 3"/>
+          <p:cNvPicPr>
+            <a:picLocks noGrp="1"/>
+          </p:cNvPicPr>
+          <p:nvPr>
+            <p:ph idx="1"/>
+          </p:nvPr>
+        </p:nvPicPr>
+        <p:blipFill rotWithShape="1">
+          <a:blip r:embed="rId2"/>
+          <a:srcRect l="52544" t="8375" r="3102" b="7817"/>
+          <a:stretch/>
+        </p:blipFill>
+        <p:spPr bwMode="auto">
+          <a:xfrm>
+            <a:off x="5095668" y="1930400"/>
+            <a:ext cx="6938682" cy="3881437"/>
+          </a:xfrm>
+          <a:prstGeom prst="rect">
+            <a:avLst/>
+          </a:prstGeom>
+          <a:ln>
+            <a:noFill/>
+          </a:ln>
+          <a:extLst>
+            <a:ext uri="{53640926-AAD7-44D8-BBD7-CCE9431645EC}">
+              <a14:shadowObscured xmlns:a14="http://schemas.microsoft.com/office/drawing/2010/main"/>
+            </a:ext>
+          </a:extLst>
+        </p:spPr>
+      </p:pic>
+      <p:sp>
+        <p:nvSpPr>
+          <p:cNvPr id="6" name="內容版面配置區 2"/>
+          <p:cNvSpPr txBox="1">
+            <a:spLocks/>
+          </p:cNvSpPr>
+          <p:nvPr/>
+        </p:nvSpPr>
+        <p:spPr>
+          <a:xfrm>
+            <a:off x="677334" y="2160589"/>
+            <a:ext cx="3747521" cy="3880773"/>
+          </a:xfrm>
+          <a:prstGeom prst="rect">
+            <a:avLst/>
+          </a:prstGeom>
+        </p:spPr>
+        <p:txBody>
+          <a:bodyPr vert="horz" lIns="91440" tIns="45720" rIns="91440" bIns="45720" rtlCol="0">
+            <a:normAutofit/>
+          </a:bodyPr>
+          <a:lstStyle>
+            <a:lvl1pPr marL="342900" indent="-342900" algn="l" defTabSz="457200" rtl="0" eaLnBrk="1" latinLnBrk="0" hangingPunct="1">
+              <a:spcBef>
+                <a:spcPts val="1000"/>
+              </a:spcBef>
+              <a:spcAft>
+                <a:spcPts val="0"/>
+              </a:spcAft>
+              <a:buClr>
+                <a:schemeClr val="accent1"/>
+              </a:buClr>
+              <a:buSzPct val="80000"/>
+              <a:buFont typeface="Wingdings 3" charset="2"/>
+              <a:buChar char=""/>
+              <a:defRPr sz="1800" kern="1200">
+                <a:solidFill>
+                  <a:schemeClr val="tx1">
+                    <a:lumMod val="75000"/>
+                    <a:lumOff val="25000"/>
+                  </a:schemeClr>
+                </a:solidFill>
+                <a:latin typeface="+mn-lt"/>
+                <a:ea typeface="+mn-ea"/>
+                <a:cs typeface="+mn-cs"/>
+              </a:defRPr>
+            </a:lvl1pPr>
+            <a:lvl2pPr marL="742950" indent="-285750" algn="l" defTabSz="457200" rtl="0" eaLnBrk="1" latinLnBrk="0" hangingPunct="1">
+              <a:spcBef>
+                <a:spcPts val="1000"/>
+              </a:spcBef>
+              <a:spcAft>
+                <a:spcPts val="0"/>
+              </a:spcAft>
+              <a:buClr>
+                <a:schemeClr val="accent1"/>
+              </a:buClr>
+              <a:buSzPct val="80000"/>
+              <a:buFont typeface="Wingdings 3" charset="2"/>
+              <a:buChar char=""/>
+              <a:defRPr sz="1600" kern="1200">
+                <a:solidFill>
+                  <a:schemeClr val="tx1">
+                    <a:lumMod val="75000"/>
+                    <a:lumOff val="25000"/>
+                  </a:schemeClr>
+                </a:solidFill>
+                <a:latin typeface="+mn-lt"/>
+                <a:ea typeface="+mn-ea"/>
+                <a:cs typeface="+mn-cs"/>
+              </a:defRPr>
+            </a:lvl2pPr>
+            <a:lvl3pPr marL="1143000" indent="-228600" algn="l" defTabSz="457200" rtl="0" eaLnBrk="1" latinLnBrk="0" hangingPunct="1">
+              <a:spcBef>
+                <a:spcPts val="1000"/>
+              </a:spcBef>
+              <a:spcAft>
+                <a:spcPts val="0"/>
+              </a:spcAft>
+              <a:buClr>
+                <a:schemeClr val="accent1"/>
+              </a:buClr>
+              <a:buSzPct val="80000"/>
+              <a:buFont typeface="Wingdings 3" charset="2"/>
+              <a:buChar char=""/>
+              <a:defRPr sz="1400" kern="1200">
+                <a:solidFill>
+                  <a:schemeClr val="tx1">
+                    <a:lumMod val="75000"/>
+                    <a:lumOff val="25000"/>
+                  </a:schemeClr>
+                </a:solidFill>
+                <a:latin typeface="+mn-lt"/>
+                <a:ea typeface="+mn-ea"/>
+                <a:cs typeface="+mn-cs"/>
+              </a:defRPr>
+            </a:lvl3pPr>
+            <a:lvl4pPr marL="1600200" indent="-228600" algn="l" defTabSz="457200" rtl="0" eaLnBrk="1" latinLnBrk="0" hangingPunct="1">
+              <a:spcBef>
+                <a:spcPts val="1000"/>
+              </a:spcBef>
+              <a:spcAft>
+                <a:spcPts val="0"/>
+              </a:spcAft>
+              <a:buClr>
+                <a:schemeClr val="accent1"/>
+              </a:buClr>
+              <a:buSzPct val="80000"/>
+              <a:buFont typeface="Wingdings 3" charset="2"/>
+              <a:buChar char=""/>
+              <a:defRPr sz="1200" kern="1200">
+                <a:solidFill>
+                  <a:schemeClr val="tx1">
+                    <a:lumMod val="75000"/>
+                    <a:lumOff val="25000"/>
+                  </a:schemeClr>
+                </a:solidFill>
+                <a:latin typeface="+mn-lt"/>
+                <a:ea typeface="+mn-ea"/>
+                <a:cs typeface="+mn-cs"/>
+              </a:defRPr>
+            </a:lvl4pPr>
+            <a:lvl5pPr marL="2057400" indent="-228600" algn="l" defTabSz="457200" rtl="0" eaLnBrk="1" latinLnBrk="0" hangingPunct="1">
+              <a:spcBef>
+                <a:spcPts val="1000"/>
+              </a:spcBef>
+              <a:spcAft>
+                <a:spcPts val="0"/>
+              </a:spcAft>
+              <a:buClr>
+                <a:schemeClr val="accent1"/>
+              </a:buClr>
+              <a:buSzPct val="80000"/>
+              <a:buFont typeface="Wingdings 3" charset="2"/>
+              <a:buChar char=""/>
+              <a:defRPr sz="1200" kern="1200">
+                <a:solidFill>
+                  <a:schemeClr val="tx1">
+                    <a:lumMod val="75000"/>
+                    <a:lumOff val="25000"/>
+                  </a:schemeClr>
+                </a:solidFill>
+                <a:latin typeface="+mn-lt"/>
+                <a:ea typeface="+mn-ea"/>
+                <a:cs typeface="+mn-cs"/>
+              </a:defRPr>
+            </a:lvl5pPr>
+            <a:lvl6pPr marL="2514600" indent="-228600" algn="l" defTabSz="457200" rtl="0" eaLnBrk="1" latinLnBrk="0" hangingPunct="1">
+              <a:spcBef>
+                <a:spcPts val="1000"/>
+              </a:spcBef>
+              <a:spcAft>
+                <a:spcPts val="0"/>
+              </a:spcAft>
+              <a:buClr>
+                <a:schemeClr val="accent1"/>
+              </a:buClr>
+              <a:buSzPct val="80000"/>
+              <a:buFont typeface="Wingdings 3" charset="2"/>
+              <a:buChar char=""/>
+              <a:defRPr sz="1200" kern="1200">
+                <a:solidFill>
+                  <a:schemeClr val="tx1">
+                    <a:lumMod val="75000"/>
+                    <a:lumOff val="25000"/>
+                  </a:schemeClr>
+                </a:solidFill>
+                <a:latin typeface="+mn-lt"/>
+                <a:ea typeface="+mn-ea"/>
+                <a:cs typeface="+mn-cs"/>
+              </a:defRPr>
+            </a:lvl6pPr>
+            <a:lvl7pPr marL="2971800" indent="-228600" algn="l" defTabSz="457200" rtl="0" eaLnBrk="1" latinLnBrk="0" hangingPunct="1">
+              <a:spcBef>
+                <a:spcPts val="1000"/>
+              </a:spcBef>
+              <a:spcAft>
+                <a:spcPts val="0"/>
+              </a:spcAft>
+              <a:buClr>
+                <a:schemeClr val="accent1"/>
+              </a:buClr>
+              <a:buSzPct val="80000"/>
+              <a:buFont typeface="Wingdings 3" charset="2"/>
+              <a:buChar char=""/>
+              <a:defRPr sz="1200" kern="1200">
+                <a:solidFill>
+                  <a:schemeClr val="tx1">
+                    <a:lumMod val="75000"/>
+                    <a:lumOff val="25000"/>
+                  </a:schemeClr>
+                </a:solidFill>
+                <a:latin typeface="+mn-lt"/>
+                <a:ea typeface="+mn-ea"/>
+                <a:cs typeface="+mn-cs"/>
+              </a:defRPr>
+            </a:lvl7pPr>
+            <a:lvl8pPr marL="3429000" indent="-228600" algn="l" defTabSz="457200" rtl="0" eaLnBrk="1" latinLnBrk="0" hangingPunct="1">
+              <a:spcBef>
+                <a:spcPts val="1000"/>
+              </a:spcBef>
+              <a:spcAft>
+                <a:spcPts val="0"/>
+              </a:spcAft>
+              <a:buClr>
+                <a:schemeClr val="accent1"/>
+              </a:buClr>
+              <a:buSzPct val="80000"/>
+              <a:buFont typeface="Wingdings 3" charset="2"/>
+              <a:buChar char=""/>
+              <a:defRPr sz="1200" kern="1200">
+                <a:solidFill>
+                  <a:schemeClr val="tx1">
+                    <a:lumMod val="75000"/>
+                    <a:lumOff val="25000"/>
+                  </a:schemeClr>
+                </a:solidFill>
+                <a:latin typeface="+mn-lt"/>
+                <a:ea typeface="+mn-ea"/>
+                <a:cs typeface="+mn-cs"/>
+              </a:defRPr>
+            </a:lvl8pPr>
+            <a:lvl9pPr marL="3886200" indent="-228600" algn="l" defTabSz="457200" rtl="0" eaLnBrk="1" latinLnBrk="0" hangingPunct="1">
+              <a:spcBef>
+                <a:spcPts val="1000"/>
+              </a:spcBef>
+              <a:spcAft>
+                <a:spcPts val="0"/>
+              </a:spcAft>
+              <a:buClr>
+                <a:schemeClr val="accent1"/>
+              </a:buClr>
+              <a:buSzPct val="80000"/>
+              <a:buFont typeface="Wingdings 3" charset="2"/>
+              <a:buChar char=""/>
+              <a:defRPr sz="1200" kern="1200">
+                <a:solidFill>
+                  <a:schemeClr val="tx1">
+                    <a:lumMod val="75000"/>
+                    <a:lumOff val="25000"/>
+                  </a:schemeClr>
+                </a:solidFill>
+                <a:latin typeface="+mn-lt"/>
+                <a:ea typeface="+mn-ea"/>
+                <a:cs typeface="+mn-cs"/>
+              </a:defRPr>
+            </a:lvl9pPr>
+          </a:lstStyle>
+          <a:p>
+            <a:r>
+              <a:rPr lang="en-US" dirty="0"/>
+              <a:t>The spectrum of filter is correctly. It filters out the signal above 350Hz.</a:t>
+            </a:r>
+          </a:p>
+          <a:p>
+            <a:r>
+              <a:rPr lang="en-US" dirty="0"/>
+              <a:t>The shape of filters meets my expectation as it is the same the figure given in lecture notes. </a:t>
+            </a:r>
+          </a:p>
+        </p:txBody>
+      </p:sp>
+    </p:spTree>
+    <p:extLst>
+      <p:ext uri="{BB962C8B-B14F-4D97-AF65-F5344CB8AC3E}">
+        <p14:creationId xmlns:p14="http://schemas.microsoft.com/office/powerpoint/2010/main" val="1992372646"/>
+      </p:ext>
+    </p:extLst>
+  </p:cSld>
+  <p:clrMapOvr>
+    <a:masterClrMapping/>
+  </p:clrMapOvr>
+</p:sld>
+</file>
+
+<file path=ppt/slides/slide8.xml><?xml version="1.0" encoding="utf-8"?>
+<p:sld xmlns:a="http://schemas.openxmlformats.org/drawingml/2006/main" xmlns:r="http://schemas.openxmlformats.org/officeDocument/2006/relationships" xmlns:p="http://schemas.openxmlformats.org/presentationml/2006/main">
+  <p:cSld>
+    <p:spTree>
+      <p:nvGrpSpPr>
+        <p:cNvPr id="1" name=""/>
+        <p:cNvGrpSpPr/>
+        <p:nvPr/>
+      </p:nvGrpSpPr>
+      <p:grpSpPr>
+        <a:xfrm>
+          <a:off x="0" y="0"/>
+          <a:ext cx="0" cy="0"/>
+          <a:chOff x="0" y="0"/>
+          <a:chExt cx="0" cy="0"/>
+        </a:xfrm>
+      </p:grpSpPr>
+      <p:sp>
+        <p:nvSpPr>
+          <p:cNvPr id="2" name="標題 1"/>
+          <p:cNvSpPr>
+            <a:spLocks noGrp="1"/>
+          </p:cNvSpPr>
+          <p:nvPr>
+            <p:ph type="title"/>
+          </p:nvPr>
+        </p:nvSpPr>
+        <p:spPr/>
+        <p:txBody>
+          <a:bodyPr/>
+          <a:lstStyle/>
+          <a:p>
+            <a:r>
+              <a:rPr lang="en-US" dirty="0"/>
+              <a:t>Compare spectrum and shape of filters– high pass</a:t>
+            </a:r>
           </a:p>
         </p:txBody>
       </p:sp>
@@ -9749,36 +10195,14 @@
           <a:p>
             <a:r>
               <a:rPr lang="en-US" dirty="0"/>
-              <a:t>The spectrum of filter is correctly. It filters out the signal </a:t>
-            </a:r>
-            <a:r>
-              <a:rPr lang="en-US" dirty="0" smtClean="0"/>
-              <a:t>below 800Hz.</a:t>
-            </a:r>
-            <a:endParaRPr lang="en-US" dirty="0"/>
-          </a:p>
-          <a:p>
-            <a:r>
-              <a:rPr lang="en-US" dirty="0" smtClean="0"/>
-              <a:t>I don’t know if the shape </a:t>
-            </a:r>
+              <a:t>The spectrum of filter is correctly. It filters out the signal below 800Hz.</a:t>
+            </a:r>
+          </a:p>
+          <a:p>
             <a:r>
               <a:rPr lang="en-US" dirty="0"/>
-              <a:t>of filters(amplitude vs time) </a:t>
-            </a:r>
-            <a:r>
-              <a:rPr lang="en-US" dirty="0" smtClean="0"/>
-              <a:t>is reasonable because applying filter convolution to audio, audio in the section in 1000 will be </a:t>
-            </a:r>
-            <a:r>
-              <a:rPr lang="en-US" dirty="0"/>
-              <a:t>remained, and </a:t>
-            </a:r>
-            <a:r>
-              <a:rPr lang="en-US" dirty="0" smtClean="0"/>
-              <a:t>minimize in others. </a:t>
-            </a:r>
-            <a:endParaRPr lang="en-US" dirty="0"/>
+              <a:t>I don’t know if the shape of filters(amplitude vs time) is reasonable because applying filter convolution to audio, audio in the section in 1000 will be remained, and minimize in others. </a:t>
+            </a:r>
           </a:p>
         </p:txBody>
       </p:sp>
@@ -9824,7 +10248,7 @@
 </p:sld>
 </file>
 
-<file path=ppt/slides/slide8.xml><?xml version="1.0" encoding="utf-8"?>
+<file path=ppt/slides/slide9.xml><?xml version="1.0" encoding="utf-8"?>
 <p:sld xmlns:a="http://schemas.openxmlformats.org/drawingml/2006/main" xmlns:r="http://schemas.openxmlformats.org/officeDocument/2006/relationships" xmlns:p="http://schemas.openxmlformats.org/presentationml/2006/main">
   <p:cSld>
     <p:spTree>
@@ -9858,13 +10282,8 @@
           <a:p>
             <a:r>
               <a:rPr lang="en-US" dirty="0"/>
-              <a:t>Compare spectrum and shape of filters</a:t>
-            </a:r>
-            <a:r>
-              <a:rPr lang="en-US" dirty="0" smtClean="0"/>
-              <a:t>– bandpass</a:t>
-            </a:r>
-            <a:endParaRPr lang="en-US" dirty="0"/>
+              <a:t>Compare spectrum and shape of filters– bandpass</a:t>
+            </a:r>
           </a:p>
         </p:txBody>
       </p:sp>
@@ -9890,43 +10309,30 @@
           <a:p>
             <a:r>
               <a:rPr lang="en-US" dirty="0"/>
-              <a:t>The spectrum of filter is correctly. It remains the signal </a:t>
-            </a:r>
-            <a:r>
-              <a:rPr lang="en-US" dirty="0" smtClean="0"/>
-              <a:t>between 400 and 750Hz.</a:t>
+              <a:t>The spectrum of filter is correctly. It remains the signal between 400 and 750Hz.</a:t>
             </a:r>
           </a:p>
           <a:p>
             <a:r>
               <a:rPr lang="en-US" dirty="0"/>
-              <a:t>The shape of </a:t>
-            </a:r>
-            <a:r>
-              <a:rPr lang="en-US" dirty="0" smtClean="0"/>
-              <a:t>filter</a:t>
-            </a:r>
-            <a:r>
-              <a:rPr lang="en-US" altLang="zh-TW" dirty="0" smtClean="0"/>
+              <a:t>The shape of filter</a:t>
+            </a:r>
+            <a:r>
+              <a:rPr lang="en-US" altLang="zh-TW" dirty="0"/>
               <a:t>: Mentioned in </a:t>
             </a:r>
             <a:r>
-              <a:rPr lang="en-US" altLang="zh-TW" dirty="0" err="1" smtClean="0"/>
+              <a:rPr lang="en-US" altLang="zh-TW" dirty="0" err="1"/>
               <a:t>preious</a:t>
             </a:r>
             <a:r>
-              <a:rPr lang="en-US" altLang="zh-TW" dirty="0" smtClean="0"/>
+              <a:rPr lang="en-US" altLang="zh-TW" dirty="0"/>
               <a:t> page, </a:t>
             </a:r>
             <a:r>
               <a:rPr lang="en-US" dirty="0"/>
-              <a:t>I don’t know if the shape of filters(amplitude vs time) is </a:t>
-            </a:r>
-            <a:r>
-              <a:rPr lang="en-US" dirty="0" smtClean="0"/>
-              <a:t>reasonable.</a:t>
-            </a:r>
-            <a:endParaRPr lang="en-US" dirty="0"/>
+              <a:t>I don’t know if the shape of filters(amplitude vs time) is reasonable.</a:t>
+            </a:r>
           </a:p>
         </p:txBody>
       </p:sp>
@@ -9963,272 +10369,6 @@
     <p:extLst>
       <p:ext uri="{BB962C8B-B14F-4D97-AF65-F5344CB8AC3E}">
         <p14:creationId xmlns:p14="http://schemas.microsoft.com/office/powerpoint/2010/main" val="3705610570"/>
-      </p:ext>
-    </p:extLst>
-  </p:cSld>
-  <p:clrMapOvr>
-    <a:masterClrMapping/>
-  </p:clrMapOvr>
-</p:sld>
-</file>
-
-<file path=ppt/slides/slide9.xml><?xml version="1.0" encoding="utf-8"?>
-<p:sld xmlns:a="http://schemas.openxmlformats.org/drawingml/2006/main" xmlns:r="http://schemas.openxmlformats.org/officeDocument/2006/relationships" xmlns:p="http://schemas.openxmlformats.org/presentationml/2006/main">
-  <p:cSld>
-    <p:spTree>
-      <p:nvGrpSpPr>
-        <p:cNvPr id="1" name=""/>
-        <p:cNvGrpSpPr/>
-        <p:nvPr/>
-      </p:nvGrpSpPr>
-      <p:grpSpPr>
-        <a:xfrm>
-          <a:off x="0" y="0"/>
-          <a:ext cx="0" cy="0"/>
-          <a:chOff x="0" y="0"/>
-          <a:chExt cx="0" cy="0"/>
-        </a:xfrm>
-      </p:grpSpPr>
-      <p:sp>
-        <p:nvSpPr>
-          <p:cNvPr id="2" name="標題 1"/>
-          <p:cNvSpPr>
-            <a:spLocks noGrp="1"/>
-          </p:cNvSpPr>
-          <p:nvPr>
-            <p:ph type="title"/>
-          </p:nvPr>
-        </p:nvSpPr>
-        <p:spPr/>
-        <p:txBody>
-          <a:bodyPr/>
-          <a:lstStyle/>
-          <a:p>
-            <a:r>
-              <a:rPr lang="en-US" dirty="0" smtClean="0"/>
-              <a:t>Implement the one/multiple fold echo</a:t>
-            </a:r>
-            <a:endParaRPr lang="en-US" dirty="0"/>
-          </a:p>
-        </p:txBody>
-      </p:sp>
-      <p:sp>
-        <p:nvSpPr>
-          <p:cNvPr id="4" name="文字方塊 3"/>
-          <p:cNvSpPr txBox="1"/>
-          <p:nvPr/>
-        </p:nvSpPr>
-        <p:spPr>
-          <a:xfrm>
-            <a:off x="677334" y="1457435"/>
-            <a:ext cx="9429184" cy="2308324"/>
-          </a:xfrm>
-          <a:prstGeom prst="rect">
-            <a:avLst/>
-          </a:prstGeom>
-          <a:noFill/>
-        </p:spPr>
-        <p:txBody>
-          <a:bodyPr wrap="none" rtlCol="0">
-            <a:spAutoFit/>
-          </a:bodyPr>
-          <a:lstStyle/>
-          <a:p>
-            <a:r>
-              <a:rPr lang="en-US" b="1" i="1" dirty="0" smtClean="0">
-                <a:solidFill>
-                  <a:schemeClr val="tx2">
-                    <a:lumMod val="75000"/>
-                  </a:schemeClr>
-                </a:solidFill>
-                <a:latin typeface="Consolas" panose="020B0609020204030204" pitchFamily="49" charset="0"/>
-              </a:rPr>
-              <a:t>% one-fold echo</a:t>
-            </a:r>
-          </a:p>
-          <a:p>
-            <a:r>
-              <a:rPr lang="en-US" dirty="0" smtClean="0">
-                <a:solidFill>
-                  <a:schemeClr val="tx2">
-                    <a:lumMod val="75000"/>
-                  </a:schemeClr>
-                </a:solidFill>
-                <a:latin typeface="Consolas" panose="020B0609020204030204" pitchFamily="49" charset="0"/>
-              </a:rPr>
-              <a:t>[row, col] = size(</a:t>
-            </a:r>
-            <a:r>
-              <a:rPr lang="en-US" dirty="0" err="1" smtClean="0">
-                <a:solidFill>
-                  <a:schemeClr val="tx2">
-                    <a:lumMod val="75000"/>
-                  </a:schemeClr>
-                </a:solidFill>
-                <a:latin typeface="Consolas" panose="020B0609020204030204" pitchFamily="49" charset="0"/>
-              </a:rPr>
-              <a:t>outputSignal</a:t>
-            </a:r>
-            <a:r>
-              <a:rPr lang="en-US" dirty="0" smtClean="0">
-                <a:solidFill>
-                  <a:schemeClr val="tx2">
-                    <a:lumMod val="75000"/>
-                  </a:schemeClr>
-                </a:solidFill>
-                <a:latin typeface="Consolas" panose="020B0609020204030204" pitchFamily="49" charset="0"/>
-              </a:rPr>
-              <a:t>);</a:t>
-            </a:r>
-          </a:p>
-          <a:p>
-            <a:r>
-              <a:rPr lang="en-US" dirty="0" err="1" smtClean="0">
-                <a:solidFill>
-                  <a:schemeClr val="tx2">
-                    <a:lumMod val="75000"/>
-                  </a:schemeClr>
-                </a:solidFill>
-                <a:latin typeface="Consolas" panose="020B0609020204030204" pitchFamily="49" charset="0"/>
-              </a:rPr>
-              <a:t>oneEcho</a:t>
-            </a:r>
-            <a:r>
-              <a:rPr lang="en-US" dirty="0" smtClean="0">
-                <a:solidFill>
-                  <a:schemeClr val="tx2">
-                    <a:lumMod val="75000"/>
-                  </a:schemeClr>
-                </a:solidFill>
-                <a:latin typeface="Consolas" panose="020B0609020204030204" pitchFamily="49" charset="0"/>
-              </a:rPr>
-              <a:t> = zeros(row, 1);</a:t>
-            </a:r>
-          </a:p>
-          <a:p>
-            <a:r>
-              <a:rPr lang="en-US" dirty="0" smtClean="0">
-                <a:solidFill>
-                  <a:schemeClr val="tx2">
-                    <a:lumMod val="75000"/>
-                  </a:schemeClr>
-                </a:solidFill>
-                <a:latin typeface="Consolas" panose="020B0609020204030204" pitchFamily="49" charset="0"/>
-              </a:rPr>
-              <a:t>for n = 1: row</a:t>
-            </a:r>
-          </a:p>
-          <a:p>
-            <a:r>
-              <a:rPr lang="en-US" dirty="0" smtClean="0">
-                <a:solidFill>
-                  <a:schemeClr val="tx2">
-                    <a:lumMod val="75000"/>
-                  </a:schemeClr>
-                </a:solidFill>
-                <a:latin typeface="Consolas" panose="020B0609020204030204" pitchFamily="49" charset="0"/>
-              </a:rPr>
-              <a:t>    if (n-3200 &gt; 1)</a:t>
-            </a:r>
-          </a:p>
-          <a:p>
-            <a:r>
-              <a:rPr lang="pt-BR" dirty="0" smtClean="0">
-                <a:solidFill>
-                  <a:schemeClr val="tx2">
-                    <a:lumMod val="75000"/>
-                  </a:schemeClr>
-                </a:solidFill>
-                <a:latin typeface="Consolas" panose="020B0609020204030204" pitchFamily="49" charset="0"/>
-              </a:rPr>
-              <a:t>        oneEcho(n, 1) = outputSignal(n, 1) + 0.8*outputSignal(n-3200, 1);</a:t>
-            </a:r>
-          </a:p>
-          <a:p>
-            <a:r>
-              <a:rPr lang="en-US" dirty="0" smtClean="0">
-                <a:solidFill>
-                  <a:schemeClr val="tx2">
-                    <a:lumMod val="75000"/>
-                  </a:schemeClr>
-                </a:solidFill>
-                <a:latin typeface="Consolas" panose="020B0609020204030204" pitchFamily="49" charset="0"/>
-              </a:rPr>
-              <a:t>    end</a:t>
-            </a:r>
-          </a:p>
-          <a:p>
-            <a:r>
-              <a:rPr lang="en-US" dirty="0" smtClean="0">
-                <a:solidFill>
-                  <a:schemeClr val="tx2">
-                    <a:lumMod val="75000"/>
-                  </a:schemeClr>
-                </a:solidFill>
-                <a:latin typeface="Consolas" panose="020B0609020204030204" pitchFamily="49" charset="0"/>
-              </a:rPr>
-              <a:t>end</a:t>
-            </a:r>
-          </a:p>
-        </p:txBody>
-      </p:sp>
-      <p:sp>
-        <p:nvSpPr>
-          <p:cNvPr id="5" name="內容版面配置區 2"/>
-          <p:cNvSpPr>
-            <a:spLocks noGrp="1"/>
-          </p:cNvSpPr>
-          <p:nvPr>
-            <p:ph idx="1"/>
-          </p:nvPr>
-        </p:nvSpPr>
-        <p:spPr>
-          <a:xfrm>
-            <a:off x="677334" y="4267200"/>
-            <a:ext cx="8596668" cy="1774162"/>
-          </a:xfrm>
-        </p:spPr>
-        <p:txBody>
-          <a:bodyPr>
-            <a:normAutofit/>
-          </a:bodyPr>
-          <a:lstStyle/>
-          <a:p>
-            <a:r>
-              <a:rPr lang="en-US" dirty="0" smtClean="0"/>
-              <a:t>fs=44100Hz, time </a:t>
-            </a:r>
-            <a:r>
-              <a:rPr lang="en-US" dirty="0" err="1" smtClean="0"/>
-              <a:t>differernce</a:t>
-            </a:r>
-            <a:r>
-              <a:rPr lang="en-US" dirty="0" smtClean="0"/>
-              <a:t> of echo and original signal = 3200/fs = 0.07s</a:t>
-            </a:r>
-          </a:p>
-          <a:p>
-            <a:r>
-              <a:rPr lang="en-US" dirty="0" smtClean="0"/>
-              <a:t>Adding signal before 0.07s is so weak, nearly no effect.</a:t>
-            </a:r>
-          </a:p>
-          <a:p>
-            <a:r>
-              <a:rPr lang="en-US" dirty="0" smtClean="0"/>
-              <a:t>http</a:t>
-            </a:r>
-            <a:r>
-              <a:rPr lang="en-US" dirty="0"/>
-              <a:t>://mirlab.org/jang/books/audiosignalProcessing/filterApplication_chinese.asp?title=11-1%20Filter%20Applications%20(%C2o%AAi%BE%B9%C0%B3%A5%CE)</a:t>
-            </a:r>
-          </a:p>
-        </p:txBody>
-      </p:sp>
-    </p:spTree>
-    <p:extLst>
-      <p:ext uri="{BB962C8B-B14F-4D97-AF65-F5344CB8AC3E}">
-        <p14:creationId xmlns:p14="http://schemas.microsoft.com/office/powerpoint/2010/main" val="77578195"/>
       </p:ext>
     </p:extLst>
   </p:cSld>
